--- a/Checkpoint3_team 20_Ваганов_Валова_Волык.pptx
+++ b/Checkpoint3_team 20_Ваганов_Валова_Волык.pptx
@@ -5,29 +5,26 @@
     <p:sldMasterId id="2147483648" r:id="rId1"/>
   </p:sldMasterIdLst>
   <p:notesMasterIdLst>
-    <p:notesMasterId r:id="rId12"/>
+    <p:notesMasterId r:id="rId9"/>
   </p:notesMasterIdLst>
   <p:sldIdLst>
     <p:sldId id="256" r:id="rId2"/>
     <p:sldId id="257" r:id="rId3"/>
     <p:sldId id="258" r:id="rId4"/>
-    <p:sldId id="259" r:id="rId5"/>
-    <p:sldId id="260" r:id="rId6"/>
-    <p:sldId id="261" r:id="rId7"/>
-    <p:sldId id="262" r:id="rId8"/>
-    <p:sldId id="263" r:id="rId9"/>
-    <p:sldId id="264" r:id="rId10"/>
-    <p:sldId id="265" r:id="rId11"/>
+    <p:sldId id="266" r:id="rId5"/>
+    <p:sldId id="267" r:id="rId6"/>
+    <p:sldId id="268" r:id="rId7"/>
+    <p:sldId id="265" r:id="rId8"/>
   </p:sldIdLst>
   <p:sldSz cx="8999538" cy="5040313"/>
   <p:notesSz cx="6858000" cy="9144000"/>
   <p:embeddedFontLst>
     <p:embeddedFont>
       <p:font typeface="Montserrat" pitchFamily="2" charset="0"/>
-      <p:regular r:id="rId13"/>
-      <p:bold r:id="rId14"/>
-      <p:italic r:id="rId15"/>
-      <p:boldItalic r:id="rId16"/>
+      <p:regular r:id="rId10"/>
+      <p:bold r:id="rId11"/>
+      <p:italic r:id="rId12"/>
+      <p:boldItalic r:id="rId13"/>
     </p:embeddedFont>
   </p:embeddedFontLst>
   <p:defaultTextStyle>
@@ -290,7 +287,7 @@
       </p15:sldGuideLst>
     </p:ext>
     <p:ext uri="GoogleSlidesCustomDataVersion2">
-      <go:slidesCustomData xmlns:go="http://customooxmlschemas.google.com/" xmlns:ahyp="http://schemas.microsoft.com/office/drawing/2018/hyperlinkcolor" xmlns:p15="http://schemas.microsoft.com/office/powerpoint/2012/main" xmlns:p14="http://schemas.microsoft.com/office/powerpoint/2010/main" xmlns:com="http://schemas.openxmlformats.org/drawingml/2006/compatibility" xmlns:pvml="urn:schemas-microsoft-com:office:powerpoint" xmlns:v="urn:schemas-microsoft-com:vml" xmlns:o="urn:schemas-microsoft-com:office:office" xmlns:dgm="http://schemas.openxmlformats.org/drawingml/2006/diagram" xmlns:c="http://schemas.openxmlformats.org/drawingml/2006/chart" xmlns:mv="urn:schemas-microsoft-com:mac:vml" xmlns:mc="http://schemas.openxmlformats.org/markup-compatibility/2006" xmlns="" r:id="rId20" roundtripDataSignature="AMtx7mjolwsOvHVWzx2DO4GooPe/aFWZkg=="/>
+      <go:slidesCustomData xmlns="" xmlns:mc="http://schemas.openxmlformats.org/markup-compatibility/2006" xmlns:mv="urn:schemas-microsoft-com:mac:vml" xmlns:c="http://schemas.openxmlformats.org/drawingml/2006/chart" xmlns:dgm="http://schemas.openxmlformats.org/drawingml/2006/diagram" xmlns:o="urn:schemas-microsoft-com:office:office" xmlns:v="urn:schemas-microsoft-com:vml" xmlns:pvml="urn:schemas-microsoft-com:office:powerpoint" xmlns:com="http://schemas.openxmlformats.org/drawingml/2006/compatibility" xmlns:p14="http://schemas.microsoft.com/office/powerpoint/2010/main" xmlns:p15="http://schemas.microsoft.com/office/powerpoint/2012/main" xmlns:ahyp="http://schemas.microsoft.com/office/drawing/2018/hyperlinkcolor" xmlns:go="http://customooxmlschemas.google.com/" r:id="rId20" roundtripDataSignature="AMtx7mjolwsOvHVWzx2DO4GooPe/aFWZkg=="/>
     </p:ext>
   </p:extLst>
 </p:presentation>
@@ -901,8 +898,8 @@
         </p:nvSpPr>
         <p:spPr>
           <a:xfrm>
-            <a:off x="367712" y="685800"/>
-            <a:ext cx="6123300" cy="3429000"/>
+            <a:off x="368300" y="685800"/>
+            <a:ext cx="6122988" cy="3429000"/>
           </a:xfrm>
           <a:custGeom>
             <a:avLst/>
@@ -994,128 +991,6 @@
 </p:notes>
 </file>
 
-<file path=ppt/notesSlides/notesSlide10.xml><?xml version="1.0" encoding="utf-8"?>
-<p:notes xmlns:a="http://schemas.openxmlformats.org/drawingml/2006/main" xmlns:r="http://schemas.openxmlformats.org/officeDocument/2006/relationships" xmlns:p="http://schemas.openxmlformats.org/presentationml/2006/main" showMasterSp="0" showMasterPhAnim="0">
-  <p:cSld>
-    <p:spTree>
-      <p:nvGrpSpPr>
-        <p:cNvPr id="1" name="Shape 137"/>
-        <p:cNvGrpSpPr/>
-        <p:nvPr/>
-      </p:nvGrpSpPr>
-      <p:grpSpPr>
-        <a:xfrm>
-          <a:off x="0" y="0"/>
-          <a:ext cx="0" cy="0"/>
-          <a:chOff x="0" y="0"/>
-          <a:chExt cx="0" cy="0"/>
-        </a:xfrm>
-      </p:grpSpPr>
-      <p:sp>
-        <p:nvSpPr>
-          <p:cNvPr id="138" name="Google Shape;138;p28:notes"/>
-          <p:cNvSpPr>
-            <a:spLocks noGrp="1" noRot="1" noChangeAspect="1"/>
-          </p:cNvSpPr>
-          <p:nvPr>
-            <p:ph type="sldImg" idx="2"/>
-          </p:nvPr>
-        </p:nvSpPr>
-        <p:spPr>
-          <a:xfrm>
-            <a:off x="367712" y="685800"/>
-            <a:ext cx="6123300" cy="3429000"/>
-          </a:xfrm>
-          <a:custGeom>
-            <a:avLst/>
-            <a:gdLst/>
-            <a:ahLst/>
-            <a:cxnLst/>
-            <a:rect l="l" t="t" r="r" b="b"/>
-            <a:pathLst>
-              <a:path w="120000" h="120000" extrusionOk="0">
-                <a:moveTo>
-                  <a:pt x="0" y="0"/>
-                </a:moveTo>
-                <a:lnTo>
-                  <a:pt x="120000" y="0"/>
-                </a:lnTo>
-                <a:lnTo>
-                  <a:pt x="120000" y="120000"/>
-                </a:lnTo>
-                <a:lnTo>
-                  <a:pt x="0" y="120000"/>
-                </a:lnTo>
-                <a:close/>
-              </a:path>
-            </a:pathLst>
-          </a:custGeom>
-          <a:noFill/>
-          <a:ln w="9525" cap="flat" cmpd="sng">
-            <a:solidFill>
-              <a:srgbClr val="000000"/>
-            </a:solidFill>
-            <a:prstDash val="solid"/>
-            <a:round/>
-            <a:headEnd type="none" w="sm" len="sm"/>
-            <a:tailEnd type="none" w="sm" len="sm"/>
-          </a:ln>
-        </p:spPr>
-      </p:sp>
-      <p:sp>
-        <p:nvSpPr>
-          <p:cNvPr id="139" name="Google Shape;139;p28:notes"/>
-          <p:cNvSpPr txBox="1">
-            <a:spLocks noGrp="1"/>
-          </p:cNvSpPr>
-          <p:nvPr>
-            <p:ph type="body" idx="1"/>
-          </p:nvPr>
-        </p:nvSpPr>
-        <p:spPr>
-          <a:xfrm>
-            <a:off x="685800" y="4343400"/>
-            <a:ext cx="5486400" cy="4114800"/>
-          </a:xfrm>
-          <a:prstGeom prst="rect">
-            <a:avLst/>
-          </a:prstGeom>
-          <a:noFill/>
-          <a:ln>
-            <a:noFill/>
-          </a:ln>
-        </p:spPr>
-        <p:txBody>
-          <a:bodyPr spcFirstLastPara="1" wrap="square" lIns="91425" tIns="91425" rIns="91425" bIns="91425" anchor="t" anchorCtr="0">
-            <a:noAutofit/>
-          </a:bodyPr>
-          <a:lstStyle/>
-          <a:p>
-            <a:pPr marL="0" lvl="0" indent="0" algn="l" rtl="0">
-              <a:lnSpc>
-                <a:spcPct val="100000"/>
-              </a:lnSpc>
-              <a:spcBef>
-                <a:spcPts val="0"/>
-              </a:spcBef>
-              <a:spcAft>
-                <a:spcPts val="0"/>
-              </a:spcAft>
-              <a:buSzPts val="1100"/>
-              <a:buNone/>
-            </a:pPr>
-            <a:endParaRPr/>
-          </a:p>
-        </p:txBody>
-      </p:sp>
-    </p:spTree>
-  </p:cSld>
-  <p:clrMapOvr>
-    <a:masterClrMapping/>
-  </p:clrMapOvr>
-</p:notes>
-</file>
-
 <file path=ppt/notesSlides/notesSlide2.xml><?xml version="1.0" encoding="utf-8"?>
 <p:notes xmlns:a="http://schemas.openxmlformats.org/drawingml/2006/main" xmlns:r="http://schemas.openxmlformats.org/officeDocument/2006/relationships" xmlns:p="http://schemas.openxmlformats.org/presentationml/2006/main" showMasterSp="0" showMasterPhAnim="0">
   <p:cSld>
@@ -1145,8 +1020,8 @@
         </p:nvSpPr>
         <p:spPr>
           <a:xfrm>
-            <a:off x="367712" y="685800"/>
-            <a:ext cx="6123300" cy="3429000"/>
+            <a:off x="368300" y="685800"/>
+            <a:ext cx="6122988" cy="3429000"/>
           </a:xfrm>
           <a:custGeom>
             <a:avLst/>
@@ -1267,8 +1142,8 @@
         </p:nvSpPr>
         <p:spPr>
           <a:xfrm>
-            <a:off x="367712" y="685800"/>
-            <a:ext cx="6123300" cy="3429000"/>
+            <a:off x="368300" y="685800"/>
+            <a:ext cx="6122988" cy="3429000"/>
           </a:xfrm>
           <a:custGeom>
             <a:avLst/>
@@ -1365,7 +1240,13 @@
   <p:cSld>
     <p:spTree>
       <p:nvGrpSpPr>
-        <p:cNvPr id="1" name="Shape 72"/>
+        <p:cNvPr id="1" name="Shape 65">
+          <a:extLst>
+            <a:ext uri="{FF2B5EF4-FFF2-40B4-BE49-F238E27FC236}">
+              <a16:creationId xmlns:a16="http://schemas.microsoft.com/office/drawing/2014/main" id="{59760894-C28B-DBDD-73FB-EB91E6F80B59}"/>
+            </a:ext>
+          </a:extLst>
+        </p:cNvPr>
         <p:cNvGrpSpPr/>
         <p:nvPr/>
       </p:nvGrpSpPr>
@@ -1379,7 +1260,13 @@
       </p:grpSpPr>
       <p:sp>
         <p:nvSpPr>
-          <p:cNvPr id="73" name="Google Shape;73;p8:notes"/>
+          <p:cNvPr id="66" name="Google Shape;66;p9:notes">
+            <a:extLst>
+              <a:ext uri="{FF2B5EF4-FFF2-40B4-BE49-F238E27FC236}">
+                <a16:creationId xmlns:a16="http://schemas.microsoft.com/office/drawing/2014/main" id="{8A102E28-038C-CD5F-2B1E-97A5ACF71550}"/>
+              </a:ext>
+            </a:extLst>
+          </p:cNvPr>
           <p:cNvSpPr>
             <a:spLocks noGrp="1" noRot="1" noChangeAspect="1"/>
           </p:cNvSpPr>
@@ -1389,8 +1276,8 @@
         </p:nvSpPr>
         <p:spPr>
           <a:xfrm>
-            <a:off x="367712" y="685800"/>
-            <a:ext cx="6123300" cy="3429000"/>
+            <a:off x="368300" y="685800"/>
+            <a:ext cx="6122988" cy="3429000"/>
           </a:xfrm>
           <a:custGeom>
             <a:avLst/>
@@ -1430,7 +1317,13 @@
       </p:sp>
       <p:sp>
         <p:nvSpPr>
-          <p:cNvPr id="74" name="Google Shape;74;p8:notes"/>
+          <p:cNvPr id="67" name="Google Shape;67;p9:notes">
+            <a:extLst>
+              <a:ext uri="{FF2B5EF4-FFF2-40B4-BE49-F238E27FC236}">
+                <a16:creationId xmlns:a16="http://schemas.microsoft.com/office/drawing/2014/main" id="{21324ECB-EB14-8036-577D-B21825977810}"/>
+              </a:ext>
+            </a:extLst>
+          </p:cNvPr>
           <p:cNvSpPr txBox="1">
             <a:spLocks noGrp="1"/>
           </p:cNvSpPr>
@@ -1475,6 +1368,11 @@
         </p:txBody>
       </p:sp>
     </p:spTree>
+    <p:extLst>
+      <p:ext uri="{BB962C8B-B14F-4D97-AF65-F5344CB8AC3E}">
+        <p14:creationId xmlns:p14="http://schemas.microsoft.com/office/powerpoint/2010/main" val="3989682424"/>
+      </p:ext>
+    </p:extLst>
   </p:cSld>
   <p:clrMapOvr>
     <a:masterClrMapping/>
@@ -1487,7 +1385,13 @@
   <p:cSld>
     <p:spTree>
       <p:nvGrpSpPr>
-        <p:cNvPr id="1" name="Shape 78"/>
+        <p:cNvPr id="1" name="Shape 65">
+          <a:extLst>
+            <a:ext uri="{FF2B5EF4-FFF2-40B4-BE49-F238E27FC236}">
+              <a16:creationId xmlns:a16="http://schemas.microsoft.com/office/drawing/2014/main" id="{EE53A3A5-3878-AFFF-5CA0-6E86D2F0B07B}"/>
+            </a:ext>
+          </a:extLst>
+        </p:cNvPr>
         <p:cNvGrpSpPr/>
         <p:nvPr/>
       </p:nvGrpSpPr>
@@ -1501,7 +1405,13 @@
       </p:grpSpPr>
       <p:sp>
         <p:nvSpPr>
-          <p:cNvPr id="79" name="Google Shape;79;p20:notes"/>
+          <p:cNvPr id="66" name="Google Shape;66;p9:notes">
+            <a:extLst>
+              <a:ext uri="{FF2B5EF4-FFF2-40B4-BE49-F238E27FC236}">
+                <a16:creationId xmlns:a16="http://schemas.microsoft.com/office/drawing/2014/main" id="{AF79CFD4-168C-3911-85AF-05D29044ED1C}"/>
+              </a:ext>
+            </a:extLst>
+          </p:cNvPr>
           <p:cNvSpPr>
             <a:spLocks noGrp="1" noRot="1" noChangeAspect="1"/>
           </p:cNvSpPr>
@@ -1511,8 +1421,8 @@
         </p:nvSpPr>
         <p:spPr>
           <a:xfrm>
-            <a:off x="367712" y="685800"/>
-            <a:ext cx="6123300" cy="3429000"/>
+            <a:off x="368300" y="685800"/>
+            <a:ext cx="6122988" cy="3429000"/>
           </a:xfrm>
           <a:custGeom>
             <a:avLst/>
@@ -1552,7 +1462,13 @@
       </p:sp>
       <p:sp>
         <p:nvSpPr>
-          <p:cNvPr id="80" name="Google Shape;80;p20:notes"/>
+          <p:cNvPr id="67" name="Google Shape;67;p9:notes">
+            <a:extLst>
+              <a:ext uri="{FF2B5EF4-FFF2-40B4-BE49-F238E27FC236}">
+                <a16:creationId xmlns:a16="http://schemas.microsoft.com/office/drawing/2014/main" id="{097D173B-3AE6-F8BF-B9B7-700215CFDE6A}"/>
+              </a:ext>
+            </a:extLst>
+          </p:cNvPr>
           <p:cNvSpPr txBox="1">
             <a:spLocks noGrp="1"/>
           </p:cNvSpPr>
@@ -1597,6 +1513,11 @@
         </p:txBody>
       </p:sp>
     </p:spTree>
+    <p:extLst>
+      <p:ext uri="{BB962C8B-B14F-4D97-AF65-F5344CB8AC3E}">
+        <p14:creationId xmlns:p14="http://schemas.microsoft.com/office/powerpoint/2010/main" val="2726201333"/>
+      </p:ext>
+    </p:extLst>
   </p:cSld>
   <p:clrMapOvr>
     <a:masterClrMapping/>
@@ -1609,7 +1530,13 @@
   <p:cSld>
     <p:spTree>
       <p:nvGrpSpPr>
-        <p:cNvPr id="1" name="Shape 87"/>
+        <p:cNvPr id="1" name="Shape 65">
+          <a:extLst>
+            <a:ext uri="{FF2B5EF4-FFF2-40B4-BE49-F238E27FC236}">
+              <a16:creationId xmlns:a16="http://schemas.microsoft.com/office/drawing/2014/main" id="{99C8B135-2BF2-D5DD-44D2-A75240D53372}"/>
+            </a:ext>
+          </a:extLst>
+        </p:cNvPr>
         <p:cNvGrpSpPr/>
         <p:nvPr/>
       </p:nvGrpSpPr>
@@ -1623,7 +1550,13 @@
       </p:grpSpPr>
       <p:sp>
         <p:nvSpPr>
-          <p:cNvPr id="88" name="Google Shape;88;p22:notes"/>
+          <p:cNvPr id="66" name="Google Shape;66;p9:notes">
+            <a:extLst>
+              <a:ext uri="{FF2B5EF4-FFF2-40B4-BE49-F238E27FC236}">
+                <a16:creationId xmlns:a16="http://schemas.microsoft.com/office/drawing/2014/main" id="{6062B4BB-7728-81AD-9AE7-E5DC89529F65}"/>
+              </a:ext>
+            </a:extLst>
+          </p:cNvPr>
           <p:cNvSpPr>
             <a:spLocks noGrp="1" noRot="1" noChangeAspect="1"/>
           </p:cNvSpPr>
@@ -1633,8 +1566,8 @@
         </p:nvSpPr>
         <p:spPr>
           <a:xfrm>
-            <a:off x="367712" y="685800"/>
-            <a:ext cx="6123300" cy="3429000"/>
+            <a:off x="368300" y="685800"/>
+            <a:ext cx="6122988" cy="3429000"/>
           </a:xfrm>
           <a:custGeom>
             <a:avLst/>
@@ -1674,7 +1607,13 @@
       </p:sp>
       <p:sp>
         <p:nvSpPr>
-          <p:cNvPr id="89" name="Google Shape;89;p22:notes"/>
+          <p:cNvPr id="67" name="Google Shape;67;p9:notes">
+            <a:extLst>
+              <a:ext uri="{FF2B5EF4-FFF2-40B4-BE49-F238E27FC236}">
+                <a16:creationId xmlns:a16="http://schemas.microsoft.com/office/drawing/2014/main" id="{6C2FBB3A-0433-A902-5684-ECC2EDB8EE2F}"/>
+              </a:ext>
+            </a:extLst>
+          </p:cNvPr>
           <p:cNvSpPr txBox="1">
             <a:spLocks noGrp="1"/>
           </p:cNvSpPr>
@@ -1719,6 +1658,11 @@
         </p:txBody>
       </p:sp>
     </p:spTree>
+    <p:extLst>
+      <p:ext uri="{BB962C8B-B14F-4D97-AF65-F5344CB8AC3E}">
+        <p14:creationId xmlns:p14="http://schemas.microsoft.com/office/powerpoint/2010/main" val="1173075045"/>
+      </p:ext>
+    </p:extLst>
   </p:cSld>
   <p:clrMapOvr>
     <a:masterClrMapping/>
@@ -1731,7 +1675,7 @@
   <p:cSld>
     <p:spTree>
       <p:nvGrpSpPr>
-        <p:cNvPr id="1" name="Shape 101"/>
+        <p:cNvPr id="1" name="Shape 137"/>
         <p:cNvGrpSpPr/>
         <p:nvPr/>
       </p:nvGrpSpPr>
@@ -1745,7 +1689,7 @@
       </p:grpSpPr>
       <p:sp>
         <p:nvSpPr>
-          <p:cNvPr id="102" name="Google Shape;102;p23:notes"/>
+          <p:cNvPr id="138" name="Google Shape;138;p28:notes"/>
           <p:cNvSpPr>
             <a:spLocks noGrp="1" noRot="1" noChangeAspect="1"/>
           </p:cNvSpPr>
@@ -1755,8 +1699,8 @@
         </p:nvSpPr>
         <p:spPr>
           <a:xfrm>
-            <a:off x="367712" y="685800"/>
-            <a:ext cx="6123300" cy="3429000"/>
+            <a:off x="368300" y="685800"/>
+            <a:ext cx="6122988" cy="3429000"/>
           </a:xfrm>
           <a:custGeom>
             <a:avLst/>
@@ -1796,251 +1740,7 @@
       </p:sp>
       <p:sp>
         <p:nvSpPr>
-          <p:cNvPr id="103" name="Google Shape;103;p23:notes"/>
-          <p:cNvSpPr txBox="1">
-            <a:spLocks noGrp="1"/>
-          </p:cNvSpPr>
-          <p:nvPr>
-            <p:ph type="body" idx="1"/>
-          </p:nvPr>
-        </p:nvSpPr>
-        <p:spPr>
-          <a:xfrm>
-            <a:off x="685800" y="4343400"/>
-            <a:ext cx="5486400" cy="4114800"/>
-          </a:xfrm>
-          <a:prstGeom prst="rect">
-            <a:avLst/>
-          </a:prstGeom>
-          <a:noFill/>
-          <a:ln>
-            <a:noFill/>
-          </a:ln>
-        </p:spPr>
-        <p:txBody>
-          <a:bodyPr spcFirstLastPara="1" wrap="square" lIns="91425" tIns="91425" rIns="91425" bIns="91425" anchor="t" anchorCtr="0">
-            <a:noAutofit/>
-          </a:bodyPr>
-          <a:lstStyle/>
-          <a:p>
-            <a:pPr marL="0" lvl="0" indent="0" algn="l" rtl="0">
-              <a:lnSpc>
-                <a:spcPct val="100000"/>
-              </a:lnSpc>
-              <a:spcBef>
-                <a:spcPts val="0"/>
-              </a:spcBef>
-              <a:spcAft>
-                <a:spcPts val="0"/>
-              </a:spcAft>
-              <a:buSzPts val="1100"/>
-              <a:buNone/>
-            </a:pPr>
-            <a:endParaRPr/>
-          </a:p>
-        </p:txBody>
-      </p:sp>
-    </p:spTree>
-  </p:cSld>
-  <p:clrMapOvr>
-    <a:masterClrMapping/>
-  </p:clrMapOvr>
-</p:notes>
-</file>
-
-<file path=ppt/notesSlides/notesSlide8.xml><?xml version="1.0" encoding="utf-8"?>
-<p:notes xmlns:a="http://schemas.openxmlformats.org/drawingml/2006/main" xmlns:r="http://schemas.openxmlformats.org/officeDocument/2006/relationships" xmlns:p="http://schemas.openxmlformats.org/presentationml/2006/main" showMasterSp="0" showMasterPhAnim="0">
-  <p:cSld>
-    <p:spTree>
-      <p:nvGrpSpPr>
-        <p:cNvPr id="1" name="Shape 111"/>
-        <p:cNvGrpSpPr/>
-        <p:nvPr/>
-      </p:nvGrpSpPr>
-      <p:grpSpPr>
-        <a:xfrm>
-          <a:off x="0" y="0"/>
-          <a:ext cx="0" cy="0"/>
-          <a:chOff x="0" y="0"/>
-          <a:chExt cx="0" cy="0"/>
-        </a:xfrm>
-      </p:grpSpPr>
-      <p:sp>
-        <p:nvSpPr>
-          <p:cNvPr id="112" name="Google Shape;112;p24:notes"/>
-          <p:cNvSpPr>
-            <a:spLocks noGrp="1" noRot="1" noChangeAspect="1"/>
-          </p:cNvSpPr>
-          <p:nvPr>
-            <p:ph type="sldImg" idx="2"/>
-          </p:nvPr>
-        </p:nvSpPr>
-        <p:spPr>
-          <a:xfrm>
-            <a:off x="367712" y="685800"/>
-            <a:ext cx="6123300" cy="3429000"/>
-          </a:xfrm>
-          <a:custGeom>
-            <a:avLst/>
-            <a:gdLst/>
-            <a:ahLst/>
-            <a:cxnLst/>
-            <a:rect l="l" t="t" r="r" b="b"/>
-            <a:pathLst>
-              <a:path w="120000" h="120000" extrusionOk="0">
-                <a:moveTo>
-                  <a:pt x="0" y="0"/>
-                </a:moveTo>
-                <a:lnTo>
-                  <a:pt x="120000" y="0"/>
-                </a:lnTo>
-                <a:lnTo>
-                  <a:pt x="120000" y="120000"/>
-                </a:lnTo>
-                <a:lnTo>
-                  <a:pt x="0" y="120000"/>
-                </a:lnTo>
-                <a:close/>
-              </a:path>
-            </a:pathLst>
-          </a:custGeom>
-          <a:noFill/>
-          <a:ln w="9525" cap="flat" cmpd="sng">
-            <a:solidFill>
-              <a:srgbClr val="000000"/>
-            </a:solidFill>
-            <a:prstDash val="solid"/>
-            <a:round/>
-            <a:headEnd type="none" w="sm" len="sm"/>
-            <a:tailEnd type="none" w="sm" len="sm"/>
-          </a:ln>
-        </p:spPr>
-      </p:sp>
-      <p:sp>
-        <p:nvSpPr>
-          <p:cNvPr id="113" name="Google Shape;113;p24:notes"/>
-          <p:cNvSpPr txBox="1">
-            <a:spLocks noGrp="1"/>
-          </p:cNvSpPr>
-          <p:nvPr>
-            <p:ph type="body" idx="1"/>
-          </p:nvPr>
-        </p:nvSpPr>
-        <p:spPr>
-          <a:xfrm>
-            <a:off x="685800" y="4343400"/>
-            <a:ext cx="5486400" cy="4114800"/>
-          </a:xfrm>
-          <a:prstGeom prst="rect">
-            <a:avLst/>
-          </a:prstGeom>
-          <a:noFill/>
-          <a:ln>
-            <a:noFill/>
-          </a:ln>
-        </p:spPr>
-        <p:txBody>
-          <a:bodyPr spcFirstLastPara="1" wrap="square" lIns="91425" tIns="91425" rIns="91425" bIns="91425" anchor="t" anchorCtr="0">
-            <a:noAutofit/>
-          </a:bodyPr>
-          <a:lstStyle/>
-          <a:p>
-            <a:pPr marL="0" lvl="0" indent="0" algn="l" rtl="0">
-              <a:lnSpc>
-                <a:spcPct val="100000"/>
-              </a:lnSpc>
-              <a:spcBef>
-                <a:spcPts val="0"/>
-              </a:spcBef>
-              <a:spcAft>
-                <a:spcPts val="0"/>
-              </a:spcAft>
-              <a:buSzPts val="1100"/>
-              <a:buNone/>
-            </a:pPr>
-            <a:endParaRPr/>
-          </a:p>
-        </p:txBody>
-      </p:sp>
-    </p:spTree>
-  </p:cSld>
-  <p:clrMapOvr>
-    <a:masterClrMapping/>
-  </p:clrMapOvr>
-</p:notes>
-</file>
-
-<file path=ppt/notesSlides/notesSlide9.xml><?xml version="1.0" encoding="utf-8"?>
-<p:notes xmlns:a="http://schemas.openxmlformats.org/drawingml/2006/main" xmlns:r="http://schemas.openxmlformats.org/officeDocument/2006/relationships" xmlns:p="http://schemas.openxmlformats.org/presentationml/2006/main" showMasterSp="0" showMasterPhAnim="0">
-  <p:cSld>
-    <p:spTree>
-      <p:nvGrpSpPr>
-        <p:cNvPr id="1" name="Shape 126"/>
-        <p:cNvGrpSpPr/>
-        <p:nvPr/>
-      </p:nvGrpSpPr>
-      <p:grpSpPr>
-        <a:xfrm>
-          <a:off x="0" y="0"/>
-          <a:ext cx="0" cy="0"/>
-          <a:chOff x="0" y="0"/>
-          <a:chExt cx="0" cy="0"/>
-        </a:xfrm>
-      </p:grpSpPr>
-      <p:sp>
-        <p:nvSpPr>
-          <p:cNvPr id="127" name="Google Shape;127;p25:notes"/>
-          <p:cNvSpPr>
-            <a:spLocks noGrp="1" noRot="1" noChangeAspect="1"/>
-          </p:cNvSpPr>
-          <p:nvPr>
-            <p:ph type="sldImg" idx="2"/>
-          </p:nvPr>
-        </p:nvSpPr>
-        <p:spPr>
-          <a:xfrm>
-            <a:off x="367712" y="685800"/>
-            <a:ext cx="6123300" cy="3429000"/>
-          </a:xfrm>
-          <a:custGeom>
-            <a:avLst/>
-            <a:gdLst/>
-            <a:ahLst/>
-            <a:cxnLst/>
-            <a:rect l="l" t="t" r="r" b="b"/>
-            <a:pathLst>
-              <a:path w="120000" h="120000" extrusionOk="0">
-                <a:moveTo>
-                  <a:pt x="0" y="0"/>
-                </a:moveTo>
-                <a:lnTo>
-                  <a:pt x="120000" y="0"/>
-                </a:lnTo>
-                <a:lnTo>
-                  <a:pt x="120000" y="120000"/>
-                </a:lnTo>
-                <a:lnTo>
-                  <a:pt x="0" y="120000"/>
-                </a:lnTo>
-                <a:close/>
-              </a:path>
-            </a:pathLst>
-          </a:custGeom>
-          <a:noFill/>
-          <a:ln w="9525" cap="flat" cmpd="sng">
-            <a:solidFill>
-              <a:srgbClr val="000000"/>
-            </a:solidFill>
-            <a:prstDash val="solid"/>
-            <a:round/>
-            <a:headEnd type="none" w="sm" len="sm"/>
-            <a:tailEnd type="none" w="sm" len="sm"/>
-          </a:ln>
-        </p:spPr>
-      </p:sp>
-      <p:sp>
-        <p:nvSpPr>
-          <p:cNvPr id="128" name="Google Shape;128;p25:notes"/>
+          <p:cNvPr id="139" name="Google Shape;139;p28:notes"/>
           <p:cNvSpPr txBox="1">
             <a:spLocks noGrp="1"/>
           </p:cNvSpPr>
@@ -9957,7 +9657,7 @@
               <a:buNone/>
             </a:pPr>
             <a:r>
-              <a:rPr lang="ru" sz="1600" b="0" i="0" u="none" strike="noStrike" cap="none">
+              <a:rPr lang="ru-RU" sz="1600" b="0" i="0" u="none" strike="noStrike" cap="none" dirty="0">
                 <a:solidFill>
                   <a:schemeClr val="lt1"/>
                 </a:solidFill>
@@ -9966,21 +9666,9 @@
                 <a:cs typeface="Montserrat"/>
                 <a:sym typeface="Montserrat"/>
               </a:rPr>
-              <a:t>Фамилия и инициалы с</a:t>
+              <a:t>Ваганов А.А.</a:t>
             </a:r>
-            <a:r>
-              <a:rPr lang="ru" sz="1600">
-                <a:solidFill>
-                  <a:schemeClr val="lt1"/>
-                </a:solidFill>
-                <a:latin typeface="Montserrat"/>
-                <a:ea typeface="Montserrat"/>
-                <a:cs typeface="Montserrat"/>
-                <a:sym typeface="Montserrat"/>
-              </a:rPr>
-              <a:t>тудента 1</a:t>
-            </a:r>
-            <a:endParaRPr sz="1600" b="0" i="0" u="none" strike="noStrike" cap="none">
+            <a:endParaRPr sz="1600" b="0" i="0" u="none" strike="noStrike" cap="none" dirty="0">
               <a:solidFill>
                 <a:schemeClr val="lt1"/>
               </a:solidFill>
@@ -10009,7 +9697,7 @@
               <a:buNone/>
             </a:pPr>
             <a:r>
-              <a:rPr lang="ru" sz="1600">
+              <a:rPr lang="ru-RU" sz="1600" dirty="0">
                 <a:solidFill>
                   <a:schemeClr val="lt1"/>
                 </a:solidFill>
@@ -10018,9 +9706,9 @@
                 <a:cs typeface="Montserrat"/>
                 <a:sym typeface="Montserrat"/>
               </a:rPr>
-              <a:t>Фамилия и инициалы студента 2</a:t>
+              <a:t>Валова Е.В.</a:t>
             </a:r>
-            <a:endParaRPr sz="1600">
+            <a:endParaRPr sz="1600" dirty="0">
               <a:solidFill>
                 <a:schemeClr val="lt1"/>
               </a:solidFill>
@@ -10049,7 +9737,7 @@
               <a:buNone/>
             </a:pPr>
             <a:r>
-              <a:rPr lang="ru" sz="1600">
+              <a:rPr lang="ru" sz="1600" dirty="0">
                 <a:solidFill>
                   <a:schemeClr val="lt1"/>
                 </a:solidFill>
@@ -10058,9 +9746,9 @@
                 <a:cs typeface="Montserrat"/>
                 <a:sym typeface="Montserrat"/>
               </a:rPr>
-              <a:t>Фамилия и инициалы студента 3</a:t>
+              <a:t>Волык И.Я.</a:t>
             </a:r>
-            <a:endParaRPr sz="1600">
+            <a:endParaRPr sz="1600" dirty="0">
               <a:solidFill>
                 <a:schemeClr val="lt1"/>
               </a:solidFill>
@@ -10124,25 +9812,39 @@
           </a:bodyPr>
           <a:lstStyle/>
           <a:p>
-            <a:pPr marL="0" marR="0" lvl="0" indent="0" algn="l" rtl="0">
-              <a:lnSpc>
-                <a:spcPct val="100000"/>
-              </a:lnSpc>
-              <a:spcBef>
-                <a:spcPts val="0"/>
-              </a:spcBef>
-              <a:spcAft>
-                <a:spcPts val="0"/>
-              </a:spcAft>
-              <a:buClr>
-                <a:srgbClr val="000000"/>
-              </a:buClr>
+            <a:pPr>
               <a:buSzPts val="5700"/>
-              <a:buFont typeface="Arial"/>
-              <a:buNone/>
             </a:pPr>
             <a:r>
-              <a:rPr lang="ru" sz="3000" b="1">
+              <a:rPr lang="ru-RU" sz="3000" b="1" dirty="0">
+                <a:solidFill>
+                  <a:schemeClr val="lt1"/>
+                </a:solidFill>
+                <a:latin typeface="Montserrat"/>
+              </a:rPr>
+              <a:t>Проектный практикум 2025</a:t>
+            </a:r>
+          </a:p>
+          <a:p>
+            <a:pPr marL="0" marR="0" lvl="0" indent="0" algn="l" rtl="0">
+              <a:lnSpc>
+                <a:spcPct val="100000"/>
+              </a:lnSpc>
+              <a:spcBef>
+                <a:spcPts val="0"/>
+              </a:spcBef>
+              <a:spcAft>
+                <a:spcPts val="0"/>
+              </a:spcAft>
+              <a:buClr>
+                <a:srgbClr val="000000"/>
+              </a:buClr>
+              <a:buSzPts val="5700"/>
+              <a:buFont typeface="Arial"/>
+              <a:buNone/>
+            </a:pPr>
+            <a:r>
+              <a:rPr lang="ru-RU" sz="3000" b="1" i="0" u="none" strike="noStrike" cap="none" dirty="0">
                 <a:solidFill>
                   <a:schemeClr val="lt1"/>
                 </a:solidFill>
@@ -10151,17 +9853,8 @@
                 <a:cs typeface="Montserrat"/>
                 <a:sym typeface="Montserrat"/>
               </a:rPr>
-              <a:t>Название презентации</a:t>
+              <a:t>Кейс 2: оценка мобильного приложения</a:t>
             </a:r>
-            <a:endParaRPr sz="3000" b="1" i="0" u="none" strike="noStrike" cap="none">
-              <a:solidFill>
-                <a:schemeClr val="lt1"/>
-              </a:solidFill>
-              <a:latin typeface="Montserrat"/>
-              <a:ea typeface="Montserrat"/>
-              <a:cs typeface="Montserrat"/>
-              <a:sym typeface="Montserrat"/>
-            </a:endParaRPr>
           </a:p>
         </p:txBody>
       </p:sp>
@@ -10200,7 +9893,1019 @@
 </p:sld>
 </file>
 
-<file path=ppt/slides/slide10.xml><?xml version="1.0" encoding="utf-8"?>
+<file path=ppt/slides/slide2.xml><?xml version="1.0" encoding="utf-8"?>
+<p:sld xmlns:a="http://schemas.openxmlformats.org/drawingml/2006/main" xmlns:r="http://schemas.openxmlformats.org/officeDocument/2006/relationships" xmlns:p="http://schemas.openxmlformats.org/presentationml/2006/main">
+  <p:cSld>
+    <p:spTree>
+      <p:nvGrpSpPr>
+        <p:cNvPr id="1" name="Shape 62"/>
+        <p:cNvGrpSpPr/>
+        <p:nvPr/>
+      </p:nvGrpSpPr>
+      <p:grpSpPr>
+        <a:xfrm>
+          <a:off x="0" y="0"/>
+          <a:ext cx="0" cy="0"/>
+          <a:chOff x="0" y="0"/>
+          <a:chExt cx="0" cy="0"/>
+        </a:xfrm>
+      </p:grpSpPr>
+      <p:sp>
+        <p:nvSpPr>
+          <p:cNvPr id="63" name="Google Shape;63;p5"/>
+          <p:cNvSpPr txBox="1"/>
+          <p:nvPr/>
+        </p:nvSpPr>
+        <p:spPr>
+          <a:xfrm>
+            <a:off x="368558" y="285105"/>
+            <a:ext cx="8247900" cy="770700"/>
+          </a:xfrm>
+          <a:prstGeom prst="rect">
+            <a:avLst/>
+          </a:prstGeom>
+          <a:noFill/>
+          <a:ln>
+            <a:noFill/>
+          </a:ln>
+        </p:spPr>
+        <p:txBody>
+          <a:bodyPr spcFirstLastPara="1" wrap="square" lIns="91425" tIns="91425" rIns="91425" bIns="91425" anchor="t" anchorCtr="0">
+            <a:noAutofit/>
+          </a:bodyPr>
+          <a:lstStyle/>
+          <a:p>
+            <a:pPr marL="0" marR="0" lvl="0" indent="0" algn="l" rtl="0">
+              <a:lnSpc>
+                <a:spcPct val="100000"/>
+              </a:lnSpc>
+              <a:spcBef>
+                <a:spcPts val="0"/>
+              </a:spcBef>
+              <a:spcAft>
+                <a:spcPts val="0"/>
+              </a:spcAft>
+              <a:buClr>
+                <a:srgbClr val="000000"/>
+              </a:buClr>
+              <a:buSzPts val="2800"/>
+              <a:buFont typeface="Arial"/>
+              <a:buNone/>
+            </a:pPr>
+            <a:r>
+              <a:rPr lang="ru" sz="2800" b="1" dirty="0">
+                <a:solidFill>
+                  <a:srgbClr val="123194"/>
+                </a:solidFill>
+                <a:latin typeface="Montserrat"/>
+                <a:ea typeface="Montserrat"/>
+                <a:cs typeface="Montserrat"/>
+                <a:sym typeface="Montserrat"/>
+              </a:rPr>
+              <a:t>Команда</a:t>
+            </a:r>
+            <a:endParaRPr sz="2800" b="1" i="0" u="none" strike="noStrike" cap="none" dirty="0">
+              <a:solidFill>
+                <a:srgbClr val="123194"/>
+              </a:solidFill>
+              <a:latin typeface="Montserrat"/>
+              <a:ea typeface="Montserrat"/>
+              <a:cs typeface="Montserrat"/>
+              <a:sym typeface="Montserrat"/>
+            </a:endParaRPr>
+          </a:p>
+        </p:txBody>
+      </p:sp>
+      <p:graphicFrame>
+        <p:nvGraphicFramePr>
+          <p:cNvPr id="3" name="Таблица 2">
+            <a:extLst>
+              <a:ext uri="{FF2B5EF4-FFF2-40B4-BE49-F238E27FC236}">
+                <a16:creationId xmlns:a16="http://schemas.microsoft.com/office/drawing/2014/main" id="{9BACE3BC-1767-6ACA-E755-DBF59CEA402E}"/>
+              </a:ext>
+            </a:extLst>
+          </p:cNvPr>
+          <p:cNvGraphicFramePr>
+            <a:graphicFrameLocks noGrp="1"/>
+          </p:cNvGraphicFramePr>
+          <p:nvPr>
+            <p:extLst>
+              <p:ext uri="{D42A27DB-BD31-4B8C-83A1-F6EECF244321}">
+                <p14:modId xmlns:p14="http://schemas.microsoft.com/office/powerpoint/2010/main" val="961579001"/>
+              </p:ext>
+            </p:extLst>
+          </p:nvPr>
+        </p:nvGraphicFramePr>
+        <p:xfrm>
+          <a:off x="368557" y="1339942"/>
+          <a:ext cx="8041796" cy="2732328"/>
+        </p:xfrm>
+        <a:graphic>
+          <a:graphicData uri="http://schemas.openxmlformats.org/drawingml/2006/table">
+            <a:tbl>
+              <a:tblPr firstRow="1" bandRow="1">
+                <a:tableStyleId>{5C22544A-7EE6-4342-B048-85BDC9FD1C3A}</a:tableStyleId>
+              </a:tblPr>
+              <a:tblGrid>
+                <a:gridCol w="1609099">
+                  <a:extLst>
+                    <a:ext uri="{9D8B030D-6E8A-4147-A177-3AD203B41FA5}">
+                      <a16:colId xmlns:a16="http://schemas.microsoft.com/office/drawing/2014/main" val="1492242943"/>
+                    </a:ext>
+                  </a:extLst>
+                </a:gridCol>
+                <a:gridCol w="6432697">
+                  <a:extLst>
+                    <a:ext uri="{9D8B030D-6E8A-4147-A177-3AD203B41FA5}">
+                      <a16:colId xmlns:a16="http://schemas.microsoft.com/office/drawing/2014/main" val="2736254629"/>
+                    </a:ext>
+                  </a:extLst>
+                </a:gridCol>
+              </a:tblGrid>
+              <a:tr h="683082">
+                <a:tc>
+                  <a:txBody>
+                    <a:bodyPr/>
+                    <a:lstStyle/>
+                    <a:p>
+                      <a:r>
+                        <a:rPr lang="ru-RU" dirty="0"/>
+                        <a:t>Студент</a:t>
+                      </a:r>
+                    </a:p>
+                  </a:txBody>
+                  <a:tcPr/>
+                </a:tc>
+                <a:tc>
+                  <a:txBody>
+                    <a:bodyPr/>
+                    <a:lstStyle/>
+                    <a:p>
+                      <a:r>
+                        <a:rPr lang="ru-RU" dirty="0"/>
+                        <a:t>Роль и задачи</a:t>
+                      </a:r>
+                    </a:p>
+                  </a:txBody>
+                  <a:tcPr/>
+                </a:tc>
+                <a:extLst>
+                  <a:ext uri="{0D108BD9-81ED-4DB2-BD59-A6C34878D82A}">
+                    <a16:rowId xmlns:a16="http://schemas.microsoft.com/office/drawing/2014/main" val="185218103"/>
+                  </a:ext>
+                </a:extLst>
+              </a:tr>
+              <a:tr h="683082">
+                <a:tc>
+                  <a:txBody>
+                    <a:bodyPr/>
+                    <a:lstStyle/>
+                    <a:p>
+                      <a:pPr marL="0" marR="0" lvl="0" indent="0" algn="l" defTabSz="914400" rtl="0" eaLnBrk="1" fontAlgn="auto" latinLnBrk="0" hangingPunct="1">
+                        <a:lnSpc>
+                          <a:spcPct val="100000"/>
+                        </a:lnSpc>
+                        <a:spcBef>
+                          <a:spcPts val="0"/>
+                        </a:spcBef>
+                        <a:spcAft>
+                          <a:spcPts val="0"/>
+                        </a:spcAft>
+                        <a:buClr>
+                          <a:srgbClr val="000000"/>
+                        </a:buClr>
+                        <a:buSzTx/>
+                        <a:buFont typeface="Arial"/>
+                        <a:buNone/>
+                        <a:tabLst/>
+                        <a:defRPr/>
+                      </a:pPr>
+                      <a:r>
+                        <a:rPr lang="ru-RU" dirty="0">
+                          <a:sym typeface="Montserrat"/>
+                        </a:rPr>
+                        <a:t>Ваганов А.А.</a:t>
+                      </a:r>
+                    </a:p>
+                  </a:txBody>
+                  <a:tcPr/>
+                </a:tc>
+                <a:tc>
+                  <a:txBody>
+                    <a:bodyPr/>
+                    <a:lstStyle/>
+                    <a:p>
+                      <a:endParaRPr lang="ru-RU"/>
+                    </a:p>
+                  </a:txBody>
+                  <a:tcPr/>
+                </a:tc>
+                <a:extLst>
+                  <a:ext uri="{0D108BD9-81ED-4DB2-BD59-A6C34878D82A}">
+                    <a16:rowId xmlns:a16="http://schemas.microsoft.com/office/drawing/2014/main" val="3507768129"/>
+                  </a:ext>
+                </a:extLst>
+              </a:tr>
+              <a:tr h="683082">
+                <a:tc>
+                  <a:txBody>
+                    <a:bodyPr/>
+                    <a:lstStyle/>
+                    <a:p>
+                      <a:pPr marL="0" marR="0" lvl="0" indent="0" algn="l" defTabSz="914400" rtl="0" eaLnBrk="1" fontAlgn="auto" latinLnBrk="0" hangingPunct="1">
+                        <a:lnSpc>
+                          <a:spcPct val="100000"/>
+                        </a:lnSpc>
+                        <a:spcBef>
+                          <a:spcPts val="0"/>
+                        </a:spcBef>
+                        <a:spcAft>
+                          <a:spcPts val="0"/>
+                        </a:spcAft>
+                        <a:buClr>
+                          <a:srgbClr val="000000"/>
+                        </a:buClr>
+                        <a:buSzTx/>
+                        <a:buFont typeface="Arial"/>
+                        <a:buNone/>
+                        <a:tabLst/>
+                        <a:defRPr/>
+                      </a:pPr>
+                      <a:r>
+                        <a:rPr lang="ru-RU" dirty="0">
+                          <a:sym typeface="Montserrat"/>
+                        </a:rPr>
+                        <a:t>Валова Е.В.</a:t>
+                      </a:r>
+                    </a:p>
+                  </a:txBody>
+                  <a:tcPr/>
+                </a:tc>
+                <a:tc>
+                  <a:txBody>
+                    <a:bodyPr/>
+                    <a:lstStyle/>
+                    <a:p>
+                      <a:endParaRPr lang="ru-RU"/>
+                    </a:p>
+                  </a:txBody>
+                  <a:tcPr/>
+                </a:tc>
+                <a:extLst>
+                  <a:ext uri="{0D108BD9-81ED-4DB2-BD59-A6C34878D82A}">
+                    <a16:rowId xmlns:a16="http://schemas.microsoft.com/office/drawing/2014/main" val="2096969602"/>
+                  </a:ext>
+                </a:extLst>
+              </a:tr>
+              <a:tr h="683082">
+                <a:tc>
+                  <a:txBody>
+                    <a:bodyPr/>
+                    <a:lstStyle/>
+                    <a:p>
+                      <a:pPr marL="0" marR="0" lvl="0" indent="0" algn="l" defTabSz="914400" rtl="0" eaLnBrk="1" fontAlgn="auto" latinLnBrk="0" hangingPunct="1">
+                        <a:lnSpc>
+                          <a:spcPct val="100000"/>
+                        </a:lnSpc>
+                        <a:spcBef>
+                          <a:spcPts val="0"/>
+                        </a:spcBef>
+                        <a:spcAft>
+                          <a:spcPts val="0"/>
+                        </a:spcAft>
+                        <a:buClr>
+                          <a:srgbClr val="000000"/>
+                        </a:buClr>
+                        <a:buSzTx/>
+                        <a:buFont typeface="Arial"/>
+                        <a:buNone/>
+                        <a:tabLst/>
+                        <a:defRPr/>
+                      </a:pPr>
+                      <a:r>
+                        <a:rPr lang="ru-RU" dirty="0" err="1">
+                          <a:sym typeface="Montserrat"/>
+                        </a:rPr>
+                        <a:t>Волык</a:t>
+                      </a:r>
+                      <a:r>
+                        <a:rPr lang="ru-RU" dirty="0">
+                          <a:sym typeface="Montserrat"/>
+                        </a:rPr>
+                        <a:t> И.Я.</a:t>
+                      </a:r>
+                    </a:p>
+                  </a:txBody>
+                  <a:tcPr/>
+                </a:tc>
+                <a:tc>
+                  <a:txBody>
+                    <a:bodyPr/>
+                    <a:lstStyle/>
+                    <a:p>
+                      <a:endParaRPr lang="ru-RU" dirty="0"/>
+                    </a:p>
+                  </a:txBody>
+                  <a:tcPr/>
+                </a:tc>
+                <a:extLst>
+                  <a:ext uri="{0D108BD9-81ED-4DB2-BD59-A6C34878D82A}">
+                    <a16:rowId xmlns:a16="http://schemas.microsoft.com/office/drawing/2014/main" val="2738070450"/>
+                  </a:ext>
+                </a:extLst>
+              </a:tr>
+            </a:tbl>
+          </a:graphicData>
+        </a:graphic>
+      </p:graphicFrame>
+      <p:pic>
+        <p:nvPicPr>
+          <p:cNvPr id="4" name="Google Shape;99;p22">
+            <a:extLst>
+              <a:ext uri="{FF2B5EF4-FFF2-40B4-BE49-F238E27FC236}">
+                <a16:creationId xmlns:a16="http://schemas.microsoft.com/office/drawing/2014/main" id="{2A30E5E8-CD26-CDC4-F102-2794896D0E14}"/>
+              </a:ext>
+            </a:extLst>
+          </p:cNvPr>
+          <p:cNvPicPr preferRelativeResize="0"/>
+          <p:nvPr/>
+        </p:nvPicPr>
+        <p:blipFill rotWithShape="1">
+          <a:blip r:embed="rId3">
+            <a:alphaModFix/>
+          </a:blip>
+          <a:srcRect/>
+          <a:stretch/>
+        </p:blipFill>
+        <p:spPr>
+          <a:xfrm>
+            <a:off x="7123113" y="2916238"/>
+            <a:ext cx="1876425" cy="2124075"/>
+          </a:xfrm>
+          <a:prstGeom prst="rect">
+            <a:avLst/>
+          </a:prstGeom>
+          <a:noFill/>
+          <a:ln>
+            <a:noFill/>
+          </a:ln>
+        </p:spPr>
+      </p:pic>
+    </p:spTree>
+  </p:cSld>
+  <p:clrMapOvr>
+    <a:masterClrMapping/>
+  </p:clrMapOvr>
+</p:sld>
+</file>
+
+<file path=ppt/slides/slide3.xml><?xml version="1.0" encoding="utf-8"?>
+<p:sld xmlns:a="http://schemas.openxmlformats.org/drawingml/2006/main" xmlns:r="http://schemas.openxmlformats.org/officeDocument/2006/relationships" xmlns:p="http://schemas.openxmlformats.org/presentationml/2006/main">
+  <p:cSld>
+    <p:spTree>
+      <p:nvGrpSpPr>
+        <p:cNvPr id="1" name="Shape 68"/>
+        <p:cNvGrpSpPr/>
+        <p:nvPr/>
+      </p:nvGrpSpPr>
+      <p:grpSpPr>
+        <a:xfrm>
+          <a:off x="0" y="0"/>
+          <a:ext cx="0" cy="0"/>
+          <a:chOff x="0" y="0"/>
+          <a:chExt cx="0" cy="0"/>
+        </a:xfrm>
+      </p:grpSpPr>
+      <p:sp>
+        <p:nvSpPr>
+          <p:cNvPr id="71" name="Google Shape;71;p9"/>
+          <p:cNvSpPr txBox="1"/>
+          <p:nvPr/>
+        </p:nvSpPr>
+        <p:spPr>
+          <a:xfrm>
+            <a:off x="368558" y="285105"/>
+            <a:ext cx="8247900" cy="770700"/>
+          </a:xfrm>
+          <a:prstGeom prst="rect">
+            <a:avLst/>
+          </a:prstGeom>
+          <a:noFill/>
+          <a:ln>
+            <a:noFill/>
+          </a:ln>
+        </p:spPr>
+        <p:txBody>
+          <a:bodyPr spcFirstLastPara="1" wrap="square" lIns="91425" tIns="91425" rIns="91425" bIns="91425" anchor="t" anchorCtr="0">
+            <a:noAutofit/>
+          </a:bodyPr>
+          <a:lstStyle/>
+          <a:p>
+            <a:pPr marL="0" marR="0" lvl="0" indent="0" algn="l" rtl="0">
+              <a:lnSpc>
+                <a:spcPct val="100000"/>
+              </a:lnSpc>
+              <a:spcBef>
+                <a:spcPts val="0"/>
+              </a:spcBef>
+              <a:spcAft>
+                <a:spcPts val="0"/>
+              </a:spcAft>
+              <a:buClr>
+                <a:srgbClr val="000000"/>
+              </a:buClr>
+              <a:buSzPts val="2800"/>
+              <a:buFont typeface="Arial"/>
+              <a:buNone/>
+            </a:pPr>
+            <a:r>
+              <a:rPr lang="ru" sz="2800" b="1" dirty="0">
+                <a:solidFill>
+                  <a:srgbClr val="123194"/>
+                </a:solidFill>
+                <a:latin typeface="Montserrat"/>
+                <a:ea typeface="Montserrat"/>
+                <a:cs typeface="Montserrat"/>
+                <a:sym typeface="Montserrat"/>
+              </a:rPr>
+              <a:t>Информация о данных</a:t>
+            </a:r>
+            <a:endParaRPr sz="2800" b="1" i="0" u="none" strike="noStrike" cap="none" dirty="0">
+              <a:solidFill>
+                <a:srgbClr val="123194"/>
+              </a:solidFill>
+              <a:latin typeface="Montserrat"/>
+              <a:ea typeface="Montserrat"/>
+              <a:cs typeface="Montserrat"/>
+              <a:sym typeface="Montserrat"/>
+            </a:endParaRPr>
+          </a:p>
+        </p:txBody>
+      </p:sp>
+      <p:pic>
+        <p:nvPicPr>
+          <p:cNvPr id="2" name="Google Shape;96;p22">
+            <a:extLst>
+              <a:ext uri="{FF2B5EF4-FFF2-40B4-BE49-F238E27FC236}">
+                <a16:creationId xmlns:a16="http://schemas.microsoft.com/office/drawing/2014/main" id="{24595572-A273-E985-2C78-C54325675C62}"/>
+              </a:ext>
+            </a:extLst>
+          </p:cNvPr>
+          <p:cNvPicPr preferRelativeResize="0"/>
+          <p:nvPr/>
+        </p:nvPicPr>
+        <p:blipFill rotWithShape="1">
+          <a:blip r:embed="rId3">
+            <a:alphaModFix/>
+          </a:blip>
+          <a:srcRect/>
+          <a:stretch/>
+        </p:blipFill>
+        <p:spPr>
+          <a:xfrm>
+            <a:off x="7050746" y="3578323"/>
+            <a:ext cx="1838325" cy="1381125"/>
+          </a:xfrm>
+          <a:prstGeom prst="rect">
+            <a:avLst/>
+          </a:prstGeom>
+          <a:noFill/>
+          <a:ln>
+            <a:noFill/>
+          </a:ln>
+        </p:spPr>
+      </p:pic>
+    </p:spTree>
+  </p:cSld>
+  <p:clrMapOvr>
+    <a:masterClrMapping/>
+  </p:clrMapOvr>
+</p:sld>
+</file>
+
+<file path=ppt/slides/slide4.xml><?xml version="1.0" encoding="utf-8"?>
+<p:sld xmlns:a="http://schemas.openxmlformats.org/drawingml/2006/main" xmlns:r="http://schemas.openxmlformats.org/officeDocument/2006/relationships" xmlns:p="http://schemas.openxmlformats.org/presentationml/2006/main">
+  <p:cSld>
+    <p:spTree>
+      <p:nvGrpSpPr>
+        <p:cNvPr id="1" name="Shape 68">
+          <a:extLst>
+            <a:ext uri="{FF2B5EF4-FFF2-40B4-BE49-F238E27FC236}">
+              <a16:creationId xmlns:a16="http://schemas.microsoft.com/office/drawing/2014/main" id="{440068FA-1AA6-BC96-913A-F915FCB4E5C2}"/>
+            </a:ext>
+          </a:extLst>
+        </p:cNvPr>
+        <p:cNvGrpSpPr/>
+        <p:nvPr/>
+      </p:nvGrpSpPr>
+      <p:grpSpPr>
+        <a:xfrm>
+          <a:off x="0" y="0"/>
+          <a:ext cx="0" cy="0"/>
+          <a:chOff x="0" y="0"/>
+          <a:chExt cx="0" cy="0"/>
+        </a:xfrm>
+      </p:grpSpPr>
+      <p:sp>
+        <p:nvSpPr>
+          <p:cNvPr id="71" name="Google Shape;71;p9">
+            <a:extLst>
+              <a:ext uri="{FF2B5EF4-FFF2-40B4-BE49-F238E27FC236}">
+                <a16:creationId xmlns:a16="http://schemas.microsoft.com/office/drawing/2014/main" id="{90CBCB63-C4CD-3E6F-2CD3-D8AEF7C224AF}"/>
+              </a:ext>
+            </a:extLst>
+          </p:cNvPr>
+          <p:cNvSpPr txBox="1"/>
+          <p:nvPr/>
+        </p:nvSpPr>
+        <p:spPr>
+          <a:xfrm>
+            <a:off x="368558" y="285105"/>
+            <a:ext cx="8247900" cy="770700"/>
+          </a:xfrm>
+          <a:prstGeom prst="rect">
+            <a:avLst/>
+          </a:prstGeom>
+          <a:noFill/>
+          <a:ln>
+            <a:noFill/>
+          </a:ln>
+        </p:spPr>
+        <p:txBody>
+          <a:bodyPr spcFirstLastPara="1" wrap="square" lIns="91425" tIns="91425" rIns="91425" bIns="91425" anchor="t" anchorCtr="0">
+            <a:noAutofit/>
+          </a:bodyPr>
+          <a:lstStyle/>
+          <a:p>
+            <a:pPr marL="0" marR="0" lvl="0" indent="0" algn="l" rtl="0">
+              <a:lnSpc>
+                <a:spcPct val="100000"/>
+              </a:lnSpc>
+              <a:spcBef>
+                <a:spcPts val="0"/>
+              </a:spcBef>
+              <a:spcAft>
+                <a:spcPts val="0"/>
+              </a:spcAft>
+              <a:buClr>
+                <a:srgbClr val="000000"/>
+              </a:buClr>
+              <a:buSzPts val="2800"/>
+              <a:buFont typeface="Arial"/>
+              <a:buNone/>
+            </a:pPr>
+            <a:r>
+              <a:rPr lang="ru" sz="2800" b="1" i="0" u="none" strike="noStrike" cap="none" dirty="0">
+                <a:solidFill>
+                  <a:srgbClr val="123194"/>
+                </a:solidFill>
+                <a:latin typeface="Montserrat"/>
+                <a:ea typeface="Montserrat"/>
+                <a:cs typeface="Montserrat"/>
+                <a:sym typeface="Montserrat"/>
+              </a:rPr>
+              <a:t>Сформулированные гипотезы</a:t>
+            </a:r>
+            <a:endParaRPr sz="2800" b="1" i="0" u="none" strike="noStrike" cap="none" dirty="0">
+              <a:solidFill>
+                <a:srgbClr val="123194"/>
+              </a:solidFill>
+              <a:latin typeface="Montserrat"/>
+              <a:ea typeface="Montserrat"/>
+              <a:cs typeface="Montserrat"/>
+              <a:sym typeface="Montserrat"/>
+            </a:endParaRPr>
+          </a:p>
+        </p:txBody>
+      </p:sp>
+      <p:pic>
+        <p:nvPicPr>
+          <p:cNvPr id="2" name="Google Shape;95;p22">
+            <a:extLst>
+              <a:ext uri="{FF2B5EF4-FFF2-40B4-BE49-F238E27FC236}">
+                <a16:creationId xmlns:a16="http://schemas.microsoft.com/office/drawing/2014/main" id="{6C9F1E0C-9479-2A90-98EA-822301EFB8C5}"/>
+              </a:ext>
+            </a:extLst>
+          </p:cNvPr>
+          <p:cNvPicPr preferRelativeResize="0"/>
+          <p:nvPr/>
+        </p:nvPicPr>
+        <p:blipFill rotWithShape="1">
+          <a:blip r:embed="rId3">
+            <a:alphaModFix/>
+          </a:blip>
+          <a:srcRect/>
+          <a:stretch/>
+        </p:blipFill>
+        <p:spPr>
+          <a:xfrm>
+            <a:off x="368558" y="2520156"/>
+            <a:ext cx="1619250" cy="1971675"/>
+          </a:xfrm>
+          <a:prstGeom prst="rect">
+            <a:avLst/>
+          </a:prstGeom>
+          <a:noFill/>
+          <a:ln>
+            <a:noFill/>
+          </a:ln>
+        </p:spPr>
+      </p:pic>
+    </p:spTree>
+    <p:extLst>
+      <p:ext uri="{BB962C8B-B14F-4D97-AF65-F5344CB8AC3E}">
+        <p14:creationId xmlns:p14="http://schemas.microsoft.com/office/powerpoint/2010/main" val="2096805384"/>
+      </p:ext>
+    </p:extLst>
+  </p:cSld>
+  <p:clrMapOvr>
+    <a:masterClrMapping/>
+  </p:clrMapOvr>
+</p:sld>
+</file>
+
+<file path=ppt/slides/slide5.xml><?xml version="1.0" encoding="utf-8"?>
+<p:sld xmlns:a="http://schemas.openxmlformats.org/drawingml/2006/main" xmlns:r="http://schemas.openxmlformats.org/officeDocument/2006/relationships" xmlns:p="http://schemas.openxmlformats.org/presentationml/2006/main">
+  <p:cSld>
+    <p:spTree>
+      <p:nvGrpSpPr>
+        <p:cNvPr id="1" name="Shape 68">
+          <a:extLst>
+            <a:ext uri="{FF2B5EF4-FFF2-40B4-BE49-F238E27FC236}">
+              <a16:creationId xmlns:a16="http://schemas.microsoft.com/office/drawing/2014/main" id="{1F77497F-0F43-E8FB-0CDD-32ECDFE820CB}"/>
+            </a:ext>
+          </a:extLst>
+        </p:cNvPr>
+        <p:cNvGrpSpPr/>
+        <p:nvPr/>
+      </p:nvGrpSpPr>
+      <p:grpSpPr>
+        <a:xfrm>
+          <a:off x="0" y="0"/>
+          <a:ext cx="0" cy="0"/>
+          <a:chOff x="0" y="0"/>
+          <a:chExt cx="0" cy="0"/>
+        </a:xfrm>
+      </p:grpSpPr>
+      <p:sp>
+        <p:nvSpPr>
+          <p:cNvPr id="71" name="Google Shape;71;p9">
+            <a:extLst>
+              <a:ext uri="{FF2B5EF4-FFF2-40B4-BE49-F238E27FC236}">
+                <a16:creationId xmlns:a16="http://schemas.microsoft.com/office/drawing/2014/main" id="{ED79AC03-D979-E4B4-92EE-99B452453C75}"/>
+              </a:ext>
+            </a:extLst>
+          </p:cNvPr>
+          <p:cNvSpPr txBox="1"/>
+          <p:nvPr/>
+        </p:nvSpPr>
+        <p:spPr>
+          <a:xfrm>
+            <a:off x="368558" y="285105"/>
+            <a:ext cx="8247900" cy="770700"/>
+          </a:xfrm>
+          <a:prstGeom prst="rect">
+            <a:avLst/>
+          </a:prstGeom>
+          <a:noFill/>
+          <a:ln>
+            <a:noFill/>
+          </a:ln>
+        </p:spPr>
+        <p:txBody>
+          <a:bodyPr spcFirstLastPara="1" wrap="square" lIns="91425" tIns="91425" rIns="91425" bIns="91425" anchor="t" anchorCtr="0">
+            <a:noAutofit/>
+          </a:bodyPr>
+          <a:lstStyle/>
+          <a:p>
+            <a:pPr marL="0" marR="0" lvl="0" indent="0" algn="l" rtl="0">
+              <a:lnSpc>
+                <a:spcPct val="100000"/>
+              </a:lnSpc>
+              <a:spcBef>
+                <a:spcPts val="0"/>
+              </a:spcBef>
+              <a:spcAft>
+                <a:spcPts val="0"/>
+              </a:spcAft>
+              <a:buClr>
+                <a:srgbClr val="000000"/>
+              </a:buClr>
+              <a:buSzPts val="2800"/>
+              <a:buFont typeface="Arial"/>
+              <a:buNone/>
+            </a:pPr>
+            <a:r>
+              <a:rPr lang="ru" sz="2800" b="1" i="0" u="none" strike="noStrike" cap="none" dirty="0">
+                <a:solidFill>
+                  <a:srgbClr val="123194"/>
+                </a:solidFill>
+                <a:latin typeface="Montserrat"/>
+                <a:ea typeface="Montserrat"/>
+                <a:cs typeface="Montserrat"/>
+                <a:sym typeface="Montserrat"/>
+              </a:rPr>
+              <a:t>Визуализация для проверки гипотез</a:t>
+            </a:r>
+            <a:endParaRPr sz="2800" b="1" i="0" u="none" strike="noStrike" cap="none" dirty="0">
+              <a:solidFill>
+                <a:srgbClr val="123194"/>
+              </a:solidFill>
+              <a:latin typeface="Montserrat"/>
+              <a:ea typeface="Montserrat"/>
+              <a:cs typeface="Montserrat"/>
+              <a:sym typeface="Montserrat"/>
+            </a:endParaRPr>
+          </a:p>
+        </p:txBody>
+      </p:sp>
+      <p:pic>
+        <p:nvPicPr>
+          <p:cNvPr id="3" name="Google Shape;97;p22">
+            <a:extLst>
+              <a:ext uri="{FF2B5EF4-FFF2-40B4-BE49-F238E27FC236}">
+                <a16:creationId xmlns:a16="http://schemas.microsoft.com/office/drawing/2014/main" id="{DEE2AE08-83C6-6FDF-A025-1EADB58B1029}"/>
+              </a:ext>
+            </a:extLst>
+          </p:cNvPr>
+          <p:cNvPicPr preferRelativeResize="0"/>
+          <p:nvPr/>
+        </p:nvPicPr>
+        <p:blipFill rotWithShape="1">
+          <a:blip r:embed="rId3">
+            <a:alphaModFix/>
+          </a:blip>
+          <a:srcRect/>
+          <a:stretch/>
+        </p:blipFill>
+        <p:spPr>
+          <a:xfrm>
+            <a:off x="6863756" y="635762"/>
+            <a:ext cx="1828800" cy="4152900"/>
+          </a:xfrm>
+          <a:prstGeom prst="rect">
+            <a:avLst/>
+          </a:prstGeom>
+          <a:noFill/>
+          <a:ln>
+            <a:noFill/>
+          </a:ln>
+        </p:spPr>
+      </p:pic>
+    </p:spTree>
+    <p:extLst>
+      <p:ext uri="{BB962C8B-B14F-4D97-AF65-F5344CB8AC3E}">
+        <p14:creationId xmlns:p14="http://schemas.microsoft.com/office/powerpoint/2010/main" val="754276587"/>
+      </p:ext>
+    </p:extLst>
+  </p:cSld>
+  <p:clrMapOvr>
+    <a:masterClrMapping/>
+  </p:clrMapOvr>
+</p:sld>
+</file>
+
+<file path=ppt/slides/slide6.xml><?xml version="1.0" encoding="utf-8"?>
+<p:sld xmlns:a="http://schemas.openxmlformats.org/drawingml/2006/main" xmlns:r="http://schemas.openxmlformats.org/officeDocument/2006/relationships" xmlns:p="http://schemas.openxmlformats.org/presentationml/2006/main">
+  <p:cSld>
+    <p:spTree>
+      <p:nvGrpSpPr>
+        <p:cNvPr id="1" name="Shape 68">
+          <a:extLst>
+            <a:ext uri="{FF2B5EF4-FFF2-40B4-BE49-F238E27FC236}">
+              <a16:creationId xmlns:a16="http://schemas.microsoft.com/office/drawing/2014/main" id="{226AD5B5-88F3-AD48-722F-AACF672C0EC1}"/>
+            </a:ext>
+          </a:extLst>
+        </p:cNvPr>
+        <p:cNvGrpSpPr/>
+        <p:nvPr/>
+      </p:nvGrpSpPr>
+      <p:grpSpPr>
+        <a:xfrm>
+          <a:off x="0" y="0"/>
+          <a:ext cx="0" cy="0"/>
+          <a:chOff x="0" y="0"/>
+          <a:chExt cx="0" cy="0"/>
+        </a:xfrm>
+      </p:grpSpPr>
+      <p:sp>
+        <p:nvSpPr>
+          <p:cNvPr id="71" name="Google Shape;71;p9">
+            <a:extLst>
+              <a:ext uri="{FF2B5EF4-FFF2-40B4-BE49-F238E27FC236}">
+                <a16:creationId xmlns:a16="http://schemas.microsoft.com/office/drawing/2014/main" id="{1F2E4747-9D57-514D-2391-A7AC1BB70C09}"/>
+              </a:ext>
+            </a:extLst>
+          </p:cNvPr>
+          <p:cNvSpPr txBox="1"/>
+          <p:nvPr/>
+        </p:nvSpPr>
+        <p:spPr>
+          <a:xfrm>
+            <a:off x="368558" y="285105"/>
+            <a:ext cx="8247900" cy="770700"/>
+          </a:xfrm>
+          <a:prstGeom prst="rect">
+            <a:avLst/>
+          </a:prstGeom>
+          <a:noFill/>
+          <a:ln>
+            <a:noFill/>
+          </a:ln>
+        </p:spPr>
+        <p:txBody>
+          <a:bodyPr spcFirstLastPara="1" wrap="square" lIns="91425" tIns="91425" rIns="91425" bIns="91425" anchor="t" anchorCtr="0">
+            <a:noAutofit/>
+          </a:bodyPr>
+          <a:lstStyle/>
+          <a:p>
+            <a:pPr marL="0" marR="0" lvl="0" indent="0" algn="l" rtl="0">
+              <a:lnSpc>
+                <a:spcPct val="100000"/>
+              </a:lnSpc>
+              <a:spcBef>
+                <a:spcPts val="0"/>
+              </a:spcBef>
+              <a:spcAft>
+                <a:spcPts val="0"/>
+              </a:spcAft>
+              <a:buClr>
+                <a:srgbClr val="000000"/>
+              </a:buClr>
+              <a:buSzPts val="2800"/>
+              <a:buFont typeface="Arial"/>
+              <a:buNone/>
+            </a:pPr>
+            <a:r>
+              <a:rPr lang="ru-RU" sz="2800" b="1" dirty="0" err="1">
+                <a:solidFill>
+                  <a:srgbClr val="123194"/>
+                </a:solidFill>
+                <a:latin typeface="Montserrat"/>
+              </a:rPr>
+              <a:t>Дашборд</a:t>
+            </a:r>
+            <a:r>
+              <a:rPr lang="ru-RU" sz="2800" b="1" dirty="0">
+                <a:solidFill>
+                  <a:srgbClr val="123194"/>
+                </a:solidFill>
+                <a:latin typeface="Montserrat"/>
+              </a:rPr>
+              <a:t> в </a:t>
+            </a:r>
+            <a:r>
+              <a:rPr lang="en" sz="2800" b="1" dirty="0" err="1">
+                <a:solidFill>
+                  <a:srgbClr val="123194"/>
+                </a:solidFill>
+                <a:latin typeface="Montserrat"/>
+              </a:rPr>
+              <a:t>Gradio</a:t>
+            </a:r>
+            <a:endParaRPr lang="ru-RU" sz="2800" b="1" dirty="0">
+              <a:solidFill>
+                <a:srgbClr val="123194"/>
+              </a:solidFill>
+              <a:latin typeface="Montserrat"/>
+              <a:sym typeface="Montserrat"/>
+            </a:endParaRPr>
+          </a:p>
+        </p:txBody>
+      </p:sp>
+      <p:pic>
+        <p:nvPicPr>
+          <p:cNvPr id="2" name="Google Shape;98;p22">
+            <a:extLst>
+              <a:ext uri="{FF2B5EF4-FFF2-40B4-BE49-F238E27FC236}">
+                <a16:creationId xmlns:a16="http://schemas.microsoft.com/office/drawing/2014/main" id="{8C274229-816F-18D2-0AD0-A305C4F12DAF}"/>
+              </a:ext>
+            </a:extLst>
+          </p:cNvPr>
+          <p:cNvPicPr preferRelativeResize="0"/>
+          <p:nvPr/>
+        </p:nvPicPr>
+        <p:blipFill rotWithShape="1">
+          <a:blip r:embed="rId3">
+            <a:alphaModFix/>
+          </a:blip>
+          <a:srcRect/>
+          <a:stretch/>
+        </p:blipFill>
+        <p:spPr>
+          <a:xfrm>
+            <a:off x="459856" y="3220363"/>
+            <a:ext cx="2038350" cy="1628775"/>
+          </a:xfrm>
+          <a:prstGeom prst="rect">
+            <a:avLst/>
+          </a:prstGeom>
+          <a:noFill/>
+          <a:ln>
+            <a:noFill/>
+          </a:ln>
+        </p:spPr>
+      </p:pic>
+      <p:sp>
+        <p:nvSpPr>
+          <p:cNvPr id="3" name="Google Shape;77;p8">
+            <a:extLst>
+              <a:ext uri="{FF2B5EF4-FFF2-40B4-BE49-F238E27FC236}">
+                <a16:creationId xmlns:a16="http://schemas.microsoft.com/office/drawing/2014/main" id="{8F6A4710-2131-9B26-C40A-69C6B6D8480C}"/>
+              </a:ext>
+            </a:extLst>
+          </p:cNvPr>
+          <p:cNvSpPr txBox="1"/>
+          <p:nvPr/>
+        </p:nvSpPr>
+        <p:spPr>
+          <a:xfrm>
+            <a:off x="368558" y="1255108"/>
+            <a:ext cx="8167800" cy="3500100"/>
+          </a:xfrm>
+          <a:prstGeom prst="rect">
+            <a:avLst/>
+          </a:prstGeom>
+          <a:noFill/>
+          <a:ln>
+            <a:noFill/>
+          </a:ln>
+        </p:spPr>
+        <p:txBody>
+          <a:bodyPr spcFirstLastPara="1" wrap="square" lIns="91425" tIns="91425" rIns="91425" bIns="91425" anchor="t" anchorCtr="0">
+            <a:noAutofit/>
+          </a:bodyPr>
+          <a:lstStyle/>
+          <a:p>
+            <a:pPr marL="0" marR="0" lvl="0" indent="0" algn="l" rtl="0">
+              <a:lnSpc>
+                <a:spcPct val="115000"/>
+              </a:lnSpc>
+              <a:spcBef>
+                <a:spcPts val="0"/>
+              </a:spcBef>
+              <a:spcAft>
+                <a:spcPts val="0"/>
+              </a:spcAft>
+              <a:buClr>
+                <a:srgbClr val="000000"/>
+              </a:buClr>
+              <a:buSzPts val="3000"/>
+              <a:buFont typeface="Arial"/>
+              <a:buNone/>
+            </a:pPr>
+            <a:r>
+              <a:rPr lang="ru-RU" sz="3000" b="0" i="0" u="none" strike="noStrike" cap="none" dirty="0">
+                <a:solidFill>
+                  <a:srgbClr val="123194"/>
+                </a:solidFill>
+                <a:latin typeface="Montserrat"/>
+                <a:ea typeface="Montserrat"/>
+                <a:cs typeface="Montserrat"/>
+                <a:sym typeface="Montserrat"/>
+                <a:hlinkClick r:id="rId4"/>
+              </a:rPr>
+              <a:t>Ссылка на </a:t>
+            </a:r>
+            <a:r>
+              <a:rPr lang="ru-RU" sz="3000" b="0" i="0" u="none" strike="noStrike" cap="none" dirty="0" err="1">
+                <a:solidFill>
+                  <a:srgbClr val="123194"/>
+                </a:solidFill>
+                <a:latin typeface="Montserrat"/>
+                <a:ea typeface="Montserrat"/>
+                <a:cs typeface="Montserrat"/>
+                <a:sym typeface="Montserrat"/>
+                <a:hlinkClick r:id="rId4"/>
+              </a:rPr>
+              <a:t>дашборд</a:t>
+            </a:r>
+            <a:endParaRPr lang="ru-RU" sz="3000" b="0" i="0" u="none" strike="noStrike" cap="none" dirty="0">
+              <a:solidFill>
+                <a:srgbClr val="123194"/>
+              </a:solidFill>
+              <a:latin typeface="Montserrat"/>
+              <a:ea typeface="Montserrat"/>
+              <a:cs typeface="Montserrat"/>
+              <a:sym typeface="Montserrat"/>
+            </a:endParaRPr>
+          </a:p>
+        </p:txBody>
+      </p:sp>
+    </p:spTree>
+    <p:extLst>
+      <p:ext uri="{BB962C8B-B14F-4D97-AF65-F5344CB8AC3E}">
+        <p14:creationId xmlns:p14="http://schemas.microsoft.com/office/powerpoint/2010/main" val="1181608952"/>
+      </p:ext>
+    </p:extLst>
+  </p:cSld>
+  <p:clrMapOvr>
+    <a:masterClrMapping/>
+  </p:clrMapOvr>
+</p:sld>
+</file>
+
+<file path=ppt/slides/slide7.xml><?xml version="1.0" encoding="utf-8"?>
 <p:sld xmlns:a="http://schemas.openxmlformats.org/drawingml/2006/main" xmlns:r="http://schemas.openxmlformats.org/officeDocument/2006/relationships" xmlns:p="http://schemas.openxmlformats.org/presentationml/2006/main">
   <p:cSld>
     <p:spTree>
@@ -10424,2388 +11129,6 @@
           <a:xfrm>
             <a:off x="5458314" y="956815"/>
             <a:ext cx="4438650" cy="4133850"/>
-          </a:xfrm>
-          <a:prstGeom prst="rect">
-            <a:avLst/>
-          </a:prstGeom>
-          <a:noFill/>
-          <a:ln>
-            <a:noFill/>
-          </a:ln>
-        </p:spPr>
-      </p:pic>
-    </p:spTree>
-  </p:cSld>
-  <p:clrMapOvr>
-    <a:masterClrMapping/>
-  </p:clrMapOvr>
-</p:sld>
-</file>
-
-<file path=ppt/slides/slide2.xml><?xml version="1.0" encoding="utf-8"?>
-<p:sld xmlns:a="http://schemas.openxmlformats.org/drawingml/2006/main" xmlns:r="http://schemas.openxmlformats.org/officeDocument/2006/relationships" xmlns:p="http://schemas.openxmlformats.org/presentationml/2006/main">
-  <p:cSld>
-    <p:spTree>
-      <p:nvGrpSpPr>
-        <p:cNvPr id="1" name="Shape 62"/>
-        <p:cNvGrpSpPr/>
-        <p:nvPr/>
-      </p:nvGrpSpPr>
-      <p:grpSpPr>
-        <a:xfrm>
-          <a:off x="0" y="0"/>
-          <a:ext cx="0" cy="0"/>
-          <a:chOff x="0" y="0"/>
-          <a:chExt cx="0" cy="0"/>
-        </a:xfrm>
-      </p:grpSpPr>
-      <p:sp>
-        <p:nvSpPr>
-          <p:cNvPr id="63" name="Google Shape;63;p5"/>
-          <p:cNvSpPr txBox="1"/>
-          <p:nvPr/>
-        </p:nvSpPr>
-        <p:spPr>
-          <a:xfrm>
-            <a:off x="368558" y="285105"/>
-            <a:ext cx="8247900" cy="770700"/>
-          </a:xfrm>
-          <a:prstGeom prst="rect">
-            <a:avLst/>
-          </a:prstGeom>
-          <a:noFill/>
-          <a:ln>
-            <a:noFill/>
-          </a:ln>
-        </p:spPr>
-        <p:txBody>
-          <a:bodyPr spcFirstLastPara="1" wrap="square" lIns="91425" tIns="91425" rIns="91425" bIns="91425" anchor="t" anchorCtr="0">
-            <a:noAutofit/>
-          </a:bodyPr>
-          <a:lstStyle/>
-          <a:p>
-            <a:pPr marL="0" marR="0" lvl="0" indent="0" algn="l" rtl="0">
-              <a:lnSpc>
-                <a:spcPct val="100000"/>
-              </a:lnSpc>
-              <a:spcBef>
-                <a:spcPts val="0"/>
-              </a:spcBef>
-              <a:spcAft>
-                <a:spcPts val="0"/>
-              </a:spcAft>
-              <a:buClr>
-                <a:srgbClr val="000000"/>
-              </a:buClr>
-              <a:buSzPts val="2800"/>
-              <a:buFont typeface="Arial"/>
-              <a:buNone/>
-            </a:pPr>
-            <a:r>
-              <a:rPr lang="ru" sz="2800" b="1">
-                <a:solidFill>
-                  <a:srgbClr val="123194"/>
-                </a:solidFill>
-                <a:latin typeface="Montserrat"/>
-                <a:ea typeface="Montserrat"/>
-                <a:cs typeface="Montserrat"/>
-                <a:sym typeface="Montserrat"/>
-              </a:rPr>
-              <a:t>Заголовок</a:t>
-            </a:r>
-            <a:endParaRPr sz="2800" b="1" i="0" u="none" strike="noStrike" cap="none">
-              <a:solidFill>
-                <a:srgbClr val="123194"/>
-              </a:solidFill>
-              <a:latin typeface="Montserrat"/>
-              <a:ea typeface="Montserrat"/>
-              <a:cs typeface="Montserrat"/>
-              <a:sym typeface="Montserrat"/>
-            </a:endParaRPr>
-          </a:p>
-        </p:txBody>
-      </p:sp>
-      <p:sp>
-        <p:nvSpPr>
-          <p:cNvPr id="64" name="Google Shape;64;p5"/>
-          <p:cNvSpPr txBox="1"/>
-          <p:nvPr/>
-        </p:nvSpPr>
-        <p:spPr>
-          <a:xfrm>
-            <a:off x="368550" y="1239497"/>
-            <a:ext cx="8167800" cy="1614600"/>
-          </a:xfrm>
-          <a:prstGeom prst="rect">
-            <a:avLst/>
-          </a:prstGeom>
-          <a:noFill/>
-          <a:ln>
-            <a:noFill/>
-          </a:ln>
-        </p:spPr>
-        <p:txBody>
-          <a:bodyPr spcFirstLastPara="1" wrap="square" lIns="91425" tIns="91425" rIns="91425" bIns="91425" anchor="t" anchorCtr="0">
-            <a:noAutofit/>
-          </a:bodyPr>
-          <a:lstStyle/>
-          <a:p>
-            <a:pPr marL="0" marR="0" lvl="0" indent="0" algn="l" rtl="0">
-              <a:lnSpc>
-                <a:spcPct val="115000"/>
-              </a:lnSpc>
-              <a:spcBef>
-                <a:spcPts val="0"/>
-              </a:spcBef>
-              <a:spcAft>
-                <a:spcPts val="0"/>
-              </a:spcAft>
-              <a:buClr>
-                <a:srgbClr val="000000"/>
-              </a:buClr>
-              <a:buSzPts val="2000"/>
-              <a:buFont typeface="Arial"/>
-              <a:buNone/>
-            </a:pPr>
-            <a:r>
-              <a:rPr lang="ru" sz="1500" b="0" i="0" u="none" strike="noStrike" cap="none">
-                <a:solidFill>
-                  <a:srgbClr val="000000"/>
-                </a:solidFill>
-                <a:latin typeface="Montserrat"/>
-                <a:ea typeface="Montserrat"/>
-                <a:cs typeface="Montserrat"/>
-                <a:sym typeface="Montserrat"/>
-              </a:rPr>
-              <a:t>Текст </a:t>
-            </a:r>
-            <a:r>
-              <a:rPr lang="ru" sz="1500" b="0" i="0" u="none" strike="noStrike" cap="none">
-                <a:solidFill>
-                  <a:schemeClr val="dk1"/>
-                </a:solidFill>
-                <a:latin typeface="Montserrat"/>
-                <a:ea typeface="Montserrat"/>
-                <a:cs typeface="Montserrat"/>
-                <a:sym typeface="Montserrat"/>
-              </a:rPr>
-              <a:t>Текст Текст Текст Текст Текст Текст Текст Текст Текст Текст Текст Текст Текст Текст Текст Текст Текст Текст Текст Текст Текст Текст Текст Текст Текст Текст Текст Текст Текст Текст Текст Текст Текст Текст </a:t>
-            </a:r>
-            <a:endParaRPr sz="1500" b="0" i="0" u="none" strike="noStrike" cap="none">
-              <a:solidFill>
-                <a:schemeClr val="dk1"/>
-              </a:solidFill>
-              <a:latin typeface="Montserrat"/>
-              <a:ea typeface="Montserrat"/>
-              <a:cs typeface="Montserrat"/>
-              <a:sym typeface="Montserrat"/>
-            </a:endParaRPr>
-          </a:p>
-          <a:p>
-            <a:pPr marL="0" marR="0" lvl="0" indent="0" algn="l" rtl="0">
-              <a:lnSpc>
-                <a:spcPct val="115000"/>
-              </a:lnSpc>
-              <a:spcBef>
-                <a:spcPts val="0"/>
-              </a:spcBef>
-              <a:spcAft>
-                <a:spcPts val="0"/>
-              </a:spcAft>
-              <a:buClr>
-                <a:srgbClr val="000000"/>
-              </a:buClr>
-              <a:buSzPts val="2000"/>
-              <a:buFont typeface="Arial"/>
-              <a:buNone/>
-            </a:pPr>
-            <a:endParaRPr sz="2000" b="0" i="0" u="none" strike="noStrike" cap="none">
-              <a:solidFill>
-                <a:schemeClr val="dk1"/>
-              </a:solidFill>
-              <a:latin typeface="Montserrat"/>
-              <a:ea typeface="Montserrat"/>
-              <a:cs typeface="Montserrat"/>
-              <a:sym typeface="Montserrat"/>
-            </a:endParaRPr>
-          </a:p>
-        </p:txBody>
-      </p:sp>
-    </p:spTree>
-  </p:cSld>
-  <p:clrMapOvr>
-    <a:masterClrMapping/>
-  </p:clrMapOvr>
-</p:sld>
-</file>
-
-<file path=ppt/slides/slide3.xml><?xml version="1.0" encoding="utf-8"?>
-<p:sld xmlns:a="http://schemas.openxmlformats.org/drawingml/2006/main" xmlns:r="http://schemas.openxmlformats.org/officeDocument/2006/relationships" xmlns:p="http://schemas.openxmlformats.org/presentationml/2006/main">
-  <p:cSld>
-    <p:spTree>
-      <p:nvGrpSpPr>
-        <p:cNvPr id="1" name="Shape 68"/>
-        <p:cNvGrpSpPr/>
-        <p:nvPr/>
-      </p:nvGrpSpPr>
-      <p:grpSpPr>
-        <a:xfrm>
-          <a:off x="0" y="0"/>
-          <a:ext cx="0" cy="0"/>
-          <a:chOff x="0" y="0"/>
-          <a:chExt cx="0" cy="0"/>
-        </a:xfrm>
-      </p:grpSpPr>
-      <p:sp>
-        <p:nvSpPr>
-          <p:cNvPr id="69" name="Google Shape;69;p9"/>
-          <p:cNvSpPr/>
-          <p:nvPr/>
-        </p:nvSpPr>
-        <p:spPr>
-          <a:xfrm>
-            <a:off x="459250" y="1317775"/>
-            <a:ext cx="6391500" cy="3150900"/>
-          </a:xfrm>
-          <a:prstGeom prst="rect">
-            <a:avLst/>
-          </a:prstGeom>
-          <a:solidFill>
-            <a:schemeClr val="lt2"/>
-          </a:solidFill>
-          <a:ln w="9525" cap="flat" cmpd="sng">
-            <a:solidFill>
-              <a:srgbClr val="123194"/>
-            </a:solidFill>
-            <a:prstDash val="solid"/>
-            <a:round/>
-            <a:headEnd type="none" w="sm" len="sm"/>
-            <a:tailEnd type="none" w="sm" len="sm"/>
-          </a:ln>
-        </p:spPr>
-        <p:txBody>
-          <a:bodyPr spcFirstLastPara="1" wrap="square" lIns="91425" tIns="91425" rIns="91425" bIns="91425" anchor="ctr" anchorCtr="0">
-            <a:noAutofit/>
-          </a:bodyPr>
-          <a:lstStyle/>
-          <a:p>
-            <a:pPr marL="0" marR="0" lvl="0" indent="0" algn="ctr" rtl="0">
-              <a:lnSpc>
-                <a:spcPct val="100000"/>
-              </a:lnSpc>
-              <a:spcBef>
-                <a:spcPts val="0"/>
-              </a:spcBef>
-              <a:spcAft>
-                <a:spcPts val="0"/>
-              </a:spcAft>
-              <a:buClr>
-                <a:srgbClr val="000000"/>
-              </a:buClr>
-              <a:buSzPts val="1400"/>
-              <a:buFont typeface="Arial"/>
-              <a:buNone/>
-            </a:pPr>
-            <a:endParaRPr sz="1400" b="0" i="0" u="none" strike="noStrike" cap="none">
-              <a:solidFill>
-                <a:srgbClr val="000000"/>
-              </a:solidFill>
-              <a:latin typeface="Arial"/>
-              <a:ea typeface="Arial"/>
-              <a:cs typeface="Arial"/>
-              <a:sym typeface="Arial"/>
-            </a:endParaRPr>
-          </a:p>
-        </p:txBody>
-      </p:sp>
-      <p:sp>
-        <p:nvSpPr>
-          <p:cNvPr id="70" name="Google Shape;70;p9"/>
-          <p:cNvSpPr txBox="1"/>
-          <p:nvPr/>
-        </p:nvSpPr>
-        <p:spPr>
-          <a:xfrm>
-            <a:off x="349472" y="4542772"/>
-            <a:ext cx="8080500" cy="385500"/>
-          </a:xfrm>
-          <a:prstGeom prst="rect">
-            <a:avLst/>
-          </a:prstGeom>
-          <a:noFill/>
-          <a:ln>
-            <a:noFill/>
-          </a:ln>
-        </p:spPr>
-        <p:txBody>
-          <a:bodyPr spcFirstLastPara="1" wrap="square" lIns="91425" tIns="91425" rIns="91425" bIns="91425" anchor="t" anchorCtr="0">
-            <a:noAutofit/>
-          </a:bodyPr>
-          <a:lstStyle/>
-          <a:p>
-            <a:pPr marL="0" marR="0" lvl="0" indent="0" algn="l" rtl="0">
-              <a:lnSpc>
-                <a:spcPct val="100000"/>
-              </a:lnSpc>
-              <a:spcBef>
-                <a:spcPts val="0"/>
-              </a:spcBef>
-              <a:spcAft>
-                <a:spcPts val="0"/>
-              </a:spcAft>
-              <a:buClr>
-                <a:srgbClr val="000000"/>
-              </a:buClr>
-              <a:buSzPts val="1300"/>
-              <a:buFont typeface="Arial"/>
-              <a:buNone/>
-            </a:pPr>
-            <a:r>
-              <a:rPr lang="ru" sz="1300" b="0" i="0" u="none" strike="noStrike" cap="none">
-                <a:solidFill>
-                  <a:schemeClr val="dk1"/>
-                </a:solidFill>
-                <a:latin typeface="Montserrat"/>
-                <a:ea typeface="Montserrat"/>
-                <a:cs typeface="Montserrat"/>
-                <a:sym typeface="Montserrat"/>
-              </a:rPr>
-              <a:t>Подпись к изображени</a:t>
-            </a:r>
-            <a:r>
-              <a:rPr lang="ru" sz="1300">
-                <a:solidFill>
-                  <a:schemeClr val="dk1"/>
-                </a:solidFill>
-                <a:latin typeface="Montserrat"/>
-                <a:ea typeface="Montserrat"/>
-                <a:cs typeface="Montserrat"/>
-                <a:sym typeface="Montserrat"/>
-              </a:rPr>
-              <a:t>ю</a:t>
-            </a:r>
-            <a:endParaRPr sz="1300" b="0" i="0" u="none" strike="noStrike" cap="none">
-              <a:solidFill>
-                <a:srgbClr val="123194"/>
-              </a:solidFill>
-              <a:latin typeface="Montserrat"/>
-              <a:ea typeface="Montserrat"/>
-              <a:cs typeface="Montserrat"/>
-              <a:sym typeface="Montserrat"/>
-            </a:endParaRPr>
-          </a:p>
-          <a:p>
-            <a:pPr marL="0" marR="0" lvl="0" indent="0" algn="l" rtl="0">
-              <a:lnSpc>
-                <a:spcPct val="115000"/>
-              </a:lnSpc>
-              <a:spcBef>
-                <a:spcPts val="0"/>
-              </a:spcBef>
-              <a:spcAft>
-                <a:spcPts val="0"/>
-              </a:spcAft>
-              <a:buClr>
-                <a:schemeClr val="dk1"/>
-              </a:buClr>
-              <a:buSzPts val="1100"/>
-              <a:buFont typeface="Arial"/>
-              <a:buNone/>
-            </a:pPr>
-            <a:endParaRPr sz="1300" b="0" i="0" u="none" strike="noStrike" cap="none">
-              <a:solidFill>
-                <a:schemeClr val="dk1"/>
-              </a:solidFill>
-              <a:latin typeface="Montserrat"/>
-              <a:ea typeface="Montserrat"/>
-              <a:cs typeface="Montserrat"/>
-              <a:sym typeface="Montserrat"/>
-            </a:endParaRPr>
-          </a:p>
-          <a:p>
-            <a:pPr marL="0" marR="0" lvl="0" indent="0" algn="l" rtl="0">
-              <a:lnSpc>
-                <a:spcPct val="100000"/>
-              </a:lnSpc>
-              <a:spcBef>
-                <a:spcPts val="0"/>
-              </a:spcBef>
-              <a:spcAft>
-                <a:spcPts val="0"/>
-              </a:spcAft>
-              <a:buClr>
-                <a:srgbClr val="000000"/>
-              </a:buClr>
-              <a:buSzPts val="1300"/>
-              <a:buFont typeface="Arial"/>
-              <a:buNone/>
-            </a:pPr>
-            <a:endParaRPr sz="1300" b="0" i="0" u="none" strike="noStrike" cap="none">
-              <a:solidFill>
-                <a:schemeClr val="dk1"/>
-              </a:solidFill>
-              <a:latin typeface="Montserrat"/>
-              <a:ea typeface="Montserrat"/>
-              <a:cs typeface="Montserrat"/>
-              <a:sym typeface="Montserrat"/>
-            </a:endParaRPr>
-          </a:p>
-        </p:txBody>
-      </p:sp>
-      <p:sp>
-        <p:nvSpPr>
-          <p:cNvPr id="71" name="Google Shape;71;p9"/>
-          <p:cNvSpPr txBox="1"/>
-          <p:nvPr/>
-        </p:nvSpPr>
-        <p:spPr>
-          <a:xfrm>
-            <a:off x="368558" y="285105"/>
-            <a:ext cx="8247900" cy="770700"/>
-          </a:xfrm>
-          <a:prstGeom prst="rect">
-            <a:avLst/>
-          </a:prstGeom>
-          <a:noFill/>
-          <a:ln>
-            <a:noFill/>
-          </a:ln>
-        </p:spPr>
-        <p:txBody>
-          <a:bodyPr spcFirstLastPara="1" wrap="square" lIns="91425" tIns="91425" rIns="91425" bIns="91425" anchor="t" anchorCtr="0">
-            <a:noAutofit/>
-          </a:bodyPr>
-          <a:lstStyle/>
-          <a:p>
-            <a:pPr marL="0" marR="0" lvl="0" indent="0" algn="l" rtl="0">
-              <a:lnSpc>
-                <a:spcPct val="100000"/>
-              </a:lnSpc>
-              <a:spcBef>
-                <a:spcPts val="0"/>
-              </a:spcBef>
-              <a:spcAft>
-                <a:spcPts val="0"/>
-              </a:spcAft>
-              <a:buClr>
-                <a:srgbClr val="000000"/>
-              </a:buClr>
-              <a:buSzPts val="2800"/>
-              <a:buFont typeface="Arial"/>
-              <a:buNone/>
-            </a:pPr>
-            <a:r>
-              <a:rPr lang="ru" sz="2800" b="1">
-                <a:solidFill>
-                  <a:srgbClr val="123194"/>
-                </a:solidFill>
-                <a:latin typeface="Montserrat"/>
-                <a:ea typeface="Montserrat"/>
-                <a:cs typeface="Montserrat"/>
-                <a:sym typeface="Montserrat"/>
-              </a:rPr>
-              <a:t>Заголовок</a:t>
-            </a:r>
-            <a:endParaRPr sz="2800" b="1" i="0" u="none" strike="noStrike" cap="none">
-              <a:solidFill>
-                <a:srgbClr val="123194"/>
-              </a:solidFill>
-              <a:latin typeface="Montserrat"/>
-              <a:ea typeface="Montserrat"/>
-              <a:cs typeface="Montserrat"/>
-              <a:sym typeface="Montserrat"/>
-            </a:endParaRPr>
-          </a:p>
-        </p:txBody>
-      </p:sp>
-    </p:spTree>
-  </p:cSld>
-  <p:clrMapOvr>
-    <a:masterClrMapping/>
-  </p:clrMapOvr>
-</p:sld>
-</file>
-
-<file path=ppt/slides/slide4.xml><?xml version="1.0" encoding="utf-8"?>
-<p:sld xmlns:a="http://schemas.openxmlformats.org/drawingml/2006/main" xmlns:r="http://schemas.openxmlformats.org/officeDocument/2006/relationships" xmlns:p="http://schemas.openxmlformats.org/presentationml/2006/main">
-  <p:cSld>
-    <p:spTree>
-      <p:nvGrpSpPr>
-        <p:cNvPr id="1" name="Shape 75"/>
-        <p:cNvGrpSpPr/>
-        <p:nvPr/>
-      </p:nvGrpSpPr>
-      <p:grpSpPr>
-        <a:xfrm>
-          <a:off x="0" y="0"/>
-          <a:ext cx="0" cy="0"/>
-          <a:chOff x="0" y="0"/>
-          <a:chExt cx="0" cy="0"/>
-        </a:xfrm>
-      </p:grpSpPr>
-      <p:pic>
-        <p:nvPicPr>
-          <p:cNvPr id="76" name="Google Shape;76;p8"/>
-          <p:cNvPicPr preferRelativeResize="0"/>
-          <p:nvPr/>
-        </p:nvPicPr>
-        <p:blipFill rotWithShape="1">
-          <a:blip r:embed="rId3">
-            <a:alphaModFix/>
-          </a:blip>
-          <a:srcRect/>
-          <a:stretch/>
-        </p:blipFill>
-        <p:spPr>
-          <a:xfrm>
-            <a:off x="388628" y="4493079"/>
-            <a:ext cx="847909" cy="415398"/>
-          </a:xfrm>
-          <a:prstGeom prst="rect">
-            <a:avLst/>
-          </a:prstGeom>
-          <a:noFill/>
-          <a:ln>
-            <a:noFill/>
-          </a:ln>
-        </p:spPr>
-      </p:pic>
-      <p:sp>
-        <p:nvSpPr>
-          <p:cNvPr id="77" name="Google Shape;77;p8"/>
-          <p:cNvSpPr txBox="1"/>
-          <p:nvPr/>
-        </p:nvSpPr>
-        <p:spPr>
-          <a:xfrm>
-            <a:off x="327624" y="593398"/>
-            <a:ext cx="8167800" cy="3500100"/>
-          </a:xfrm>
-          <a:prstGeom prst="rect">
-            <a:avLst/>
-          </a:prstGeom>
-          <a:noFill/>
-          <a:ln>
-            <a:noFill/>
-          </a:ln>
-        </p:spPr>
-        <p:txBody>
-          <a:bodyPr spcFirstLastPara="1" wrap="square" lIns="91425" tIns="91425" rIns="91425" bIns="91425" anchor="t" anchorCtr="0">
-            <a:noAutofit/>
-          </a:bodyPr>
-          <a:lstStyle/>
-          <a:p>
-            <a:pPr marL="0" marR="0" lvl="0" indent="0" algn="l" rtl="0">
-              <a:lnSpc>
-                <a:spcPct val="115000"/>
-              </a:lnSpc>
-              <a:spcBef>
-                <a:spcPts val="0"/>
-              </a:spcBef>
-              <a:spcAft>
-                <a:spcPts val="0"/>
-              </a:spcAft>
-              <a:buClr>
-                <a:srgbClr val="000000"/>
-              </a:buClr>
-              <a:buSzPts val="3000"/>
-              <a:buFont typeface="Arial"/>
-              <a:buNone/>
-            </a:pPr>
-            <a:r>
-              <a:rPr lang="ru" sz="3000" b="0" i="0" u="none" strike="noStrike" cap="none">
-                <a:solidFill>
-                  <a:srgbClr val="123194"/>
-                </a:solidFill>
-                <a:latin typeface="Montserrat"/>
-                <a:ea typeface="Montserrat"/>
-                <a:cs typeface="Montserrat"/>
-                <a:sym typeface="Montserrat"/>
-              </a:rPr>
-              <a:t>Какая-то </a:t>
-            </a:r>
-            <a:r>
-              <a:rPr lang="ru" sz="3000" b="1" i="0" u="none" strike="noStrike" cap="none">
-                <a:solidFill>
-                  <a:srgbClr val="123194"/>
-                </a:solidFill>
-                <a:latin typeface="Montserrat"/>
-                <a:ea typeface="Montserrat"/>
-                <a:cs typeface="Montserrat"/>
-                <a:sym typeface="Montserrat"/>
-              </a:rPr>
-              <a:t>важная</a:t>
-            </a:r>
-            <a:r>
-              <a:rPr lang="ru" sz="3000" b="0" i="0" u="none" strike="noStrike" cap="none">
-                <a:solidFill>
-                  <a:srgbClr val="123194"/>
-                </a:solidFill>
-                <a:latin typeface="Montserrat"/>
-                <a:ea typeface="Montserrat"/>
-                <a:cs typeface="Montserrat"/>
-                <a:sym typeface="Montserrat"/>
-              </a:rPr>
-              <a:t>, крупная мысль </a:t>
-            </a:r>
-            <a:br>
-              <a:rPr lang="ru" sz="3000" b="0" i="0" u="none" strike="noStrike" cap="none">
-                <a:solidFill>
-                  <a:srgbClr val="123194"/>
-                </a:solidFill>
-                <a:latin typeface="Montserrat"/>
-                <a:ea typeface="Montserrat"/>
-                <a:cs typeface="Montserrat"/>
-                <a:sym typeface="Montserrat"/>
-              </a:rPr>
-            </a:br>
-            <a:r>
-              <a:rPr lang="ru" sz="3000" b="0" i="0" u="none" strike="noStrike" cap="none">
-                <a:solidFill>
-                  <a:srgbClr val="123194"/>
-                </a:solidFill>
-                <a:latin typeface="Montserrat"/>
-                <a:ea typeface="Montserrat"/>
-                <a:cs typeface="Montserrat"/>
-                <a:sym typeface="Montserrat"/>
-              </a:rPr>
-              <a:t>на отдельном слайде</a:t>
-            </a:r>
-            <a:endParaRPr sz="3000" b="0" i="0" u="none" strike="noStrike" cap="none">
-              <a:solidFill>
-                <a:srgbClr val="123194"/>
-              </a:solidFill>
-              <a:latin typeface="Montserrat"/>
-              <a:ea typeface="Montserrat"/>
-              <a:cs typeface="Montserrat"/>
-              <a:sym typeface="Montserrat"/>
-            </a:endParaRPr>
-          </a:p>
-        </p:txBody>
-      </p:sp>
-    </p:spTree>
-  </p:cSld>
-  <p:clrMapOvr>
-    <a:masterClrMapping/>
-  </p:clrMapOvr>
-</p:sld>
-</file>
-
-<file path=ppt/slides/slide5.xml><?xml version="1.0" encoding="utf-8"?>
-<p:sld xmlns:a="http://schemas.openxmlformats.org/drawingml/2006/main" xmlns:r="http://schemas.openxmlformats.org/officeDocument/2006/relationships" xmlns:p="http://schemas.openxmlformats.org/presentationml/2006/main">
-  <p:cSld>
-    <p:spTree>
-      <p:nvGrpSpPr>
-        <p:cNvPr id="1" name="Shape 81"/>
-        <p:cNvGrpSpPr/>
-        <p:nvPr/>
-      </p:nvGrpSpPr>
-      <p:grpSpPr>
-        <a:xfrm>
-          <a:off x="0" y="0"/>
-          <a:ext cx="0" cy="0"/>
-          <a:chOff x="0" y="0"/>
-          <a:chExt cx="0" cy="0"/>
-        </a:xfrm>
-      </p:grpSpPr>
-      <p:sp>
-        <p:nvSpPr>
-          <p:cNvPr id="82" name="Google Shape;82;p20"/>
-          <p:cNvSpPr/>
-          <p:nvPr/>
-        </p:nvSpPr>
-        <p:spPr>
-          <a:xfrm>
-            <a:off x="13125" y="-9549"/>
-            <a:ext cx="9000000" cy="5040000"/>
-          </a:xfrm>
-          <a:prstGeom prst="rect">
-            <a:avLst/>
-          </a:prstGeom>
-          <a:solidFill>
-            <a:srgbClr val="123194"/>
-          </a:solidFill>
-          <a:ln w="9525" cap="flat" cmpd="sng">
-            <a:solidFill>
-              <a:schemeClr val="dk2"/>
-            </a:solidFill>
-            <a:prstDash val="solid"/>
-            <a:round/>
-            <a:headEnd type="none" w="sm" len="sm"/>
-            <a:tailEnd type="none" w="sm" len="sm"/>
-          </a:ln>
-        </p:spPr>
-        <p:txBody>
-          <a:bodyPr spcFirstLastPara="1" wrap="square" lIns="91425" tIns="91425" rIns="91425" bIns="91425" anchor="ctr" anchorCtr="0">
-            <a:noAutofit/>
-          </a:bodyPr>
-          <a:lstStyle/>
-          <a:p>
-            <a:pPr marL="0" marR="0" lvl="0" indent="0" algn="ctr" rtl="0">
-              <a:lnSpc>
-                <a:spcPct val="100000"/>
-              </a:lnSpc>
-              <a:spcBef>
-                <a:spcPts val="0"/>
-              </a:spcBef>
-              <a:spcAft>
-                <a:spcPts val="0"/>
-              </a:spcAft>
-              <a:buClr>
-                <a:srgbClr val="000000"/>
-              </a:buClr>
-              <a:buSzPts val="1400"/>
-              <a:buFont typeface="Arial"/>
-              <a:buNone/>
-            </a:pPr>
-            <a:endParaRPr sz="1400" b="0" i="0" u="none" strike="noStrike" cap="none">
-              <a:solidFill>
-                <a:srgbClr val="000000"/>
-              </a:solidFill>
-              <a:latin typeface="Arial"/>
-              <a:ea typeface="Arial"/>
-              <a:cs typeface="Arial"/>
-              <a:sym typeface="Arial"/>
-            </a:endParaRPr>
-          </a:p>
-        </p:txBody>
-      </p:sp>
-      <p:pic>
-        <p:nvPicPr>
-          <p:cNvPr id="83" name="Google Shape;83;p20"/>
-          <p:cNvPicPr preferRelativeResize="0"/>
-          <p:nvPr/>
-        </p:nvPicPr>
-        <p:blipFill rotWithShape="1">
-          <a:blip r:embed="rId3">
-            <a:alphaModFix/>
-          </a:blip>
-          <a:srcRect/>
-          <a:stretch/>
-        </p:blipFill>
-        <p:spPr>
-          <a:xfrm>
-            <a:off x="388628" y="4493079"/>
-            <a:ext cx="847909" cy="415398"/>
-          </a:xfrm>
-          <a:prstGeom prst="rect">
-            <a:avLst/>
-          </a:prstGeom>
-          <a:noFill/>
-          <a:ln>
-            <a:noFill/>
-          </a:ln>
-        </p:spPr>
-      </p:pic>
-      <p:sp>
-        <p:nvSpPr>
-          <p:cNvPr id="84" name="Google Shape;84;p20"/>
-          <p:cNvSpPr txBox="1"/>
-          <p:nvPr/>
-        </p:nvSpPr>
-        <p:spPr>
-          <a:xfrm>
-            <a:off x="340866" y="384361"/>
-            <a:ext cx="8247900" cy="770700"/>
-          </a:xfrm>
-          <a:prstGeom prst="rect">
-            <a:avLst/>
-          </a:prstGeom>
-          <a:noFill/>
-          <a:ln>
-            <a:noFill/>
-          </a:ln>
-        </p:spPr>
-        <p:txBody>
-          <a:bodyPr spcFirstLastPara="1" wrap="square" lIns="91425" tIns="91425" rIns="91425" bIns="91425" anchor="t" anchorCtr="0">
-            <a:noAutofit/>
-          </a:bodyPr>
-          <a:lstStyle/>
-          <a:p>
-            <a:pPr marL="0" marR="0" lvl="0" indent="0" algn="l" rtl="0">
-              <a:lnSpc>
-                <a:spcPct val="100000"/>
-              </a:lnSpc>
-              <a:spcBef>
-                <a:spcPts val="0"/>
-              </a:spcBef>
-              <a:spcAft>
-                <a:spcPts val="0"/>
-              </a:spcAft>
-              <a:buClr>
-                <a:srgbClr val="000000"/>
-              </a:buClr>
-              <a:buSzPts val="2800"/>
-              <a:buFont typeface="Arial"/>
-              <a:buNone/>
-            </a:pPr>
-            <a:r>
-              <a:rPr lang="ru" sz="2800" b="1">
-                <a:solidFill>
-                  <a:schemeClr val="lt1"/>
-                </a:solidFill>
-                <a:latin typeface="Montserrat"/>
-                <a:ea typeface="Montserrat"/>
-                <a:cs typeface="Montserrat"/>
-                <a:sym typeface="Montserrat"/>
-              </a:rPr>
-              <a:t>Заголовок</a:t>
-            </a:r>
-            <a:endParaRPr sz="2800" b="1" i="0" u="none" strike="noStrike" cap="none">
-              <a:solidFill>
-                <a:schemeClr val="lt1"/>
-              </a:solidFill>
-              <a:latin typeface="Montserrat"/>
-              <a:ea typeface="Montserrat"/>
-              <a:cs typeface="Montserrat"/>
-              <a:sym typeface="Montserrat"/>
-            </a:endParaRPr>
-          </a:p>
-        </p:txBody>
-      </p:sp>
-      <p:sp>
-        <p:nvSpPr>
-          <p:cNvPr id="85" name="Google Shape;85;p20"/>
-          <p:cNvSpPr txBox="1"/>
-          <p:nvPr/>
-        </p:nvSpPr>
-        <p:spPr>
-          <a:xfrm>
-            <a:off x="281039" y="1151253"/>
-            <a:ext cx="8167800" cy="3500100"/>
-          </a:xfrm>
-          <a:prstGeom prst="rect">
-            <a:avLst/>
-          </a:prstGeom>
-          <a:noFill/>
-          <a:ln>
-            <a:noFill/>
-          </a:ln>
-        </p:spPr>
-        <p:txBody>
-          <a:bodyPr spcFirstLastPara="1" wrap="square" lIns="91425" tIns="91425" rIns="91425" bIns="91425" anchor="t" anchorCtr="0">
-            <a:noAutofit/>
-          </a:bodyPr>
-          <a:lstStyle/>
-          <a:p>
-            <a:pPr marL="457200" marR="0" lvl="0" indent="-355600" algn="l" rtl="0">
-              <a:lnSpc>
-                <a:spcPct val="115000"/>
-              </a:lnSpc>
-              <a:spcBef>
-                <a:spcPts val="0"/>
-              </a:spcBef>
-              <a:spcAft>
-                <a:spcPts val="0"/>
-              </a:spcAft>
-              <a:buClr>
-                <a:schemeClr val="lt1"/>
-              </a:buClr>
-              <a:buSzPts val="2000"/>
-              <a:buFont typeface="Montserrat"/>
-              <a:buChar char="■"/>
-            </a:pPr>
-            <a:r>
-              <a:rPr lang="ru" sz="2000" b="0" i="0" u="none" strike="noStrike" cap="none">
-                <a:solidFill>
-                  <a:schemeClr val="lt1"/>
-                </a:solidFill>
-                <a:latin typeface="Montserrat"/>
-                <a:ea typeface="Montserrat"/>
-                <a:cs typeface="Montserrat"/>
-                <a:sym typeface="Montserrat"/>
-              </a:rPr>
-              <a:t>Список</a:t>
-            </a:r>
-            <a:endParaRPr sz="2000" b="0" i="0" u="none" strike="noStrike" cap="none">
-              <a:solidFill>
-                <a:schemeClr val="lt1"/>
-              </a:solidFill>
-              <a:latin typeface="Montserrat"/>
-              <a:ea typeface="Montserrat"/>
-              <a:cs typeface="Montserrat"/>
-              <a:sym typeface="Montserrat"/>
-            </a:endParaRPr>
-          </a:p>
-          <a:p>
-            <a:pPr marL="457200" marR="0" lvl="0" indent="-355600" algn="l" rtl="0">
-              <a:lnSpc>
-                <a:spcPct val="115000"/>
-              </a:lnSpc>
-              <a:spcBef>
-                <a:spcPts val="1800"/>
-              </a:spcBef>
-              <a:spcAft>
-                <a:spcPts val="0"/>
-              </a:spcAft>
-              <a:buClr>
-                <a:schemeClr val="lt1"/>
-              </a:buClr>
-              <a:buSzPts val="2000"/>
-              <a:buFont typeface="Montserrat"/>
-              <a:buChar char="■"/>
-            </a:pPr>
-            <a:r>
-              <a:rPr lang="ru" sz="2000" b="0" i="0" u="none" strike="noStrike" cap="none">
-                <a:solidFill>
-                  <a:schemeClr val="lt1"/>
-                </a:solidFill>
-                <a:latin typeface="Montserrat"/>
-                <a:ea typeface="Montserrat"/>
-                <a:cs typeface="Montserrat"/>
-                <a:sym typeface="Montserrat"/>
-              </a:rPr>
-              <a:t>Список</a:t>
-            </a:r>
-            <a:endParaRPr sz="2000" b="0" i="0" u="none" strike="noStrike" cap="none">
-              <a:solidFill>
-                <a:schemeClr val="lt1"/>
-              </a:solidFill>
-              <a:latin typeface="Montserrat"/>
-              <a:ea typeface="Montserrat"/>
-              <a:cs typeface="Montserrat"/>
-              <a:sym typeface="Montserrat"/>
-            </a:endParaRPr>
-          </a:p>
-          <a:p>
-            <a:pPr marL="457200" marR="0" lvl="0" indent="-355600" algn="l" rtl="0">
-              <a:lnSpc>
-                <a:spcPct val="115000"/>
-              </a:lnSpc>
-              <a:spcBef>
-                <a:spcPts val="1800"/>
-              </a:spcBef>
-              <a:spcAft>
-                <a:spcPts val="0"/>
-              </a:spcAft>
-              <a:buClr>
-                <a:schemeClr val="lt1"/>
-              </a:buClr>
-              <a:buSzPts val="2000"/>
-              <a:buFont typeface="Montserrat"/>
-              <a:buChar char="■"/>
-            </a:pPr>
-            <a:r>
-              <a:rPr lang="ru" sz="2000" b="0" i="0" u="none" strike="noStrike" cap="none">
-                <a:solidFill>
-                  <a:schemeClr val="lt1"/>
-                </a:solidFill>
-                <a:latin typeface="Montserrat"/>
-                <a:ea typeface="Montserrat"/>
-                <a:cs typeface="Montserrat"/>
-                <a:sym typeface="Montserrat"/>
-              </a:rPr>
-              <a:t>Список </a:t>
-            </a:r>
-            <a:endParaRPr sz="2000" b="0" i="0" u="none" strike="noStrike" cap="none">
-              <a:solidFill>
-                <a:schemeClr val="lt1"/>
-              </a:solidFill>
-              <a:latin typeface="Montserrat"/>
-              <a:ea typeface="Montserrat"/>
-              <a:cs typeface="Montserrat"/>
-              <a:sym typeface="Montserrat"/>
-            </a:endParaRPr>
-          </a:p>
-          <a:p>
-            <a:pPr marL="457200" marR="0" lvl="0" indent="0" algn="l" rtl="0">
-              <a:lnSpc>
-                <a:spcPct val="115000"/>
-              </a:lnSpc>
-              <a:spcBef>
-                <a:spcPts val="1800"/>
-              </a:spcBef>
-              <a:spcAft>
-                <a:spcPts val="1800"/>
-              </a:spcAft>
-              <a:buClr>
-                <a:srgbClr val="000000"/>
-              </a:buClr>
-              <a:buSzPts val="2000"/>
-              <a:buFont typeface="Arial"/>
-              <a:buNone/>
-            </a:pPr>
-            <a:endParaRPr sz="2000" b="0" i="0" u="none" strike="noStrike" cap="none">
-              <a:solidFill>
-                <a:schemeClr val="lt1"/>
-              </a:solidFill>
-              <a:latin typeface="Montserrat"/>
-              <a:ea typeface="Montserrat"/>
-              <a:cs typeface="Montserrat"/>
-              <a:sym typeface="Montserrat"/>
-            </a:endParaRPr>
-          </a:p>
-        </p:txBody>
-      </p:sp>
-      <p:pic>
-        <p:nvPicPr>
-          <p:cNvPr id="86" name="Google Shape;86;p20"/>
-          <p:cNvPicPr preferRelativeResize="0"/>
-          <p:nvPr/>
-        </p:nvPicPr>
-        <p:blipFill rotWithShape="1">
-          <a:blip r:embed="rId4">
-            <a:alphaModFix/>
-          </a:blip>
-          <a:srcRect/>
-          <a:stretch/>
-        </p:blipFill>
-        <p:spPr>
-          <a:xfrm>
-            <a:off x="6516984" y="2755723"/>
-            <a:ext cx="2023175" cy="2070750"/>
-          </a:xfrm>
-          <a:prstGeom prst="rect">
-            <a:avLst/>
-          </a:prstGeom>
-          <a:noFill/>
-          <a:ln>
-            <a:noFill/>
-          </a:ln>
-        </p:spPr>
-      </p:pic>
-    </p:spTree>
-  </p:cSld>
-  <p:clrMapOvr>
-    <a:masterClrMapping/>
-  </p:clrMapOvr>
-</p:sld>
-</file>
-
-<file path=ppt/slides/slide6.xml><?xml version="1.0" encoding="utf-8"?>
-<p:sld xmlns:a="http://schemas.openxmlformats.org/drawingml/2006/main" xmlns:r="http://schemas.openxmlformats.org/officeDocument/2006/relationships" xmlns:p="http://schemas.openxmlformats.org/presentationml/2006/main">
-  <p:cSld>
-    <p:spTree>
-      <p:nvGrpSpPr>
-        <p:cNvPr id="1" name="Shape 90"/>
-        <p:cNvGrpSpPr/>
-        <p:nvPr/>
-      </p:nvGrpSpPr>
-      <p:grpSpPr>
-        <a:xfrm>
-          <a:off x="0" y="0"/>
-          <a:ext cx="0" cy="0"/>
-          <a:chOff x="0" y="0"/>
-          <a:chExt cx="0" cy="0"/>
-        </a:xfrm>
-      </p:grpSpPr>
-      <p:sp>
-        <p:nvSpPr>
-          <p:cNvPr id="91" name="Google Shape;91;p22"/>
-          <p:cNvSpPr txBox="1"/>
-          <p:nvPr/>
-        </p:nvSpPr>
-        <p:spPr>
-          <a:xfrm>
-            <a:off x="292358" y="63537"/>
-            <a:ext cx="8247900" cy="770700"/>
-          </a:xfrm>
-          <a:prstGeom prst="rect">
-            <a:avLst/>
-          </a:prstGeom>
-          <a:noFill/>
-          <a:ln>
-            <a:noFill/>
-          </a:ln>
-        </p:spPr>
-        <p:txBody>
-          <a:bodyPr spcFirstLastPara="1" wrap="square" lIns="91425" tIns="91425" rIns="91425" bIns="91425" anchor="t" anchorCtr="0">
-            <a:noAutofit/>
-          </a:bodyPr>
-          <a:lstStyle/>
-          <a:p>
-            <a:pPr marL="0" marR="0" lvl="0" indent="0" algn="l" rtl="0">
-              <a:lnSpc>
-                <a:spcPct val="100000"/>
-              </a:lnSpc>
-              <a:spcBef>
-                <a:spcPts val="0"/>
-              </a:spcBef>
-              <a:spcAft>
-                <a:spcPts val="0"/>
-              </a:spcAft>
-              <a:buClr>
-                <a:srgbClr val="000000"/>
-              </a:buClr>
-              <a:buSzPts val="3000"/>
-              <a:buFont typeface="Arial"/>
-              <a:buNone/>
-            </a:pPr>
-            <a:endParaRPr sz="3000" b="1" i="0" u="none" strike="noStrike" cap="none">
-              <a:solidFill>
-                <a:srgbClr val="123194"/>
-              </a:solidFill>
-              <a:latin typeface="Montserrat"/>
-              <a:ea typeface="Montserrat"/>
-              <a:cs typeface="Montserrat"/>
-              <a:sym typeface="Montserrat"/>
-            </a:endParaRPr>
-          </a:p>
-        </p:txBody>
-      </p:sp>
-      <p:sp>
-        <p:nvSpPr>
-          <p:cNvPr id="92" name="Google Shape;92;p22"/>
-          <p:cNvSpPr txBox="1"/>
-          <p:nvPr/>
-        </p:nvSpPr>
-        <p:spPr>
-          <a:xfrm>
-            <a:off x="368558" y="-12663"/>
-            <a:ext cx="8247900" cy="770700"/>
-          </a:xfrm>
-          <a:prstGeom prst="rect">
-            <a:avLst/>
-          </a:prstGeom>
-          <a:noFill/>
-          <a:ln>
-            <a:noFill/>
-          </a:ln>
-        </p:spPr>
-        <p:txBody>
-          <a:bodyPr spcFirstLastPara="1" wrap="square" lIns="91425" tIns="91425" rIns="91425" bIns="91425" anchor="t" anchorCtr="0">
-            <a:noAutofit/>
-          </a:bodyPr>
-          <a:lstStyle/>
-          <a:p>
-            <a:pPr marL="0" marR="0" lvl="0" indent="0" algn="l" rtl="0">
-              <a:lnSpc>
-                <a:spcPct val="100000"/>
-              </a:lnSpc>
-              <a:spcBef>
-                <a:spcPts val="0"/>
-              </a:spcBef>
-              <a:spcAft>
-                <a:spcPts val="0"/>
-              </a:spcAft>
-              <a:buClr>
-                <a:srgbClr val="000000"/>
-              </a:buClr>
-              <a:buSzPts val="2800"/>
-              <a:buFont typeface="Arial"/>
-              <a:buNone/>
-            </a:pPr>
-            <a:r>
-              <a:rPr lang="ru" sz="2800" b="1" i="0" u="none" strike="noStrike" cap="none">
-                <a:solidFill>
-                  <a:srgbClr val="123194"/>
-                </a:solidFill>
-                <a:latin typeface="Montserrat"/>
-                <a:ea typeface="Montserrat"/>
-                <a:cs typeface="Montserrat"/>
-                <a:sym typeface="Montserrat"/>
-              </a:rPr>
-              <a:t>Иконки</a:t>
-            </a:r>
-            <a:endParaRPr sz="2800" b="1" i="0" u="none" strike="noStrike" cap="none">
-              <a:solidFill>
-                <a:srgbClr val="123194"/>
-              </a:solidFill>
-              <a:latin typeface="Montserrat"/>
-              <a:ea typeface="Montserrat"/>
-              <a:cs typeface="Montserrat"/>
-              <a:sym typeface="Montserrat"/>
-            </a:endParaRPr>
-          </a:p>
-        </p:txBody>
-      </p:sp>
-      <p:pic>
-        <p:nvPicPr>
-          <p:cNvPr id="93" name="Google Shape;93;p22"/>
-          <p:cNvPicPr preferRelativeResize="0"/>
-          <p:nvPr/>
-        </p:nvPicPr>
-        <p:blipFill rotWithShape="1">
-          <a:blip r:embed="rId3">
-            <a:alphaModFix/>
-          </a:blip>
-          <a:srcRect/>
-          <a:stretch/>
-        </p:blipFill>
-        <p:spPr>
-          <a:xfrm>
-            <a:off x="348539" y="559562"/>
-            <a:ext cx="1685925" cy="2924175"/>
-          </a:xfrm>
-          <a:prstGeom prst="rect">
-            <a:avLst/>
-          </a:prstGeom>
-          <a:noFill/>
-          <a:ln>
-            <a:noFill/>
-          </a:ln>
-        </p:spPr>
-      </p:pic>
-      <p:pic>
-        <p:nvPicPr>
-          <p:cNvPr id="94" name="Google Shape;94;p22"/>
-          <p:cNvPicPr preferRelativeResize="0"/>
-          <p:nvPr/>
-        </p:nvPicPr>
-        <p:blipFill rotWithShape="1">
-          <a:blip r:embed="rId4">
-            <a:alphaModFix/>
-          </a:blip>
-          <a:srcRect/>
-          <a:stretch/>
-        </p:blipFill>
-        <p:spPr>
-          <a:xfrm>
-            <a:off x="1979281" y="638012"/>
-            <a:ext cx="1752600" cy="2009775"/>
-          </a:xfrm>
-          <a:prstGeom prst="rect">
-            <a:avLst/>
-          </a:prstGeom>
-          <a:noFill/>
-          <a:ln>
-            <a:noFill/>
-          </a:ln>
-        </p:spPr>
-      </p:pic>
-      <p:pic>
-        <p:nvPicPr>
-          <p:cNvPr id="95" name="Google Shape;95;p22"/>
-          <p:cNvPicPr preferRelativeResize="0"/>
-          <p:nvPr/>
-        </p:nvPicPr>
-        <p:blipFill rotWithShape="1">
-          <a:blip r:embed="rId5">
-            <a:alphaModFix/>
-          </a:blip>
-          <a:srcRect/>
-          <a:stretch/>
-        </p:blipFill>
-        <p:spPr>
-          <a:xfrm>
-            <a:off x="2312069" y="2408849"/>
-            <a:ext cx="1619250" cy="1971675"/>
-          </a:xfrm>
-          <a:prstGeom prst="rect">
-            <a:avLst/>
-          </a:prstGeom>
-          <a:noFill/>
-          <a:ln>
-            <a:noFill/>
-          </a:ln>
-        </p:spPr>
-      </p:pic>
-      <p:pic>
-        <p:nvPicPr>
-          <p:cNvPr id="96" name="Google Shape;96;p22"/>
-          <p:cNvPicPr preferRelativeResize="0"/>
-          <p:nvPr/>
-        </p:nvPicPr>
-        <p:blipFill rotWithShape="1">
-          <a:blip r:embed="rId6">
-            <a:alphaModFix/>
-          </a:blip>
-          <a:srcRect/>
-          <a:stretch/>
-        </p:blipFill>
-        <p:spPr>
-          <a:xfrm>
-            <a:off x="3829081" y="696899"/>
-            <a:ext cx="1838325" cy="1381125"/>
-          </a:xfrm>
-          <a:prstGeom prst="rect">
-            <a:avLst/>
-          </a:prstGeom>
-          <a:noFill/>
-          <a:ln>
-            <a:noFill/>
-          </a:ln>
-        </p:spPr>
-      </p:pic>
-      <p:pic>
-        <p:nvPicPr>
-          <p:cNvPr id="97" name="Google Shape;97;p22"/>
-          <p:cNvPicPr preferRelativeResize="0"/>
-          <p:nvPr/>
-        </p:nvPicPr>
-        <p:blipFill rotWithShape="1">
-          <a:blip r:embed="rId7">
-            <a:alphaModFix/>
-          </a:blip>
-          <a:srcRect/>
-          <a:stretch/>
-        </p:blipFill>
-        <p:spPr>
-          <a:xfrm>
-            <a:off x="6863756" y="635762"/>
-            <a:ext cx="1828800" cy="4152900"/>
-          </a:xfrm>
-          <a:prstGeom prst="rect">
-            <a:avLst/>
-          </a:prstGeom>
-          <a:noFill/>
-          <a:ln>
-            <a:noFill/>
-          </a:ln>
-        </p:spPr>
-      </p:pic>
-      <p:pic>
-        <p:nvPicPr>
-          <p:cNvPr id="98" name="Google Shape;98;p22"/>
-          <p:cNvPicPr preferRelativeResize="0"/>
-          <p:nvPr/>
-        </p:nvPicPr>
-        <p:blipFill rotWithShape="1">
-          <a:blip r:embed="rId8">
-            <a:alphaModFix/>
-          </a:blip>
-          <a:srcRect/>
-          <a:stretch/>
-        </p:blipFill>
-        <p:spPr>
-          <a:xfrm>
-            <a:off x="459856" y="3220363"/>
-            <a:ext cx="2038350" cy="1628775"/>
-          </a:xfrm>
-          <a:prstGeom prst="rect">
-            <a:avLst/>
-          </a:prstGeom>
-          <a:noFill/>
-          <a:ln>
-            <a:noFill/>
-          </a:ln>
-        </p:spPr>
-      </p:pic>
-      <p:pic>
-        <p:nvPicPr>
-          <p:cNvPr id="99" name="Google Shape;99;p22"/>
-          <p:cNvPicPr preferRelativeResize="0"/>
-          <p:nvPr/>
-        </p:nvPicPr>
-        <p:blipFill rotWithShape="1">
-          <a:blip r:embed="rId9">
-            <a:alphaModFix/>
-          </a:blip>
-          <a:srcRect/>
-          <a:stretch/>
-        </p:blipFill>
-        <p:spPr>
-          <a:xfrm>
-            <a:off x="3897381" y="2664587"/>
-            <a:ext cx="1876425" cy="2124075"/>
-          </a:xfrm>
-          <a:prstGeom prst="rect">
-            <a:avLst/>
-          </a:prstGeom>
-          <a:noFill/>
-          <a:ln>
-            <a:noFill/>
-          </a:ln>
-        </p:spPr>
-      </p:pic>
-      <p:pic>
-        <p:nvPicPr>
-          <p:cNvPr id="100" name="Google Shape;100;p22"/>
-          <p:cNvPicPr preferRelativeResize="0"/>
-          <p:nvPr/>
-        </p:nvPicPr>
-        <p:blipFill rotWithShape="1">
-          <a:blip r:embed="rId10">
-            <a:alphaModFix/>
-          </a:blip>
-          <a:srcRect/>
-          <a:stretch/>
-        </p:blipFill>
-        <p:spPr>
-          <a:xfrm>
-            <a:off x="5892251" y="847550"/>
-            <a:ext cx="1019175" cy="2667000"/>
-          </a:xfrm>
-          <a:prstGeom prst="rect">
-            <a:avLst/>
-          </a:prstGeom>
-          <a:noFill/>
-          <a:ln>
-            <a:noFill/>
-          </a:ln>
-        </p:spPr>
-      </p:pic>
-    </p:spTree>
-  </p:cSld>
-  <p:clrMapOvr>
-    <a:masterClrMapping/>
-  </p:clrMapOvr>
-</p:sld>
-</file>
-
-<file path=ppt/slides/slide7.xml><?xml version="1.0" encoding="utf-8"?>
-<p:sld xmlns:a="http://schemas.openxmlformats.org/drawingml/2006/main" xmlns:r="http://schemas.openxmlformats.org/officeDocument/2006/relationships" xmlns:p="http://schemas.openxmlformats.org/presentationml/2006/main">
-  <p:cSld>
-    <p:spTree>
-      <p:nvGrpSpPr>
-        <p:cNvPr id="1" name="Shape 104"/>
-        <p:cNvGrpSpPr/>
-        <p:nvPr/>
-      </p:nvGrpSpPr>
-      <p:grpSpPr>
-        <a:xfrm>
-          <a:off x="0" y="0"/>
-          <a:ext cx="0" cy="0"/>
-          <a:chOff x="0" y="0"/>
-          <a:chExt cx="0" cy="0"/>
-        </a:xfrm>
-      </p:grpSpPr>
-      <p:sp>
-        <p:nvSpPr>
-          <p:cNvPr id="105" name="Google Shape;105;p23"/>
-          <p:cNvSpPr txBox="1"/>
-          <p:nvPr/>
-        </p:nvSpPr>
-        <p:spPr>
-          <a:xfrm>
-            <a:off x="292358" y="63537"/>
-            <a:ext cx="8247900" cy="770700"/>
-          </a:xfrm>
-          <a:prstGeom prst="rect">
-            <a:avLst/>
-          </a:prstGeom>
-          <a:noFill/>
-          <a:ln>
-            <a:noFill/>
-          </a:ln>
-        </p:spPr>
-        <p:txBody>
-          <a:bodyPr spcFirstLastPara="1" wrap="square" lIns="91425" tIns="91425" rIns="91425" bIns="91425" anchor="t" anchorCtr="0">
-            <a:noAutofit/>
-          </a:bodyPr>
-          <a:lstStyle/>
-          <a:p>
-            <a:pPr marL="0" marR="0" lvl="0" indent="0" algn="l" rtl="0">
-              <a:lnSpc>
-                <a:spcPct val="100000"/>
-              </a:lnSpc>
-              <a:spcBef>
-                <a:spcPts val="0"/>
-              </a:spcBef>
-              <a:spcAft>
-                <a:spcPts val="0"/>
-              </a:spcAft>
-              <a:buClr>
-                <a:srgbClr val="000000"/>
-              </a:buClr>
-              <a:buSzPts val="3000"/>
-              <a:buFont typeface="Arial"/>
-              <a:buNone/>
-            </a:pPr>
-            <a:endParaRPr sz="3000" b="1" i="0" u="none" strike="noStrike" cap="none">
-              <a:solidFill>
-                <a:srgbClr val="123194"/>
-              </a:solidFill>
-              <a:latin typeface="Montserrat"/>
-              <a:ea typeface="Montserrat"/>
-              <a:cs typeface="Montserrat"/>
-              <a:sym typeface="Montserrat"/>
-            </a:endParaRPr>
-          </a:p>
-        </p:txBody>
-      </p:sp>
-      <p:sp>
-        <p:nvSpPr>
-          <p:cNvPr id="106" name="Google Shape;106;p23"/>
-          <p:cNvSpPr txBox="1"/>
-          <p:nvPr/>
-        </p:nvSpPr>
-        <p:spPr>
-          <a:xfrm>
-            <a:off x="368558" y="-12663"/>
-            <a:ext cx="8247900" cy="770700"/>
-          </a:xfrm>
-          <a:prstGeom prst="rect">
-            <a:avLst/>
-          </a:prstGeom>
-          <a:noFill/>
-          <a:ln>
-            <a:noFill/>
-          </a:ln>
-        </p:spPr>
-        <p:txBody>
-          <a:bodyPr spcFirstLastPara="1" wrap="square" lIns="91425" tIns="91425" rIns="91425" bIns="91425" anchor="t" anchorCtr="0">
-            <a:noAutofit/>
-          </a:bodyPr>
-          <a:lstStyle/>
-          <a:p>
-            <a:pPr marL="0" marR="0" lvl="0" indent="0" algn="l" rtl="0">
-              <a:lnSpc>
-                <a:spcPct val="100000"/>
-              </a:lnSpc>
-              <a:spcBef>
-                <a:spcPts val="0"/>
-              </a:spcBef>
-              <a:spcAft>
-                <a:spcPts val="0"/>
-              </a:spcAft>
-              <a:buClr>
-                <a:srgbClr val="000000"/>
-              </a:buClr>
-              <a:buSzPts val="2800"/>
-              <a:buFont typeface="Arial"/>
-              <a:buNone/>
-            </a:pPr>
-            <a:r>
-              <a:rPr lang="ru" sz="2800" b="1" i="0" u="none" strike="noStrike" cap="none">
-                <a:solidFill>
-                  <a:srgbClr val="123194"/>
-                </a:solidFill>
-                <a:latin typeface="Montserrat"/>
-                <a:ea typeface="Montserrat"/>
-                <a:cs typeface="Montserrat"/>
-                <a:sym typeface="Montserrat"/>
-              </a:rPr>
-              <a:t>Иконки</a:t>
-            </a:r>
-            <a:endParaRPr sz="2800" b="1" i="0" u="none" strike="noStrike" cap="none">
-              <a:solidFill>
-                <a:srgbClr val="123194"/>
-              </a:solidFill>
-              <a:latin typeface="Montserrat"/>
-              <a:ea typeface="Montserrat"/>
-              <a:cs typeface="Montserrat"/>
-              <a:sym typeface="Montserrat"/>
-            </a:endParaRPr>
-          </a:p>
-        </p:txBody>
-      </p:sp>
-      <p:pic>
-        <p:nvPicPr>
-          <p:cNvPr id="107" name="Google Shape;107;p23"/>
-          <p:cNvPicPr preferRelativeResize="0"/>
-          <p:nvPr/>
-        </p:nvPicPr>
-        <p:blipFill rotWithShape="1">
-          <a:blip r:embed="rId3">
-            <a:alphaModFix/>
-          </a:blip>
-          <a:srcRect/>
-          <a:stretch/>
-        </p:blipFill>
-        <p:spPr>
-          <a:xfrm>
-            <a:off x="405338" y="685434"/>
-            <a:ext cx="1790700" cy="2190750"/>
-          </a:xfrm>
-          <a:prstGeom prst="rect">
-            <a:avLst/>
-          </a:prstGeom>
-          <a:noFill/>
-          <a:ln>
-            <a:noFill/>
-          </a:ln>
-        </p:spPr>
-      </p:pic>
-      <p:pic>
-        <p:nvPicPr>
-          <p:cNvPr id="108" name="Google Shape;108;p23"/>
-          <p:cNvPicPr preferRelativeResize="0"/>
-          <p:nvPr/>
-        </p:nvPicPr>
-        <p:blipFill rotWithShape="1">
-          <a:blip r:embed="rId4">
-            <a:alphaModFix/>
-          </a:blip>
-          <a:srcRect l="1162" r="1161"/>
-          <a:stretch/>
-        </p:blipFill>
-        <p:spPr>
-          <a:xfrm>
-            <a:off x="6028626" y="1997451"/>
-            <a:ext cx="2428875" cy="2387574"/>
-          </a:xfrm>
-          <a:prstGeom prst="rect">
-            <a:avLst/>
-          </a:prstGeom>
-          <a:noFill/>
-          <a:ln>
-            <a:noFill/>
-          </a:ln>
-        </p:spPr>
-      </p:pic>
-      <p:pic>
-        <p:nvPicPr>
-          <p:cNvPr id="109" name="Google Shape;109;p23"/>
-          <p:cNvPicPr preferRelativeResize="0"/>
-          <p:nvPr/>
-        </p:nvPicPr>
-        <p:blipFill rotWithShape="1">
-          <a:blip r:embed="rId5">
-            <a:alphaModFix/>
-          </a:blip>
-          <a:srcRect/>
-          <a:stretch/>
-        </p:blipFill>
-        <p:spPr>
-          <a:xfrm>
-            <a:off x="1851089" y="1828600"/>
-            <a:ext cx="2352675" cy="2495550"/>
-          </a:xfrm>
-          <a:prstGeom prst="rect">
-            <a:avLst/>
-          </a:prstGeom>
-          <a:noFill/>
-          <a:ln>
-            <a:noFill/>
-          </a:ln>
-        </p:spPr>
-      </p:pic>
-      <p:pic>
-        <p:nvPicPr>
-          <p:cNvPr id="110" name="Google Shape;110;p23"/>
-          <p:cNvPicPr preferRelativeResize="0"/>
-          <p:nvPr/>
-        </p:nvPicPr>
-        <p:blipFill rotWithShape="1">
-          <a:blip r:embed="rId6">
-            <a:alphaModFix/>
-          </a:blip>
-          <a:srcRect/>
-          <a:stretch/>
-        </p:blipFill>
-        <p:spPr>
-          <a:xfrm>
-            <a:off x="4024989" y="685413"/>
-            <a:ext cx="2428875" cy="2486025"/>
-          </a:xfrm>
-          <a:prstGeom prst="rect">
-            <a:avLst/>
-          </a:prstGeom>
-          <a:noFill/>
-          <a:ln>
-            <a:noFill/>
-          </a:ln>
-        </p:spPr>
-      </p:pic>
-    </p:spTree>
-  </p:cSld>
-  <p:clrMapOvr>
-    <a:masterClrMapping/>
-  </p:clrMapOvr>
-</p:sld>
-</file>
-
-<file path=ppt/slides/slide8.xml><?xml version="1.0" encoding="utf-8"?>
-<p:sld xmlns:a="http://schemas.openxmlformats.org/drawingml/2006/main" xmlns:r="http://schemas.openxmlformats.org/officeDocument/2006/relationships" xmlns:p="http://schemas.openxmlformats.org/presentationml/2006/main">
-  <p:cSld>
-    <p:spTree>
-      <p:nvGrpSpPr>
-        <p:cNvPr id="1" name="Shape 114"/>
-        <p:cNvGrpSpPr/>
-        <p:nvPr/>
-      </p:nvGrpSpPr>
-      <p:grpSpPr>
-        <a:xfrm>
-          <a:off x="0" y="0"/>
-          <a:ext cx="0" cy="0"/>
-          <a:chOff x="0" y="0"/>
-          <a:chExt cx="0" cy="0"/>
-        </a:xfrm>
-      </p:grpSpPr>
-      <p:sp>
-        <p:nvSpPr>
-          <p:cNvPr id="115" name="Google Shape;115;p24"/>
-          <p:cNvSpPr txBox="1"/>
-          <p:nvPr/>
-        </p:nvSpPr>
-        <p:spPr>
-          <a:xfrm>
-            <a:off x="292358" y="63537"/>
-            <a:ext cx="8247900" cy="770700"/>
-          </a:xfrm>
-          <a:prstGeom prst="rect">
-            <a:avLst/>
-          </a:prstGeom>
-          <a:noFill/>
-          <a:ln>
-            <a:noFill/>
-          </a:ln>
-        </p:spPr>
-        <p:txBody>
-          <a:bodyPr spcFirstLastPara="1" wrap="square" lIns="91425" tIns="91425" rIns="91425" bIns="91425" anchor="t" anchorCtr="0">
-            <a:noAutofit/>
-          </a:bodyPr>
-          <a:lstStyle/>
-          <a:p>
-            <a:pPr marL="0" marR="0" lvl="0" indent="0" algn="l" rtl="0">
-              <a:lnSpc>
-                <a:spcPct val="100000"/>
-              </a:lnSpc>
-              <a:spcBef>
-                <a:spcPts val="0"/>
-              </a:spcBef>
-              <a:spcAft>
-                <a:spcPts val="0"/>
-              </a:spcAft>
-              <a:buClr>
-                <a:srgbClr val="000000"/>
-              </a:buClr>
-              <a:buSzPts val="3000"/>
-              <a:buFont typeface="Arial"/>
-              <a:buNone/>
-            </a:pPr>
-            <a:endParaRPr sz="3000" b="1" i="0" u="none" strike="noStrike" cap="none">
-              <a:solidFill>
-                <a:srgbClr val="123194"/>
-              </a:solidFill>
-              <a:latin typeface="Montserrat"/>
-              <a:ea typeface="Montserrat"/>
-              <a:cs typeface="Montserrat"/>
-              <a:sym typeface="Montserrat"/>
-            </a:endParaRPr>
-          </a:p>
-        </p:txBody>
-      </p:sp>
-      <p:sp>
-        <p:nvSpPr>
-          <p:cNvPr id="116" name="Google Shape;116;p24"/>
-          <p:cNvSpPr/>
-          <p:nvPr/>
-        </p:nvSpPr>
-        <p:spPr>
-          <a:xfrm>
-            <a:off x="13125" y="-9549"/>
-            <a:ext cx="9000000" cy="5040000"/>
-          </a:xfrm>
-          <a:prstGeom prst="rect">
-            <a:avLst/>
-          </a:prstGeom>
-          <a:solidFill>
-            <a:srgbClr val="123194"/>
-          </a:solidFill>
-          <a:ln w="9525" cap="flat" cmpd="sng">
-            <a:solidFill>
-              <a:schemeClr val="dk2"/>
-            </a:solidFill>
-            <a:prstDash val="solid"/>
-            <a:round/>
-            <a:headEnd type="none" w="sm" len="sm"/>
-            <a:tailEnd type="none" w="sm" len="sm"/>
-          </a:ln>
-        </p:spPr>
-        <p:txBody>
-          <a:bodyPr spcFirstLastPara="1" wrap="square" lIns="91425" tIns="91425" rIns="91425" bIns="91425" anchor="ctr" anchorCtr="0">
-            <a:noAutofit/>
-          </a:bodyPr>
-          <a:lstStyle/>
-          <a:p>
-            <a:pPr marL="0" marR="0" lvl="0" indent="0" algn="ctr" rtl="0">
-              <a:lnSpc>
-                <a:spcPct val="100000"/>
-              </a:lnSpc>
-              <a:spcBef>
-                <a:spcPts val="0"/>
-              </a:spcBef>
-              <a:spcAft>
-                <a:spcPts val="0"/>
-              </a:spcAft>
-              <a:buClr>
-                <a:srgbClr val="000000"/>
-              </a:buClr>
-              <a:buSzPts val="1400"/>
-              <a:buFont typeface="Arial"/>
-              <a:buNone/>
-            </a:pPr>
-            <a:endParaRPr sz="1400" b="0" i="0" u="none" strike="noStrike" cap="none">
-              <a:solidFill>
-                <a:srgbClr val="000000"/>
-              </a:solidFill>
-              <a:latin typeface="Arial"/>
-              <a:ea typeface="Arial"/>
-              <a:cs typeface="Arial"/>
-              <a:sym typeface="Arial"/>
-            </a:endParaRPr>
-          </a:p>
-        </p:txBody>
-      </p:sp>
-      <p:sp>
-        <p:nvSpPr>
-          <p:cNvPr id="117" name="Google Shape;117;p24"/>
-          <p:cNvSpPr txBox="1"/>
-          <p:nvPr/>
-        </p:nvSpPr>
-        <p:spPr>
-          <a:xfrm>
-            <a:off x="368558" y="-12663"/>
-            <a:ext cx="8247900" cy="770700"/>
-          </a:xfrm>
-          <a:prstGeom prst="rect">
-            <a:avLst/>
-          </a:prstGeom>
-          <a:noFill/>
-          <a:ln>
-            <a:noFill/>
-          </a:ln>
-        </p:spPr>
-        <p:txBody>
-          <a:bodyPr spcFirstLastPara="1" wrap="square" lIns="91425" tIns="91425" rIns="91425" bIns="91425" anchor="t" anchorCtr="0">
-            <a:noAutofit/>
-          </a:bodyPr>
-          <a:lstStyle/>
-          <a:p>
-            <a:pPr marL="0" marR="0" lvl="0" indent="0" algn="l" rtl="0">
-              <a:lnSpc>
-                <a:spcPct val="100000"/>
-              </a:lnSpc>
-              <a:spcBef>
-                <a:spcPts val="0"/>
-              </a:spcBef>
-              <a:spcAft>
-                <a:spcPts val="0"/>
-              </a:spcAft>
-              <a:buClr>
-                <a:srgbClr val="000000"/>
-              </a:buClr>
-              <a:buSzPts val="2800"/>
-              <a:buFont typeface="Arial"/>
-              <a:buNone/>
-            </a:pPr>
-            <a:r>
-              <a:rPr lang="ru" sz="2800" b="1" i="0" u="none" strike="noStrike" cap="none">
-                <a:solidFill>
-                  <a:schemeClr val="lt1"/>
-                </a:solidFill>
-                <a:latin typeface="Montserrat"/>
-                <a:ea typeface="Montserrat"/>
-                <a:cs typeface="Montserrat"/>
-                <a:sym typeface="Montserrat"/>
-              </a:rPr>
-              <a:t>Иконки</a:t>
-            </a:r>
-            <a:endParaRPr sz="2800" b="1" i="0" u="none" strike="noStrike" cap="none">
-              <a:solidFill>
-                <a:schemeClr val="lt1"/>
-              </a:solidFill>
-              <a:latin typeface="Montserrat"/>
-              <a:ea typeface="Montserrat"/>
-              <a:cs typeface="Montserrat"/>
-              <a:sym typeface="Montserrat"/>
-            </a:endParaRPr>
-          </a:p>
-        </p:txBody>
-      </p:sp>
-      <p:pic>
-        <p:nvPicPr>
-          <p:cNvPr id="118" name="Google Shape;118;p24"/>
-          <p:cNvPicPr preferRelativeResize="0"/>
-          <p:nvPr/>
-        </p:nvPicPr>
-        <p:blipFill rotWithShape="1">
-          <a:blip r:embed="rId3">
-            <a:alphaModFix/>
-          </a:blip>
-          <a:srcRect/>
-          <a:stretch/>
-        </p:blipFill>
-        <p:spPr>
-          <a:xfrm>
-            <a:off x="348539" y="559562"/>
-            <a:ext cx="1685925" cy="2924175"/>
-          </a:xfrm>
-          <a:prstGeom prst="rect">
-            <a:avLst/>
-          </a:prstGeom>
-          <a:noFill/>
-          <a:ln>
-            <a:noFill/>
-          </a:ln>
-        </p:spPr>
-      </p:pic>
-      <p:pic>
-        <p:nvPicPr>
-          <p:cNvPr id="119" name="Google Shape;119;p24"/>
-          <p:cNvPicPr preferRelativeResize="0"/>
-          <p:nvPr/>
-        </p:nvPicPr>
-        <p:blipFill rotWithShape="1">
-          <a:blip r:embed="rId4">
-            <a:alphaModFix/>
-          </a:blip>
-          <a:srcRect/>
-          <a:stretch/>
-        </p:blipFill>
-        <p:spPr>
-          <a:xfrm>
-            <a:off x="1979281" y="638012"/>
-            <a:ext cx="1752600" cy="2009775"/>
-          </a:xfrm>
-          <a:prstGeom prst="rect">
-            <a:avLst/>
-          </a:prstGeom>
-          <a:noFill/>
-          <a:ln>
-            <a:noFill/>
-          </a:ln>
-        </p:spPr>
-      </p:pic>
-      <p:pic>
-        <p:nvPicPr>
-          <p:cNvPr id="120" name="Google Shape;120;p24"/>
-          <p:cNvPicPr preferRelativeResize="0"/>
-          <p:nvPr/>
-        </p:nvPicPr>
-        <p:blipFill rotWithShape="1">
-          <a:blip r:embed="rId5">
-            <a:alphaModFix/>
-          </a:blip>
-          <a:srcRect/>
-          <a:stretch/>
-        </p:blipFill>
-        <p:spPr>
-          <a:xfrm>
-            <a:off x="2312069" y="2408849"/>
-            <a:ext cx="1619250" cy="1971675"/>
-          </a:xfrm>
-          <a:prstGeom prst="rect">
-            <a:avLst/>
-          </a:prstGeom>
-          <a:noFill/>
-          <a:ln>
-            <a:noFill/>
-          </a:ln>
-        </p:spPr>
-      </p:pic>
-      <p:pic>
-        <p:nvPicPr>
-          <p:cNvPr id="121" name="Google Shape;121;p24"/>
-          <p:cNvPicPr preferRelativeResize="0"/>
-          <p:nvPr/>
-        </p:nvPicPr>
-        <p:blipFill rotWithShape="1">
-          <a:blip r:embed="rId6">
-            <a:alphaModFix/>
-          </a:blip>
-          <a:srcRect/>
-          <a:stretch/>
-        </p:blipFill>
-        <p:spPr>
-          <a:xfrm>
-            <a:off x="3829081" y="696899"/>
-            <a:ext cx="1838325" cy="1381125"/>
-          </a:xfrm>
-          <a:prstGeom prst="rect">
-            <a:avLst/>
-          </a:prstGeom>
-          <a:noFill/>
-          <a:ln>
-            <a:noFill/>
-          </a:ln>
-        </p:spPr>
-      </p:pic>
-      <p:pic>
-        <p:nvPicPr>
-          <p:cNvPr id="122" name="Google Shape;122;p24"/>
-          <p:cNvPicPr preferRelativeResize="0"/>
-          <p:nvPr/>
-        </p:nvPicPr>
-        <p:blipFill rotWithShape="1">
-          <a:blip r:embed="rId7">
-            <a:alphaModFix/>
-          </a:blip>
-          <a:srcRect/>
-          <a:stretch/>
-        </p:blipFill>
-        <p:spPr>
-          <a:xfrm>
-            <a:off x="6863756" y="635762"/>
-            <a:ext cx="1828800" cy="4152900"/>
-          </a:xfrm>
-          <a:prstGeom prst="rect">
-            <a:avLst/>
-          </a:prstGeom>
-          <a:noFill/>
-          <a:ln>
-            <a:noFill/>
-          </a:ln>
-        </p:spPr>
-      </p:pic>
-      <p:pic>
-        <p:nvPicPr>
-          <p:cNvPr id="123" name="Google Shape;123;p24"/>
-          <p:cNvPicPr preferRelativeResize="0"/>
-          <p:nvPr/>
-        </p:nvPicPr>
-        <p:blipFill rotWithShape="1">
-          <a:blip r:embed="rId8">
-            <a:alphaModFix/>
-          </a:blip>
-          <a:srcRect/>
-          <a:stretch/>
-        </p:blipFill>
-        <p:spPr>
-          <a:xfrm>
-            <a:off x="459856" y="3220363"/>
-            <a:ext cx="2038350" cy="1628775"/>
-          </a:xfrm>
-          <a:prstGeom prst="rect">
-            <a:avLst/>
-          </a:prstGeom>
-          <a:noFill/>
-          <a:ln>
-            <a:noFill/>
-          </a:ln>
-        </p:spPr>
-      </p:pic>
-      <p:pic>
-        <p:nvPicPr>
-          <p:cNvPr id="124" name="Google Shape;124;p24"/>
-          <p:cNvPicPr preferRelativeResize="0"/>
-          <p:nvPr/>
-        </p:nvPicPr>
-        <p:blipFill rotWithShape="1">
-          <a:blip r:embed="rId9">
-            <a:alphaModFix/>
-          </a:blip>
-          <a:srcRect/>
-          <a:stretch/>
-        </p:blipFill>
-        <p:spPr>
-          <a:xfrm>
-            <a:off x="3897381" y="2664587"/>
-            <a:ext cx="1876425" cy="2124075"/>
-          </a:xfrm>
-          <a:prstGeom prst="rect">
-            <a:avLst/>
-          </a:prstGeom>
-          <a:noFill/>
-          <a:ln>
-            <a:noFill/>
-          </a:ln>
-        </p:spPr>
-      </p:pic>
-      <p:pic>
-        <p:nvPicPr>
-          <p:cNvPr id="125" name="Google Shape;125;p24"/>
-          <p:cNvPicPr preferRelativeResize="0"/>
-          <p:nvPr/>
-        </p:nvPicPr>
-        <p:blipFill rotWithShape="1">
-          <a:blip r:embed="rId10">
-            <a:alphaModFix/>
-          </a:blip>
-          <a:srcRect/>
-          <a:stretch/>
-        </p:blipFill>
-        <p:spPr>
-          <a:xfrm>
-            <a:off x="5892251" y="847550"/>
-            <a:ext cx="1019175" cy="2667000"/>
-          </a:xfrm>
-          <a:prstGeom prst="rect">
-            <a:avLst/>
-          </a:prstGeom>
-          <a:noFill/>
-          <a:ln>
-            <a:noFill/>
-          </a:ln>
-        </p:spPr>
-      </p:pic>
-    </p:spTree>
-  </p:cSld>
-  <p:clrMapOvr>
-    <a:masterClrMapping/>
-  </p:clrMapOvr>
-</p:sld>
-</file>
-
-<file path=ppt/slides/slide9.xml><?xml version="1.0" encoding="utf-8"?>
-<p:sld xmlns:a="http://schemas.openxmlformats.org/drawingml/2006/main" xmlns:r="http://schemas.openxmlformats.org/officeDocument/2006/relationships" xmlns:p="http://schemas.openxmlformats.org/presentationml/2006/main">
-  <p:cSld>
-    <p:spTree>
-      <p:nvGrpSpPr>
-        <p:cNvPr id="1" name="Shape 129"/>
-        <p:cNvGrpSpPr/>
-        <p:nvPr/>
-      </p:nvGrpSpPr>
-      <p:grpSpPr>
-        <a:xfrm>
-          <a:off x="0" y="0"/>
-          <a:ext cx="0" cy="0"/>
-          <a:chOff x="0" y="0"/>
-          <a:chExt cx="0" cy="0"/>
-        </a:xfrm>
-      </p:grpSpPr>
-      <p:sp>
-        <p:nvSpPr>
-          <p:cNvPr id="130" name="Google Shape;130;p25"/>
-          <p:cNvSpPr txBox="1"/>
-          <p:nvPr/>
-        </p:nvSpPr>
-        <p:spPr>
-          <a:xfrm>
-            <a:off x="292358" y="63537"/>
-            <a:ext cx="8247900" cy="770700"/>
-          </a:xfrm>
-          <a:prstGeom prst="rect">
-            <a:avLst/>
-          </a:prstGeom>
-          <a:noFill/>
-          <a:ln>
-            <a:noFill/>
-          </a:ln>
-        </p:spPr>
-        <p:txBody>
-          <a:bodyPr spcFirstLastPara="1" wrap="square" lIns="91425" tIns="91425" rIns="91425" bIns="91425" anchor="t" anchorCtr="0">
-            <a:noAutofit/>
-          </a:bodyPr>
-          <a:lstStyle/>
-          <a:p>
-            <a:pPr marL="0" marR="0" lvl="0" indent="0" algn="l" rtl="0">
-              <a:lnSpc>
-                <a:spcPct val="100000"/>
-              </a:lnSpc>
-              <a:spcBef>
-                <a:spcPts val="0"/>
-              </a:spcBef>
-              <a:spcAft>
-                <a:spcPts val="0"/>
-              </a:spcAft>
-              <a:buClr>
-                <a:srgbClr val="000000"/>
-              </a:buClr>
-              <a:buSzPts val="3000"/>
-              <a:buFont typeface="Arial"/>
-              <a:buNone/>
-            </a:pPr>
-            <a:endParaRPr sz="3000" b="1" i="0" u="none" strike="noStrike" cap="none">
-              <a:solidFill>
-                <a:srgbClr val="123194"/>
-              </a:solidFill>
-              <a:latin typeface="Montserrat"/>
-              <a:ea typeface="Montserrat"/>
-              <a:cs typeface="Montserrat"/>
-              <a:sym typeface="Montserrat"/>
-            </a:endParaRPr>
-          </a:p>
-        </p:txBody>
-      </p:sp>
-      <p:sp>
-        <p:nvSpPr>
-          <p:cNvPr id="131" name="Google Shape;131;p25"/>
-          <p:cNvSpPr/>
-          <p:nvPr/>
-        </p:nvSpPr>
-        <p:spPr>
-          <a:xfrm>
-            <a:off x="13125" y="-9549"/>
-            <a:ext cx="9000000" cy="5040000"/>
-          </a:xfrm>
-          <a:prstGeom prst="rect">
-            <a:avLst/>
-          </a:prstGeom>
-          <a:solidFill>
-            <a:srgbClr val="123194"/>
-          </a:solidFill>
-          <a:ln w="9525" cap="flat" cmpd="sng">
-            <a:solidFill>
-              <a:schemeClr val="dk2"/>
-            </a:solidFill>
-            <a:prstDash val="solid"/>
-            <a:round/>
-            <a:headEnd type="none" w="sm" len="sm"/>
-            <a:tailEnd type="none" w="sm" len="sm"/>
-          </a:ln>
-        </p:spPr>
-        <p:txBody>
-          <a:bodyPr spcFirstLastPara="1" wrap="square" lIns="91425" tIns="91425" rIns="91425" bIns="91425" anchor="ctr" anchorCtr="0">
-            <a:noAutofit/>
-          </a:bodyPr>
-          <a:lstStyle/>
-          <a:p>
-            <a:pPr marL="0" marR="0" lvl="0" indent="0" algn="ctr" rtl="0">
-              <a:lnSpc>
-                <a:spcPct val="100000"/>
-              </a:lnSpc>
-              <a:spcBef>
-                <a:spcPts val="0"/>
-              </a:spcBef>
-              <a:spcAft>
-                <a:spcPts val="0"/>
-              </a:spcAft>
-              <a:buClr>
-                <a:srgbClr val="000000"/>
-              </a:buClr>
-              <a:buSzPts val="1400"/>
-              <a:buFont typeface="Arial"/>
-              <a:buNone/>
-            </a:pPr>
-            <a:endParaRPr sz="1400" b="0" i="0" u="none" strike="noStrike" cap="none">
-              <a:solidFill>
-                <a:srgbClr val="000000"/>
-              </a:solidFill>
-              <a:latin typeface="Arial"/>
-              <a:ea typeface="Arial"/>
-              <a:cs typeface="Arial"/>
-              <a:sym typeface="Arial"/>
-            </a:endParaRPr>
-          </a:p>
-        </p:txBody>
-      </p:sp>
-      <p:sp>
-        <p:nvSpPr>
-          <p:cNvPr id="132" name="Google Shape;132;p25"/>
-          <p:cNvSpPr txBox="1"/>
-          <p:nvPr/>
-        </p:nvSpPr>
-        <p:spPr>
-          <a:xfrm>
-            <a:off x="368558" y="-12663"/>
-            <a:ext cx="8247900" cy="770700"/>
-          </a:xfrm>
-          <a:prstGeom prst="rect">
-            <a:avLst/>
-          </a:prstGeom>
-          <a:noFill/>
-          <a:ln>
-            <a:noFill/>
-          </a:ln>
-        </p:spPr>
-        <p:txBody>
-          <a:bodyPr spcFirstLastPara="1" wrap="square" lIns="91425" tIns="91425" rIns="91425" bIns="91425" anchor="t" anchorCtr="0">
-            <a:noAutofit/>
-          </a:bodyPr>
-          <a:lstStyle/>
-          <a:p>
-            <a:pPr marL="0" marR="0" lvl="0" indent="0" algn="l" rtl="0">
-              <a:lnSpc>
-                <a:spcPct val="100000"/>
-              </a:lnSpc>
-              <a:spcBef>
-                <a:spcPts val="0"/>
-              </a:spcBef>
-              <a:spcAft>
-                <a:spcPts val="0"/>
-              </a:spcAft>
-              <a:buClr>
-                <a:srgbClr val="000000"/>
-              </a:buClr>
-              <a:buSzPts val="2800"/>
-              <a:buFont typeface="Arial"/>
-              <a:buNone/>
-            </a:pPr>
-            <a:r>
-              <a:rPr lang="ru" sz="2800" b="1" i="0" u="none" strike="noStrike" cap="none">
-                <a:solidFill>
-                  <a:schemeClr val="lt1"/>
-                </a:solidFill>
-                <a:latin typeface="Montserrat"/>
-                <a:ea typeface="Montserrat"/>
-                <a:cs typeface="Montserrat"/>
-                <a:sym typeface="Montserrat"/>
-              </a:rPr>
-              <a:t>Иконки</a:t>
-            </a:r>
-            <a:endParaRPr sz="2800" b="1" i="0" u="none" strike="noStrike" cap="none">
-              <a:solidFill>
-                <a:schemeClr val="lt1"/>
-              </a:solidFill>
-              <a:latin typeface="Montserrat"/>
-              <a:ea typeface="Montserrat"/>
-              <a:cs typeface="Montserrat"/>
-              <a:sym typeface="Montserrat"/>
-            </a:endParaRPr>
-          </a:p>
-        </p:txBody>
-      </p:sp>
-      <p:pic>
-        <p:nvPicPr>
-          <p:cNvPr id="133" name="Google Shape;133;p25"/>
-          <p:cNvPicPr preferRelativeResize="0"/>
-          <p:nvPr/>
-        </p:nvPicPr>
-        <p:blipFill rotWithShape="1">
-          <a:blip r:embed="rId3">
-            <a:alphaModFix/>
-          </a:blip>
-          <a:srcRect/>
-          <a:stretch/>
-        </p:blipFill>
-        <p:spPr>
-          <a:xfrm>
-            <a:off x="405338" y="685434"/>
-            <a:ext cx="1790700" cy="2190750"/>
-          </a:xfrm>
-          <a:prstGeom prst="rect">
-            <a:avLst/>
-          </a:prstGeom>
-          <a:noFill/>
-          <a:ln>
-            <a:noFill/>
-          </a:ln>
-        </p:spPr>
-      </p:pic>
-      <p:pic>
-        <p:nvPicPr>
-          <p:cNvPr id="134" name="Google Shape;134;p25"/>
-          <p:cNvPicPr preferRelativeResize="0"/>
-          <p:nvPr/>
-        </p:nvPicPr>
-        <p:blipFill rotWithShape="1">
-          <a:blip r:embed="rId4">
-            <a:alphaModFix/>
-          </a:blip>
-          <a:srcRect l="1960" r="1959"/>
-          <a:stretch/>
-        </p:blipFill>
-        <p:spPr>
-          <a:xfrm>
-            <a:off x="6028626" y="1997451"/>
-            <a:ext cx="2428875" cy="2387574"/>
-          </a:xfrm>
-          <a:prstGeom prst="rect">
-            <a:avLst/>
-          </a:prstGeom>
-          <a:noFill/>
-          <a:ln>
-            <a:noFill/>
-          </a:ln>
-        </p:spPr>
-      </p:pic>
-      <p:pic>
-        <p:nvPicPr>
-          <p:cNvPr id="135" name="Google Shape;135;p25"/>
-          <p:cNvPicPr preferRelativeResize="0"/>
-          <p:nvPr/>
-        </p:nvPicPr>
-        <p:blipFill rotWithShape="1">
-          <a:blip r:embed="rId5">
-            <a:alphaModFix/>
-          </a:blip>
-          <a:srcRect/>
-          <a:stretch/>
-        </p:blipFill>
-        <p:spPr>
-          <a:xfrm>
-            <a:off x="1851089" y="1828600"/>
-            <a:ext cx="2352675" cy="2495550"/>
-          </a:xfrm>
-          <a:prstGeom prst="rect">
-            <a:avLst/>
-          </a:prstGeom>
-          <a:noFill/>
-          <a:ln>
-            <a:noFill/>
-          </a:ln>
-        </p:spPr>
-      </p:pic>
-      <p:pic>
-        <p:nvPicPr>
-          <p:cNvPr id="136" name="Google Shape;136;p25"/>
-          <p:cNvPicPr preferRelativeResize="0"/>
-          <p:nvPr/>
-        </p:nvPicPr>
-        <p:blipFill rotWithShape="1">
-          <a:blip r:embed="rId6">
-            <a:alphaModFix/>
-          </a:blip>
-          <a:srcRect/>
-          <a:stretch/>
-        </p:blipFill>
-        <p:spPr>
-          <a:xfrm>
-            <a:off x="4024989" y="685413"/>
-            <a:ext cx="2428875" cy="2486025"/>
           </a:xfrm>
           <a:prstGeom prst="rect">
             <a:avLst/>

--- a/Checkpoint3_team 20_Ваганов_Валова_Волык.pptx
+++ b/Checkpoint3_team 20_Ваганов_Валова_Волык.pptx
@@ -10692,7 +10692,7 @@
             <a:tbl>
               <a:tblPr bandRow="1" firstRow="1">
                 <a:noFill/>
-                <a:tableStyleId>{1D0FF50F-2962-45CD-BF0F-8DFF797B3266}</a:tableStyleId>
+                <a:tableStyleId>{68922CF4-7657-4B3A-9E45-3B50D4FF3100}</a:tableStyleId>
               </a:tblPr>
               <a:tblGrid>
                 <a:gridCol w="1609100"/>
@@ -11349,7 +11349,7 @@
         </p:blipFill>
         <p:spPr>
           <a:xfrm>
-            <a:off x="368558" y="2520156"/>
+            <a:off x="7081558" y="3068631"/>
             <a:ext cx="1619250" cy="1971675"/>
           </a:xfrm>
           <a:prstGeom prst="rect">
@@ -11376,7 +11376,7 @@
             <a:tbl>
               <a:tblPr bandRow="1" firstRow="1">
                 <a:noFill/>
-                <a:tableStyleId>{1D0FF50F-2962-45CD-BF0F-8DFF797B3266}</a:tableStyleId>
+                <a:tableStyleId>{68922CF4-7657-4B3A-9E45-3B50D4FF3100}</a:tableStyleId>
               </a:tblPr>
               <a:tblGrid>
                 <a:gridCol w="926050"/>
@@ -11485,7 +11485,7 @@
                       </a:pPr>
                       <a:r>
                         <a:rPr lang="ru"/>
-                        <a:t>"Мужчины ставят оценку в среднем выше, чем женщины / Мужчинам больше нравится приложение" подтвердилась. Принимаем H1: Средняя оценка мужчин &gt; средней оценки женщин.</a:t>
+                        <a:t>"Распределения оценок мужчин и женщин отличаются” Подтвердилась.</a:t>
                       </a:r>
                       <a:endParaRPr sz="1400" u="none" cap="none" strike="noStrike"/>
                     </a:p>
@@ -11544,7 +11544,11 @@
                       </a:pPr>
                       <a:r>
                         <a:rPr lang="ru"/>
-                        <a:t>"Пользователи в начале карьеры (18-24 года) оценивают пенсионное приложение ниже, чем пользователи предпенсионного возраста (55-65 лет)" подтвердилась. Принимаем H1: Средняя оценка категории людей от 18 до 24 лет &lt; средней оценки категории 55-65 лет</a:t>
+                        <a:t>"Распределения оценок возрастных групп 18–24 и 55–65 различаются. </a:t>
+                      </a:r>
+                      <a:r>
+                        <a:rPr lang="ru"/>
+                        <a:t>Подтвердилась</a:t>
                       </a:r>
                       <a:endParaRPr sz="1400" u="none" cap="none" strike="noStrike"/>
                     </a:p>
@@ -11600,7 +11604,11 @@
                       </a:pPr>
                       <a:r>
                         <a:rPr lang="ru"/>
-                        <a:t>"Пользователи с высоким доходом (&gt;100K руб.) оценивают пенсионное приложение строже, чем пользователи с низким доходом (&lt;25K руб.)" подтвердилась. Принимаем H₁: Средняя оценка высокой доходной группы (&lt; 25K руб.) ниже, чем низкой доходной группы (&gt;100K руб.). Разница составляет 0.32 балла (4.24 vs 3.92) и является статистически значимой (p &lt; 0.0001, U-тест Манна-Уитни).</a:t>
+                        <a:t>"Распределения оценок групп с высоким и низким доходом различаются. </a:t>
+                      </a:r>
+                      <a:r>
+                        <a:rPr lang="ru"/>
+                        <a:t>Подтвердилась</a:t>
                       </a:r>
                       <a:endParaRPr/>
                     </a:p>
@@ -13026,6 +13034,285 @@
 </file>
 
 <file path=ppt/theme/theme1.xml><?xml version="1.0" encoding="utf-8"?>
+<a:theme xmlns:a="http://schemas.openxmlformats.org/drawingml/2006/main" xmlns:r="http://schemas.openxmlformats.org/officeDocument/2006/relationships">
+  <a:themeElements>
+    <a:clrScheme name="Default">
+      <a:dk1>
+        <a:srgbClr val="000000"/>
+      </a:dk1>
+      <a:lt1>
+        <a:srgbClr val="FFFFFF"/>
+      </a:lt1>
+      <a:dk2>
+        <a:srgbClr val="158158"/>
+      </a:dk2>
+      <a:lt2>
+        <a:srgbClr val="F3F3F3"/>
+      </a:lt2>
+      <a:accent1>
+        <a:srgbClr val="058DC7"/>
+      </a:accent1>
+      <a:accent2>
+        <a:srgbClr val="50B432"/>
+      </a:accent2>
+      <a:accent3>
+        <a:srgbClr val="ED561B"/>
+      </a:accent3>
+      <a:accent4>
+        <a:srgbClr val="EDEF00"/>
+      </a:accent4>
+      <a:accent5>
+        <a:srgbClr val="24CBE5"/>
+      </a:accent5>
+      <a:accent6>
+        <a:srgbClr val="64E572"/>
+      </a:accent6>
+      <a:hlink>
+        <a:srgbClr val="2200CC"/>
+      </a:hlink>
+      <a:folHlink>
+        <a:srgbClr val="551A8B"/>
+      </a:folHlink>
+    </a:clrScheme>
+    <a:fontScheme name="Office">
+      <a:majorFont>
+        <a:latin typeface="Arial"/>
+        <a:ea typeface=""/>
+        <a:cs typeface=""/>
+        <a:font script="Jpan" typeface="ＭＳ Ｐゴシック"/>
+        <a:font script="Hang" typeface="맑은 고딕"/>
+        <a:font script="Hans" typeface="宋体"/>
+        <a:font script="Hant" typeface="新細明體"/>
+        <a:font script="Arab" typeface="Times New Roman"/>
+        <a:font script="Hebr" typeface="Times New Roman"/>
+        <a:font script="Thai" typeface="Angsana New"/>
+        <a:font script="Ethi" typeface="Nyala"/>
+        <a:font script="Beng" typeface="Vrinda"/>
+        <a:font script="Gujr" typeface="Shruti"/>
+        <a:font script="Khmr" typeface="MoolBoran"/>
+        <a:font script="Knda" typeface="Tunga"/>
+        <a:font script="Guru" typeface="Raavi"/>
+        <a:font script="Cans" typeface="Euphemia"/>
+        <a:font script="Cher" typeface="Plantagenet Cherokee"/>
+        <a:font script="Yiii" typeface="Microsoft Yi Baiti"/>
+        <a:font script="Tibt" typeface="Microsoft Himalaya"/>
+        <a:font script="Thaa" typeface="MV Boli"/>
+        <a:font script="Deva" typeface="Mangal"/>
+        <a:font script="Telu" typeface="Gautami"/>
+        <a:font script="Taml" typeface="Latha"/>
+        <a:font script="Syrc" typeface="Estrangelo Edessa"/>
+        <a:font script="Orya" typeface="Kalinga"/>
+        <a:font script="Mlym" typeface="Kartika"/>
+        <a:font script="Laoo" typeface="DokChampa"/>
+        <a:font script="Sinh" typeface="Iskoola Pota"/>
+        <a:font script="Mong" typeface="Mongolian Baiti"/>
+        <a:font script="Viet" typeface="Times New Roman"/>
+        <a:font script="Uigh" typeface="Microsoft Uighur"/>
+        <a:font script="Geor" typeface="Sylfaen"/>
+      </a:majorFont>
+      <a:minorFont>
+        <a:latin typeface="Arial"/>
+        <a:ea typeface=""/>
+        <a:cs typeface=""/>
+        <a:font script="Jpan" typeface="ＭＳ Ｐゴシック"/>
+        <a:font script="Hang" typeface="맑은 고딕"/>
+        <a:font script="Hans" typeface="宋体"/>
+        <a:font script="Hant" typeface="新細明體"/>
+        <a:font script="Arab" typeface="Arial"/>
+        <a:font script="Hebr" typeface="Arial"/>
+        <a:font script="Thai" typeface="Cordia New"/>
+        <a:font script="Ethi" typeface="Nyala"/>
+        <a:font script="Beng" typeface="Vrinda"/>
+        <a:font script="Gujr" typeface="Shruti"/>
+        <a:font script="Khmr" typeface="DaunPenh"/>
+        <a:font script="Knda" typeface="Tunga"/>
+        <a:font script="Guru" typeface="Raavi"/>
+        <a:font script="Cans" typeface="Euphemia"/>
+        <a:font script="Cher" typeface="Plantagenet Cherokee"/>
+        <a:font script="Yiii" typeface="Microsoft Yi Baiti"/>
+        <a:font script="Tibt" typeface="Microsoft Himalaya"/>
+        <a:font script="Thaa" typeface="MV Boli"/>
+        <a:font script="Deva" typeface="Mangal"/>
+        <a:font script="Telu" typeface="Gautami"/>
+        <a:font script="Taml" typeface="Latha"/>
+        <a:font script="Syrc" typeface="Estrangelo Edessa"/>
+        <a:font script="Orya" typeface="Kalinga"/>
+        <a:font script="Mlym" typeface="Kartika"/>
+        <a:font script="Laoo" typeface="DokChampa"/>
+        <a:font script="Sinh" typeface="Iskoola Pota"/>
+        <a:font script="Mong" typeface="Mongolian Baiti"/>
+        <a:font script="Viet" typeface="Arial"/>
+        <a:font script="Uigh" typeface="Microsoft Uighur"/>
+        <a:font script="Geor" typeface="Sylfaen"/>
+      </a:minorFont>
+    </a:fontScheme>
+    <a:fmtScheme name="Office">
+      <a:fillStyleLst>
+        <a:solidFill>
+          <a:schemeClr val="phClr"/>
+        </a:solidFill>
+        <a:gradFill rotWithShape="1">
+          <a:gsLst>
+            <a:gs pos="0">
+              <a:schemeClr val="phClr">
+                <a:tint val="50000"/>
+                <a:satMod val="300000"/>
+              </a:schemeClr>
+            </a:gs>
+            <a:gs pos="35000">
+              <a:schemeClr val="phClr">
+                <a:tint val="37000"/>
+                <a:satMod val="300000"/>
+              </a:schemeClr>
+            </a:gs>
+            <a:gs pos="100000">
+              <a:schemeClr val="phClr">
+                <a:tint val="15000"/>
+                <a:satMod val="350000"/>
+              </a:schemeClr>
+            </a:gs>
+          </a:gsLst>
+          <a:lin ang="16200000" scaled="1"/>
+        </a:gradFill>
+        <a:gradFill rotWithShape="1">
+          <a:gsLst>
+            <a:gs pos="0">
+              <a:schemeClr val="phClr">
+                <a:tint val="100000"/>
+                <a:shade val="100000"/>
+                <a:satMod val="130000"/>
+              </a:schemeClr>
+            </a:gs>
+            <a:gs pos="100000">
+              <a:schemeClr val="phClr">
+                <a:tint val="50000"/>
+                <a:shade val="100000"/>
+                <a:satMod val="350000"/>
+              </a:schemeClr>
+            </a:gs>
+          </a:gsLst>
+          <a:lin ang="16200000" scaled="0"/>
+        </a:gradFill>
+      </a:fillStyleLst>
+      <a:lnStyleLst>
+        <a:ln w="9525" cap="flat" cmpd="sng" algn="ctr">
+          <a:solidFill>
+            <a:schemeClr val="phClr">
+              <a:shade val="95000"/>
+              <a:satMod val="105000"/>
+            </a:schemeClr>
+          </a:solidFill>
+          <a:prstDash val="solid"/>
+        </a:ln>
+        <a:ln w="25400" cap="flat" cmpd="sng" algn="ctr">
+          <a:solidFill>
+            <a:schemeClr val="phClr"/>
+          </a:solidFill>
+          <a:prstDash val="solid"/>
+        </a:ln>
+        <a:ln w="38100" cap="flat" cmpd="sng" algn="ctr">
+          <a:solidFill>
+            <a:schemeClr val="phClr"/>
+          </a:solidFill>
+          <a:prstDash val="solid"/>
+        </a:ln>
+      </a:lnStyleLst>
+      <a:effectStyleLst>
+        <a:effectStyle>
+          <a:effectLst>
+            <a:outerShdw blurRad="40000" dist="20000" dir="5400000" rotWithShape="0">
+              <a:srgbClr val="000000">
+                <a:alpha val="38000"/>
+              </a:srgbClr>
+            </a:outerShdw>
+          </a:effectLst>
+        </a:effectStyle>
+        <a:effectStyle>
+          <a:effectLst>
+            <a:outerShdw blurRad="40000" dist="23000" dir="5400000" rotWithShape="0">
+              <a:srgbClr val="000000">
+                <a:alpha val="35000"/>
+              </a:srgbClr>
+            </a:outerShdw>
+          </a:effectLst>
+        </a:effectStyle>
+        <a:effectStyle>
+          <a:effectLst>
+            <a:outerShdw blurRad="40000" dist="23000" dir="5400000" rotWithShape="0">
+              <a:srgbClr val="000000">
+                <a:alpha val="35000"/>
+              </a:srgbClr>
+            </a:outerShdw>
+          </a:effectLst>
+          <a:scene3d>
+            <a:camera prst="orthographicFront">
+              <a:rot lat="0" lon="0" rev="0"/>
+            </a:camera>
+            <a:lightRig rig="threePt" dir="t">
+              <a:rot lat="0" lon="0" rev="1200000"/>
+            </a:lightRig>
+          </a:scene3d>
+          <a:sp3d>
+            <a:bevelT w="63500" h="25400"/>
+          </a:sp3d>
+        </a:effectStyle>
+      </a:effectStyleLst>
+      <a:bgFillStyleLst>
+        <a:solidFill>
+          <a:schemeClr val="phClr"/>
+        </a:solidFill>
+        <a:gradFill rotWithShape="1">
+          <a:gsLst>
+            <a:gs pos="0">
+              <a:schemeClr val="phClr">
+                <a:tint val="40000"/>
+                <a:satMod val="350000"/>
+              </a:schemeClr>
+            </a:gs>
+            <a:gs pos="40000">
+              <a:schemeClr val="phClr">
+                <a:tint val="45000"/>
+                <a:shade val="99000"/>
+                <a:satMod val="350000"/>
+              </a:schemeClr>
+            </a:gs>
+            <a:gs pos="100000">
+              <a:schemeClr val="phClr">
+                <a:shade val="20000"/>
+                <a:satMod val="255000"/>
+              </a:schemeClr>
+            </a:gs>
+          </a:gsLst>
+          <a:path path="circle">
+            <a:fillToRect l="50000" t="-80000" r="50000" b="180000"/>
+          </a:path>
+        </a:gradFill>
+        <a:gradFill rotWithShape="1">
+          <a:gsLst>
+            <a:gs pos="0">
+              <a:schemeClr val="phClr">
+                <a:tint val="80000"/>
+                <a:satMod val="300000"/>
+              </a:schemeClr>
+            </a:gs>
+            <a:gs pos="100000">
+              <a:schemeClr val="phClr">
+                <a:shade val="30000"/>
+                <a:satMod val="200000"/>
+              </a:schemeClr>
+            </a:gs>
+          </a:gsLst>
+          <a:path path="circle">
+            <a:fillToRect l="50000" t="50000" r="50000" b="50000"/>
+          </a:path>
+        </a:gradFill>
+      </a:bgFillStyleLst>
+    </a:fmtScheme>
+  </a:themeElements>
+</a:theme>
+</file>
+
+<file path=ppt/theme/theme2.xml><?xml version="1.0" encoding="utf-8"?>
 <a:theme xmlns:a="http://schemas.openxmlformats.org/drawingml/2006/main" xmlns:r="http://schemas.openxmlformats.org/officeDocument/2006/relationships" name="Simple Light">
   <a:themeElements>
     <a:clrScheme name="Simple Light">
@@ -13302,283 +13589,4 @@
     </a:fmtScheme>
   </a:themeElements>
 </a:theme>
-</file>
-
-<file path=ppt/theme/theme2.xml><?xml version="1.0" encoding="utf-8"?>
-<a:theme xmlns:a="http://schemas.openxmlformats.org/drawingml/2006/main" xmlns:r="http://schemas.openxmlformats.org/officeDocument/2006/relationships">
-  <a:themeElements>
-    <a:clrScheme name="Default">
-      <a:dk1>
-        <a:srgbClr val="000000"/>
-      </a:dk1>
-      <a:lt1>
-        <a:srgbClr val="FFFFFF"/>
-      </a:lt1>
-      <a:dk2>
-        <a:srgbClr val="158158"/>
-      </a:dk2>
-      <a:lt2>
-        <a:srgbClr val="F3F3F3"/>
-      </a:lt2>
-      <a:accent1>
-        <a:srgbClr val="058DC7"/>
-      </a:accent1>
-      <a:accent2>
-        <a:srgbClr val="50B432"/>
-      </a:accent2>
-      <a:accent3>
-        <a:srgbClr val="ED561B"/>
-      </a:accent3>
-      <a:accent4>
-        <a:srgbClr val="EDEF00"/>
-      </a:accent4>
-      <a:accent5>
-        <a:srgbClr val="24CBE5"/>
-      </a:accent5>
-      <a:accent6>
-        <a:srgbClr val="64E572"/>
-      </a:accent6>
-      <a:hlink>
-        <a:srgbClr val="2200CC"/>
-      </a:hlink>
-      <a:folHlink>
-        <a:srgbClr val="551A8B"/>
-      </a:folHlink>
-    </a:clrScheme>
-    <a:fontScheme name="Office">
-      <a:majorFont>
-        <a:latin typeface="Arial"/>
-        <a:ea typeface=""/>
-        <a:cs typeface=""/>
-        <a:font script="Jpan" typeface="ＭＳ Ｐゴシック"/>
-        <a:font script="Hang" typeface="맑은 고딕"/>
-        <a:font script="Hans" typeface="宋体"/>
-        <a:font script="Hant" typeface="新細明體"/>
-        <a:font script="Arab" typeface="Times New Roman"/>
-        <a:font script="Hebr" typeface="Times New Roman"/>
-        <a:font script="Thai" typeface="Angsana New"/>
-        <a:font script="Ethi" typeface="Nyala"/>
-        <a:font script="Beng" typeface="Vrinda"/>
-        <a:font script="Gujr" typeface="Shruti"/>
-        <a:font script="Khmr" typeface="MoolBoran"/>
-        <a:font script="Knda" typeface="Tunga"/>
-        <a:font script="Guru" typeface="Raavi"/>
-        <a:font script="Cans" typeface="Euphemia"/>
-        <a:font script="Cher" typeface="Plantagenet Cherokee"/>
-        <a:font script="Yiii" typeface="Microsoft Yi Baiti"/>
-        <a:font script="Tibt" typeface="Microsoft Himalaya"/>
-        <a:font script="Thaa" typeface="MV Boli"/>
-        <a:font script="Deva" typeface="Mangal"/>
-        <a:font script="Telu" typeface="Gautami"/>
-        <a:font script="Taml" typeface="Latha"/>
-        <a:font script="Syrc" typeface="Estrangelo Edessa"/>
-        <a:font script="Orya" typeface="Kalinga"/>
-        <a:font script="Mlym" typeface="Kartika"/>
-        <a:font script="Laoo" typeface="DokChampa"/>
-        <a:font script="Sinh" typeface="Iskoola Pota"/>
-        <a:font script="Mong" typeface="Mongolian Baiti"/>
-        <a:font script="Viet" typeface="Times New Roman"/>
-        <a:font script="Uigh" typeface="Microsoft Uighur"/>
-        <a:font script="Geor" typeface="Sylfaen"/>
-      </a:majorFont>
-      <a:minorFont>
-        <a:latin typeface="Arial"/>
-        <a:ea typeface=""/>
-        <a:cs typeface=""/>
-        <a:font script="Jpan" typeface="ＭＳ Ｐゴシック"/>
-        <a:font script="Hang" typeface="맑은 고딕"/>
-        <a:font script="Hans" typeface="宋体"/>
-        <a:font script="Hant" typeface="新細明體"/>
-        <a:font script="Arab" typeface="Arial"/>
-        <a:font script="Hebr" typeface="Arial"/>
-        <a:font script="Thai" typeface="Cordia New"/>
-        <a:font script="Ethi" typeface="Nyala"/>
-        <a:font script="Beng" typeface="Vrinda"/>
-        <a:font script="Gujr" typeface="Shruti"/>
-        <a:font script="Khmr" typeface="DaunPenh"/>
-        <a:font script="Knda" typeface="Tunga"/>
-        <a:font script="Guru" typeface="Raavi"/>
-        <a:font script="Cans" typeface="Euphemia"/>
-        <a:font script="Cher" typeface="Plantagenet Cherokee"/>
-        <a:font script="Yiii" typeface="Microsoft Yi Baiti"/>
-        <a:font script="Tibt" typeface="Microsoft Himalaya"/>
-        <a:font script="Thaa" typeface="MV Boli"/>
-        <a:font script="Deva" typeface="Mangal"/>
-        <a:font script="Telu" typeface="Gautami"/>
-        <a:font script="Taml" typeface="Latha"/>
-        <a:font script="Syrc" typeface="Estrangelo Edessa"/>
-        <a:font script="Orya" typeface="Kalinga"/>
-        <a:font script="Mlym" typeface="Kartika"/>
-        <a:font script="Laoo" typeface="DokChampa"/>
-        <a:font script="Sinh" typeface="Iskoola Pota"/>
-        <a:font script="Mong" typeface="Mongolian Baiti"/>
-        <a:font script="Viet" typeface="Arial"/>
-        <a:font script="Uigh" typeface="Microsoft Uighur"/>
-        <a:font script="Geor" typeface="Sylfaen"/>
-      </a:minorFont>
-    </a:fontScheme>
-    <a:fmtScheme name="Office">
-      <a:fillStyleLst>
-        <a:solidFill>
-          <a:schemeClr val="phClr"/>
-        </a:solidFill>
-        <a:gradFill rotWithShape="1">
-          <a:gsLst>
-            <a:gs pos="0">
-              <a:schemeClr val="phClr">
-                <a:tint val="50000"/>
-                <a:satMod val="300000"/>
-              </a:schemeClr>
-            </a:gs>
-            <a:gs pos="35000">
-              <a:schemeClr val="phClr">
-                <a:tint val="37000"/>
-                <a:satMod val="300000"/>
-              </a:schemeClr>
-            </a:gs>
-            <a:gs pos="100000">
-              <a:schemeClr val="phClr">
-                <a:tint val="15000"/>
-                <a:satMod val="350000"/>
-              </a:schemeClr>
-            </a:gs>
-          </a:gsLst>
-          <a:lin ang="16200000" scaled="1"/>
-        </a:gradFill>
-        <a:gradFill rotWithShape="1">
-          <a:gsLst>
-            <a:gs pos="0">
-              <a:schemeClr val="phClr">
-                <a:tint val="100000"/>
-                <a:shade val="100000"/>
-                <a:satMod val="130000"/>
-              </a:schemeClr>
-            </a:gs>
-            <a:gs pos="100000">
-              <a:schemeClr val="phClr">
-                <a:tint val="50000"/>
-                <a:shade val="100000"/>
-                <a:satMod val="350000"/>
-              </a:schemeClr>
-            </a:gs>
-          </a:gsLst>
-          <a:lin ang="16200000" scaled="0"/>
-        </a:gradFill>
-      </a:fillStyleLst>
-      <a:lnStyleLst>
-        <a:ln w="9525" cap="flat" cmpd="sng" algn="ctr">
-          <a:solidFill>
-            <a:schemeClr val="phClr">
-              <a:shade val="95000"/>
-              <a:satMod val="105000"/>
-            </a:schemeClr>
-          </a:solidFill>
-          <a:prstDash val="solid"/>
-        </a:ln>
-        <a:ln w="25400" cap="flat" cmpd="sng" algn="ctr">
-          <a:solidFill>
-            <a:schemeClr val="phClr"/>
-          </a:solidFill>
-          <a:prstDash val="solid"/>
-        </a:ln>
-        <a:ln w="38100" cap="flat" cmpd="sng" algn="ctr">
-          <a:solidFill>
-            <a:schemeClr val="phClr"/>
-          </a:solidFill>
-          <a:prstDash val="solid"/>
-        </a:ln>
-      </a:lnStyleLst>
-      <a:effectStyleLst>
-        <a:effectStyle>
-          <a:effectLst>
-            <a:outerShdw blurRad="40000" dist="20000" dir="5400000" rotWithShape="0">
-              <a:srgbClr val="000000">
-                <a:alpha val="38000"/>
-              </a:srgbClr>
-            </a:outerShdw>
-          </a:effectLst>
-        </a:effectStyle>
-        <a:effectStyle>
-          <a:effectLst>
-            <a:outerShdw blurRad="40000" dist="23000" dir="5400000" rotWithShape="0">
-              <a:srgbClr val="000000">
-                <a:alpha val="35000"/>
-              </a:srgbClr>
-            </a:outerShdw>
-          </a:effectLst>
-        </a:effectStyle>
-        <a:effectStyle>
-          <a:effectLst>
-            <a:outerShdw blurRad="40000" dist="23000" dir="5400000" rotWithShape="0">
-              <a:srgbClr val="000000">
-                <a:alpha val="35000"/>
-              </a:srgbClr>
-            </a:outerShdw>
-          </a:effectLst>
-          <a:scene3d>
-            <a:camera prst="orthographicFront">
-              <a:rot lat="0" lon="0" rev="0"/>
-            </a:camera>
-            <a:lightRig rig="threePt" dir="t">
-              <a:rot lat="0" lon="0" rev="1200000"/>
-            </a:lightRig>
-          </a:scene3d>
-          <a:sp3d>
-            <a:bevelT w="63500" h="25400"/>
-          </a:sp3d>
-        </a:effectStyle>
-      </a:effectStyleLst>
-      <a:bgFillStyleLst>
-        <a:solidFill>
-          <a:schemeClr val="phClr"/>
-        </a:solidFill>
-        <a:gradFill rotWithShape="1">
-          <a:gsLst>
-            <a:gs pos="0">
-              <a:schemeClr val="phClr">
-                <a:tint val="40000"/>
-                <a:satMod val="350000"/>
-              </a:schemeClr>
-            </a:gs>
-            <a:gs pos="40000">
-              <a:schemeClr val="phClr">
-                <a:tint val="45000"/>
-                <a:shade val="99000"/>
-                <a:satMod val="350000"/>
-              </a:schemeClr>
-            </a:gs>
-            <a:gs pos="100000">
-              <a:schemeClr val="phClr">
-                <a:shade val="20000"/>
-                <a:satMod val="255000"/>
-              </a:schemeClr>
-            </a:gs>
-          </a:gsLst>
-          <a:path path="circle">
-            <a:fillToRect l="50000" t="-80000" r="50000" b="180000"/>
-          </a:path>
-        </a:gradFill>
-        <a:gradFill rotWithShape="1">
-          <a:gsLst>
-            <a:gs pos="0">
-              <a:schemeClr val="phClr">
-                <a:tint val="80000"/>
-                <a:satMod val="300000"/>
-              </a:schemeClr>
-            </a:gs>
-            <a:gs pos="100000">
-              <a:schemeClr val="phClr">
-                <a:shade val="30000"/>
-                <a:satMod val="200000"/>
-              </a:schemeClr>
-            </a:gs>
-          </a:gsLst>
-          <a:path path="circle">
-            <a:fillToRect l="50000" t="50000" r="50000" b="50000"/>
-          </a:path>
-        </a:gradFill>
-      </a:bgFillStyleLst>
-    </a:fmtScheme>
-  </a:themeElements>
-</a:theme>
 </file>
--- a/Checkpoint3_team 20_Ваганов_Валова_Волык.pptx
+++ b/Checkpoint3_team 20_Ваганов_Валова_Волык.pptx
@@ -295,7 +295,7 @@
       </p15:sldGuideLst>
     </p:ext>
     <p:ext uri="GoogleSlidesCustomDataVersion2">
-      <go:slidesCustomData xmlns:go="http://customooxmlschemas.google.com/" xmlns:ahyp="http://schemas.microsoft.com/office/drawing/2018/hyperlinkcolor" xmlns:p15="http://schemas.microsoft.com/office/powerpoint/2012/main" xmlns:p14="http://schemas.microsoft.com/office/powerpoint/2010/main" xmlns:com="http://schemas.openxmlformats.org/drawingml/2006/compatibility" xmlns:pvml="urn:schemas-microsoft-com:office:powerpoint" xmlns:v="urn:schemas-microsoft-com:vml" xmlns:o="urn:schemas-microsoft-com:office:office" xmlns:dgm="http://schemas.openxmlformats.org/drawingml/2006/diagram" xmlns:c="http://schemas.openxmlformats.org/drawingml/2006/chart" xmlns:mv="urn:schemas-microsoft-com:mac:vml" xmlns:mc="http://schemas.openxmlformats.org/markup-compatibility/2006" xmlns="" r:id="rId22" roundtripDataSignature="AMtx7mhJqYRpqAJC9fto5G3kjxjiBDBh3w=="/>
+      <go:slidesCustomData xmlns="" xmlns:mc="http://schemas.openxmlformats.org/markup-compatibility/2006" xmlns:mv="urn:schemas-microsoft-com:mac:vml" xmlns:c="http://schemas.openxmlformats.org/drawingml/2006/chart" xmlns:dgm="http://schemas.openxmlformats.org/drawingml/2006/diagram" xmlns:o="urn:schemas-microsoft-com:office:office" xmlns:v="urn:schemas-microsoft-com:vml" xmlns:pvml="urn:schemas-microsoft-com:office:powerpoint" xmlns:com="http://schemas.openxmlformats.org/drawingml/2006/compatibility" xmlns:p14="http://schemas.microsoft.com/office/powerpoint/2010/main" xmlns:p15="http://schemas.microsoft.com/office/powerpoint/2012/main" xmlns:ahyp="http://schemas.microsoft.com/office/drawing/2018/hyperlinkcolor" xmlns:go="http://customooxmlschemas.google.com/" r:id="rId22" roundtripDataSignature="AMtx7mhJqYRpqAJC9fto5G3kjxjiBDBh3w=="/>
     </p:ext>
   </p:extLst>
 </p:presentation>
@@ -10455,7 +10455,7 @@
         </p:nvSpPr>
         <p:spPr>
           <a:xfrm>
-            <a:off x="368558" y="1255108"/>
+            <a:off x="368558" y="1217654"/>
             <a:ext cx="8167800" cy="770700"/>
           </a:xfrm>
           <a:prstGeom prst="rect">
@@ -10506,7 +10506,45 @@
                   </a:extLst>
                 </a:hlinkClick>
               </a:rPr>
-              <a:t>Ссылка на дашборд</a:t>
+              <a:t>Ссылка </a:t>
+            </a:r>
+            <a:r>
+              <a:rPr lang="ru" sz="3000" b="0" i="0" u="sng" strike="noStrike" cap="none" dirty="0">
+                <a:solidFill>
+                  <a:srgbClr val="123194"/>
+                </a:solidFill>
+                <a:latin typeface="Montserrat"/>
+                <a:ea typeface="Montserrat"/>
+                <a:cs typeface="Montserrat"/>
+                <a:sym typeface="Montserrat"/>
+                <a:hlinkClick r:id="rId5">
+                  <a:extLst>
+                    <a:ext uri="{A12FA001-AC4F-418D-AE19-62706E023703}">
+                      <ahyp:hlinkClr xmlns:ahyp="http://schemas.microsoft.com/office/drawing/2018/hyperlinkcolor" val="tx"/>
+                    </a:ext>
+                  </a:extLst>
+                </a:hlinkClick>
+              </a:rPr>
+              <a:t>на</a:t>
+            </a:r>
+            <a:r>
+              <a:rPr lang="ru" sz="3000" b="0" i="0" u="sng" strike="noStrike" cap="none" dirty="0">
+                <a:solidFill>
+                  <a:srgbClr val="123194"/>
+                </a:solidFill>
+                <a:latin typeface="Montserrat"/>
+                <a:ea typeface="Montserrat"/>
+                <a:cs typeface="Montserrat"/>
+                <a:sym typeface="Montserrat"/>
+                <a:hlinkClick r:id="rId5">
+                  <a:extLst>
+                    <a:ext uri="{A12FA001-AC4F-418D-AE19-62706E023703}">
+                      <ahyp:hlinkClr xmlns:ahyp="http://schemas.microsoft.com/office/drawing/2018/hyperlinkcolor" val="tx"/>
+                    </a:ext>
+                  </a:extLst>
+                </a:hlinkClick>
+              </a:rPr>
+              <a:t> дашборд</a:t>
             </a:r>
             <a:endParaRPr lang="ru" sz="3000" b="0" i="0" u="sng" strike="noStrike" cap="none" dirty="0">
               <a:solidFill>
@@ -10623,7 +10661,7 @@
                 <a:solidFill>
                   <a:srgbClr val="123194"/>
                 </a:solidFill>
-                <a:hlinkClick r:id="rId5" action="ppaction://hlinksldjump"/>
+                <a:hlinkClick r:id="rId6" action="ppaction://hlinksldjump"/>
               </a:rPr>
               <a:t>Динамика оценок во времени</a:t>
             </a:r>
@@ -10640,7 +10678,7 @@
                 <a:solidFill>
                   <a:srgbClr val="123194"/>
                 </a:solidFill>
-                <a:hlinkClick r:id="rId6" action="ppaction://hlinksldjump"/>
+                <a:hlinkClick r:id="rId7" action="ppaction://hlinksldjump"/>
               </a:rPr>
               <a:t>Матрица доход/стаж</a:t>
             </a:r>
@@ -10657,7 +10695,7 @@
                 <a:solidFill>
                   <a:srgbClr val="123194"/>
                 </a:solidFill>
-                <a:hlinkClick r:id="rId7" action="ppaction://hlinksldjump"/>
+                <a:hlinkClick r:id="rId8" action="ppaction://hlinksldjump"/>
               </a:rPr>
               <a:t>Анализ времени отчета</a:t>
             </a:r>
@@ -10674,7 +10712,7 @@
                 <a:solidFill>
                   <a:srgbClr val="123194"/>
                 </a:solidFill>
-                <a:hlinkClick r:id="rId8" action="ppaction://hlinksldjump"/>
+                <a:hlinkClick r:id="rId9" action="ppaction://hlinksldjump"/>
               </a:rPr>
               <a:t>Пример фильтрации по полу</a:t>
             </a:r>

--- a/Checkpoint3_team 20_Ваганов_Валова_Волык.pptx
+++ b/Checkpoint3_team 20_Ваганов_Валова_Волык.pptx
@@ -5,7 +5,7 @@
     <p:sldMasterId id="2147483648" r:id="rId1"/>
   </p:sldMasterIdLst>
   <p:notesMasterIdLst>
-    <p:notesMasterId r:id="rId17"/>
+    <p:notesMasterId r:id="rId13"/>
   </p:notesMasterIdLst>
   <p:sldIdLst>
     <p:sldId id="256" r:id="rId2"/>
@@ -19,20 +19,16 @@
     <p:sldId id="264" r:id="rId10"/>
     <p:sldId id="265" r:id="rId11"/>
     <p:sldId id="266" r:id="rId12"/>
-    <p:sldId id="268" r:id="rId13"/>
-    <p:sldId id="269" r:id="rId14"/>
-    <p:sldId id="270" r:id="rId15"/>
-    <p:sldId id="267" r:id="rId16"/>
   </p:sldIdLst>
   <p:sldSz cx="8999538" cy="5040313"/>
   <p:notesSz cx="6858000" cy="9144000"/>
   <p:embeddedFontLst>
     <p:embeddedFont>
       <p:font typeface="Montserrat" pitchFamily="2" charset="0"/>
-      <p:regular r:id="rId18"/>
-      <p:bold r:id="rId19"/>
-      <p:italic r:id="rId20"/>
-      <p:boldItalic r:id="rId21"/>
+      <p:regular r:id="rId14"/>
+      <p:bold r:id="rId15"/>
+      <p:italic r:id="rId16"/>
+      <p:boldItalic r:id="rId17"/>
     </p:embeddedFont>
   </p:embeddedFontLst>
   <p:defaultTextStyle>
@@ -295,7 +291,7 @@
       </p15:sldGuideLst>
     </p:ext>
     <p:ext uri="GoogleSlidesCustomDataVersion2">
-      <go:slidesCustomData xmlns="" xmlns:mc="http://schemas.openxmlformats.org/markup-compatibility/2006" xmlns:mv="urn:schemas-microsoft-com:mac:vml" xmlns:c="http://schemas.openxmlformats.org/drawingml/2006/chart" xmlns:dgm="http://schemas.openxmlformats.org/drawingml/2006/diagram" xmlns:o="urn:schemas-microsoft-com:office:office" xmlns:v="urn:schemas-microsoft-com:vml" xmlns:pvml="urn:schemas-microsoft-com:office:powerpoint" xmlns:com="http://schemas.openxmlformats.org/drawingml/2006/compatibility" xmlns:p14="http://schemas.microsoft.com/office/powerpoint/2010/main" xmlns:p15="http://schemas.microsoft.com/office/powerpoint/2012/main" xmlns:ahyp="http://schemas.microsoft.com/office/drawing/2018/hyperlinkcolor" xmlns:go="http://customooxmlschemas.google.com/" r:id="rId22" roundtripDataSignature="AMtx7mhJqYRpqAJC9fto5G3kjxjiBDBh3w=="/>
+      <go:slidesCustomData xmlns:go="http://customooxmlschemas.google.com/" xmlns:ahyp="http://schemas.microsoft.com/office/drawing/2018/hyperlinkcolor" xmlns:p15="http://schemas.microsoft.com/office/powerpoint/2012/main" xmlns:p14="http://schemas.microsoft.com/office/powerpoint/2010/main" xmlns:com="http://schemas.openxmlformats.org/drawingml/2006/compatibility" xmlns:pvml="urn:schemas-microsoft-com:office:powerpoint" xmlns:v="urn:schemas-microsoft-com:vml" xmlns:o="urn:schemas-microsoft-com:office:office" xmlns:dgm="http://schemas.openxmlformats.org/drawingml/2006/diagram" xmlns:c="http://schemas.openxmlformats.org/drawingml/2006/chart" xmlns:mv="urn:schemas-microsoft-com:mac:vml" xmlns:mc="http://schemas.openxmlformats.org/markup-compatibility/2006" xmlns="" r:id="rId22" roundtripDataSignature="AMtx7mhJqYRpqAJC9fto5G3kjxjiBDBh3w=="/>
     </p:ext>
   </p:extLst>
 </p:presentation>
@@ -2849,634 +2845,6 @@
 </file>
 
 <file path=ppt/slideLayouts/slideLayout10.xml><?xml version="1.0" encoding="utf-8"?>
-<p:sldLayout xmlns:a="http://schemas.openxmlformats.org/drawingml/2006/main" xmlns:r="http://schemas.openxmlformats.org/officeDocument/2006/relationships" xmlns:p="http://schemas.openxmlformats.org/presentationml/2006/main" matchingName="Big number">
-  <p:cSld name="BIG_NUMBER">
-    <p:spTree>
-      <p:nvGrpSpPr>
-        <p:cNvPr id="1" name="Shape 44"/>
-        <p:cNvGrpSpPr/>
-        <p:nvPr/>
-      </p:nvGrpSpPr>
-      <p:grpSpPr>
-        <a:xfrm>
-          <a:off x="0" y="0"/>
-          <a:ext cx="0" cy="0"/>
-          <a:chOff x="0" y="0"/>
-          <a:chExt cx="0" cy="0"/>
-        </a:xfrm>
-      </p:grpSpPr>
-      <p:sp>
-        <p:nvSpPr>
-          <p:cNvPr id="45" name="Google Shape;45;p39"/>
-          <p:cNvSpPr txBox="1">
-            <a:spLocks noGrp="1"/>
-          </p:cNvSpPr>
-          <p:nvPr>
-            <p:ph type="title" hasCustomPrompt="1"/>
-          </p:nvPr>
-        </p:nvSpPr>
-        <p:spPr>
-          <a:xfrm>
-            <a:off x="306791" y="1083867"/>
-            <a:ext cx="8386500" cy="1924200"/>
-          </a:xfrm>
-          <a:prstGeom prst="rect">
-            <a:avLst/>
-          </a:prstGeom>
-          <a:noFill/>
-          <a:ln>
-            <a:noFill/>
-          </a:ln>
-        </p:spPr>
-        <p:txBody>
-          <a:bodyPr spcFirstLastPara="1" wrap="square" lIns="91425" tIns="91425" rIns="91425" bIns="91425" anchor="b" anchorCtr="0">
-            <a:noAutofit/>
-          </a:bodyPr>
-          <a:lstStyle>
-            <a:lvl1pPr lvl="0" algn="ctr">
-              <a:lnSpc>
-                <a:spcPct val="100000"/>
-              </a:lnSpc>
-              <a:spcBef>
-                <a:spcPts val="0"/>
-              </a:spcBef>
-              <a:spcAft>
-                <a:spcPts val="0"/>
-              </a:spcAft>
-              <a:buSzPts val="12000"/>
-              <a:buNone/>
-              <a:defRPr sz="12000"/>
-            </a:lvl1pPr>
-            <a:lvl2pPr lvl="1" algn="ctr">
-              <a:lnSpc>
-                <a:spcPct val="100000"/>
-              </a:lnSpc>
-              <a:spcBef>
-                <a:spcPts val="0"/>
-              </a:spcBef>
-              <a:spcAft>
-                <a:spcPts val="0"/>
-              </a:spcAft>
-              <a:buSzPts val="12000"/>
-              <a:buNone/>
-              <a:defRPr sz="12000"/>
-            </a:lvl2pPr>
-            <a:lvl3pPr lvl="2" algn="ctr">
-              <a:lnSpc>
-                <a:spcPct val="100000"/>
-              </a:lnSpc>
-              <a:spcBef>
-                <a:spcPts val="0"/>
-              </a:spcBef>
-              <a:spcAft>
-                <a:spcPts val="0"/>
-              </a:spcAft>
-              <a:buSzPts val="12000"/>
-              <a:buNone/>
-              <a:defRPr sz="12000"/>
-            </a:lvl3pPr>
-            <a:lvl4pPr lvl="3" algn="ctr">
-              <a:lnSpc>
-                <a:spcPct val="100000"/>
-              </a:lnSpc>
-              <a:spcBef>
-                <a:spcPts val="0"/>
-              </a:spcBef>
-              <a:spcAft>
-                <a:spcPts val="0"/>
-              </a:spcAft>
-              <a:buSzPts val="12000"/>
-              <a:buNone/>
-              <a:defRPr sz="12000"/>
-            </a:lvl4pPr>
-            <a:lvl5pPr lvl="4" algn="ctr">
-              <a:lnSpc>
-                <a:spcPct val="100000"/>
-              </a:lnSpc>
-              <a:spcBef>
-                <a:spcPts val="0"/>
-              </a:spcBef>
-              <a:spcAft>
-                <a:spcPts val="0"/>
-              </a:spcAft>
-              <a:buSzPts val="12000"/>
-              <a:buNone/>
-              <a:defRPr sz="12000"/>
-            </a:lvl5pPr>
-            <a:lvl6pPr lvl="5" algn="ctr">
-              <a:lnSpc>
-                <a:spcPct val="100000"/>
-              </a:lnSpc>
-              <a:spcBef>
-                <a:spcPts val="0"/>
-              </a:spcBef>
-              <a:spcAft>
-                <a:spcPts val="0"/>
-              </a:spcAft>
-              <a:buSzPts val="12000"/>
-              <a:buNone/>
-              <a:defRPr sz="12000"/>
-            </a:lvl6pPr>
-            <a:lvl7pPr lvl="6" algn="ctr">
-              <a:lnSpc>
-                <a:spcPct val="100000"/>
-              </a:lnSpc>
-              <a:spcBef>
-                <a:spcPts val="0"/>
-              </a:spcBef>
-              <a:spcAft>
-                <a:spcPts val="0"/>
-              </a:spcAft>
-              <a:buSzPts val="12000"/>
-              <a:buNone/>
-              <a:defRPr sz="12000"/>
-            </a:lvl7pPr>
-            <a:lvl8pPr lvl="7" algn="ctr">
-              <a:lnSpc>
-                <a:spcPct val="100000"/>
-              </a:lnSpc>
-              <a:spcBef>
-                <a:spcPts val="0"/>
-              </a:spcBef>
-              <a:spcAft>
-                <a:spcPts val="0"/>
-              </a:spcAft>
-              <a:buSzPts val="12000"/>
-              <a:buNone/>
-              <a:defRPr sz="12000"/>
-            </a:lvl8pPr>
-            <a:lvl9pPr lvl="8" algn="ctr">
-              <a:lnSpc>
-                <a:spcPct val="100000"/>
-              </a:lnSpc>
-              <a:spcBef>
-                <a:spcPts val="0"/>
-              </a:spcBef>
-              <a:spcAft>
-                <a:spcPts val="0"/>
-              </a:spcAft>
-              <a:buSzPts val="12000"/>
-              <a:buNone/>
-              <a:defRPr sz="12000"/>
-            </a:lvl9pPr>
-          </a:lstStyle>
-          <a:p>
-            <a:r>
-              <a:t>xx%</a:t>
-            </a:r>
-          </a:p>
-        </p:txBody>
-      </p:sp>
-      <p:sp>
-        <p:nvSpPr>
-          <p:cNvPr id="46" name="Google Shape;46;p39"/>
-          <p:cNvSpPr txBox="1">
-            <a:spLocks noGrp="1"/>
-          </p:cNvSpPr>
-          <p:nvPr>
-            <p:ph type="body" idx="1"/>
-          </p:nvPr>
-        </p:nvSpPr>
-        <p:spPr>
-          <a:xfrm>
-            <a:off x="306791" y="3088794"/>
-            <a:ext cx="8386500" cy="1274700"/>
-          </a:xfrm>
-          <a:prstGeom prst="rect">
-            <a:avLst/>
-          </a:prstGeom>
-          <a:noFill/>
-          <a:ln>
-            <a:noFill/>
-          </a:ln>
-        </p:spPr>
-        <p:txBody>
-          <a:bodyPr spcFirstLastPara="1" wrap="square" lIns="91425" tIns="91425" rIns="91425" bIns="91425" anchor="t" anchorCtr="0">
-            <a:noAutofit/>
-          </a:bodyPr>
-          <a:lstStyle>
-            <a:lvl1pPr marL="457200" lvl="0" indent="-342900" algn="ctr">
-              <a:lnSpc>
-                <a:spcPct val="115000"/>
-              </a:lnSpc>
-              <a:spcBef>
-                <a:spcPts val="0"/>
-              </a:spcBef>
-              <a:spcAft>
-                <a:spcPts val="0"/>
-              </a:spcAft>
-              <a:buSzPts val="1800"/>
-              <a:buChar char="●"/>
-              <a:defRPr/>
-            </a:lvl1pPr>
-            <a:lvl2pPr marL="914400" lvl="1" indent="-317500" algn="ctr">
-              <a:lnSpc>
-                <a:spcPct val="115000"/>
-              </a:lnSpc>
-              <a:spcBef>
-                <a:spcPts val="0"/>
-              </a:spcBef>
-              <a:spcAft>
-                <a:spcPts val="0"/>
-              </a:spcAft>
-              <a:buSzPts val="1400"/>
-              <a:buChar char="○"/>
-              <a:defRPr/>
-            </a:lvl2pPr>
-            <a:lvl3pPr marL="1371600" lvl="2" indent="-317500" algn="ctr">
-              <a:lnSpc>
-                <a:spcPct val="115000"/>
-              </a:lnSpc>
-              <a:spcBef>
-                <a:spcPts val="0"/>
-              </a:spcBef>
-              <a:spcAft>
-                <a:spcPts val="0"/>
-              </a:spcAft>
-              <a:buSzPts val="1400"/>
-              <a:buChar char="■"/>
-              <a:defRPr/>
-            </a:lvl3pPr>
-            <a:lvl4pPr marL="1828800" lvl="3" indent="-317500" algn="ctr">
-              <a:lnSpc>
-                <a:spcPct val="115000"/>
-              </a:lnSpc>
-              <a:spcBef>
-                <a:spcPts val="0"/>
-              </a:spcBef>
-              <a:spcAft>
-                <a:spcPts val="0"/>
-              </a:spcAft>
-              <a:buSzPts val="1400"/>
-              <a:buChar char="●"/>
-              <a:defRPr/>
-            </a:lvl4pPr>
-            <a:lvl5pPr marL="2286000" lvl="4" indent="-317500" algn="ctr">
-              <a:lnSpc>
-                <a:spcPct val="115000"/>
-              </a:lnSpc>
-              <a:spcBef>
-                <a:spcPts val="0"/>
-              </a:spcBef>
-              <a:spcAft>
-                <a:spcPts val="0"/>
-              </a:spcAft>
-              <a:buSzPts val="1400"/>
-              <a:buChar char="○"/>
-              <a:defRPr/>
-            </a:lvl5pPr>
-            <a:lvl6pPr marL="2743200" lvl="5" indent="-317500" algn="ctr">
-              <a:lnSpc>
-                <a:spcPct val="115000"/>
-              </a:lnSpc>
-              <a:spcBef>
-                <a:spcPts val="0"/>
-              </a:spcBef>
-              <a:spcAft>
-                <a:spcPts val="0"/>
-              </a:spcAft>
-              <a:buSzPts val="1400"/>
-              <a:buChar char="■"/>
-              <a:defRPr/>
-            </a:lvl6pPr>
-            <a:lvl7pPr marL="3200400" lvl="6" indent="-317500" algn="ctr">
-              <a:lnSpc>
-                <a:spcPct val="115000"/>
-              </a:lnSpc>
-              <a:spcBef>
-                <a:spcPts val="0"/>
-              </a:spcBef>
-              <a:spcAft>
-                <a:spcPts val="0"/>
-              </a:spcAft>
-              <a:buSzPts val="1400"/>
-              <a:buChar char="●"/>
-              <a:defRPr/>
-            </a:lvl7pPr>
-            <a:lvl8pPr marL="3657600" lvl="7" indent="-317500" algn="ctr">
-              <a:lnSpc>
-                <a:spcPct val="115000"/>
-              </a:lnSpc>
-              <a:spcBef>
-                <a:spcPts val="0"/>
-              </a:spcBef>
-              <a:spcAft>
-                <a:spcPts val="0"/>
-              </a:spcAft>
-              <a:buSzPts val="1400"/>
-              <a:buChar char="○"/>
-              <a:defRPr/>
-            </a:lvl8pPr>
-            <a:lvl9pPr marL="4114800" lvl="8" indent="-317500" algn="ctr">
-              <a:lnSpc>
-                <a:spcPct val="115000"/>
-              </a:lnSpc>
-              <a:spcBef>
-                <a:spcPts val="0"/>
-              </a:spcBef>
-              <a:spcAft>
-                <a:spcPts val="0"/>
-              </a:spcAft>
-              <a:buSzPts val="1400"/>
-              <a:buChar char="■"/>
-              <a:defRPr/>
-            </a:lvl9pPr>
-          </a:lstStyle>
-          <a:p>
-            <a:endParaRPr/>
-          </a:p>
-        </p:txBody>
-      </p:sp>
-      <p:sp>
-        <p:nvSpPr>
-          <p:cNvPr id="47" name="Google Shape;47;p39"/>
-          <p:cNvSpPr txBox="1">
-            <a:spLocks noGrp="1"/>
-          </p:cNvSpPr>
-          <p:nvPr>
-            <p:ph type="sldNum" idx="12"/>
-          </p:nvPr>
-        </p:nvSpPr>
-        <p:spPr>
-          <a:xfrm>
-            <a:off x="8339033" y="4569381"/>
-            <a:ext cx="540000" cy="385500"/>
-          </a:xfrm>
-          <a:prstGeom prst="rect">
-            <a:avLst/>
-          </a:prstGeom>
-          <a:noFill/>
-          <a:ln>
-            <a:noFill/>
-          </a:ln>
-        </p:spPr>
-        <p:txBody>
-          <a:bodyPr spcFirstLastPara="1" wrap="square" lIns="91425" tIns="91425" rIns="91425" bIns="91425" anchor="ctr" anchorCtr="0">
-            <a:noAutofit/>
-          </a:bodyPr>
-          <a:lstStyle>
-            <a:lvl1pPr marL="0" marR="0" lvl="0" indent="0" algn="r">
-              <a:lnSpc>
-                <a:spcPct val="100000"/>
-              </a:lnSpc>
-              <a:spcBef>
-                <a:spcPts val="0"/>
-              </a:spcBef>
-              <a:spcAft>
-                <a:spcPts val="0"/>
-              </a:spcAft>
-              <a:buClr>
-                <a:srgbClr val="000000"/>
-              </a:buClr>
-              <a:buSzPts val="1000"/>
-              <a:buFont typeface="Arial"/>
-              <a:buNone/>
-              <a:defRPr sz="1000" b="0" i="0" u="none" strike="noStrike" cap="none">
-                <a:solidFill>
-                  <a:schemeClr val="dk2"/>
-                </a:solidFill>
-                <a:latin typeface="Arial"/>
-                <a:ea typeface="Arial"/>
-                <a:cs typeface="Arial"/>
-                <a:sym typeface="Arial"/>
-              </a:defRPr>
-            </a:lvl1pPr>
-            <a:lvl2pPr marL="0" marR="0" lvl="1" indent="0" algn="r">
-              <a:lnSpc>
-                <a:spcPct val="100000"/>
-              </a:lnSpc>
-              <a:spcBef>
-                <a:spcPts val="0"/>
-              </a:spcBef>
-              <a:spcAft>
-                <a:spcPts val="0"/>
-              </a:spcAft>
-              <a:buClr>
-                <a:srgbClr val="000000"/>
-              </a:buClr>
-              <a:buSzPts val="1000"/>
-              <a:buFont typeface="Arial"/>
-              <a:buNone/>
-              <a:defRPr sz="1000" b="0" i="0" u="none" strike="noStrike" cap="none">
-                <a:solidFill>
-                  <a:schemeClr val="dk2"/>
-                </a:solidFill>
-                <a:latin typeface="Arial"/>
-                <a:ea typeface="Arial"/>
-                <a:cs typeface="Arial"/>
-                <a:sym typeface="Arial"/>
-              </a:defRPr>
-            </a:lvl2pPr>
-            <a:lvl3pPr marL="0" marR="0" lvl="2" indent="0" algn="r">
-              <a:lnSpc>
-                <a:spcPct val="100000"/>
-              </a:lnSpc>
-              <a:spcBef>
-                <a:spcPts val="0"/>
-              </a:spcBef>
-              <a:spcAft>
-                <a:spcPts val="0"/>
-              </a:spcAft>
-              <a:buClr>
-                <a:srgbClr val="000000"/>
-              </a:buClr>
-              <a:buSzPts val="1000"/>
-              <a:buFont typeface="Arial"/>
-              <a:buNone/>
-              <a:defRPr sz="1000" b="0" i="0" u="none" strike="noStrike" cap="none">
-                <a:solidFill>
-                  <a:schemeClr val="dk2"/>
-                </a:solidFill>
-                <a:latin typeface="Arial"/>
-                <a:ea typeface="Arial"/>
-                <a:cs typeface="Arial"/>
-                <a:sym typeface="Arial"/>
-              </a:defRPr>
-            </a:lvl3pPr>
-            <a:lvl4pPr marL="0" marR="0" lvl="3" indent="0" algn="r">
-              <a:lnSpc>
-                <a:spcPct val="100000"/>
-              </a:lnSpc>
-              <a:spcBef>
-                <a:spcPts val="0"/>
-              </a:spcBef>
-              <a:spcAft>
-                <a:spcPts val="0"/>
-              </a:spcAft>
-              <a:buClr>
-                <a:srgbClr val="000000"/>
-              </a:buClr>
-              <a:buSzPts val="1000"/>
-              <a:buFont typeface="Arial"/>
-              <a:buNone/>
-              <a:defRPr sz="1000" b="0" i="0" u="none" strike="noStrike" cap="none">
-                <a:solidFill>
-                  <a:schemeClr val="dk2"/>
-                </a:solidFill>
-                <a:latin typeface="Arial"/>
-                <a:ea typeface="Arial"/>
-                <a:cs typeface="Arial"/>
-                <a:sym typeface="Arial"/>
-              </a:defRPr>
-            </a:lvl4pPr>
-            <a:lvl5pPr marL="0" marR="0" lvl="4" indent="0" algn="r">
-              <a:lnSpc>
-                <a:spcPct val="100000"/>
-              </a:lnSpc>
-              <a:spcBef>
-                <a:spcPts val="0"/>
-              </a:spcBef>
-              <a:spcAft>
-                <a:spcPts val="0"/>
-              </a:spcAft>
-              <a:buClr>
-                <a:srgbClr val="000000"/>
-              </a:buClr>
-              <a:buSzPts val="1000"/>
-              <a:buFont typeface="Arial"/>
-              <a:buNone/>
-              <a:defRPr sz="1000" b="0" i="0" u="none" strike="noStrike" cap="none">
-                <a:solidFill>
-                  <a:schemeClr val="dk2"/>
-                </a:solidFill>
-                <a:latin typeface="Arial"/>
-                <a:ea typeface="Arial"/>
-                <a:cs typeface="Arial"/>
-                <a:sym typeface="Arial"/>
-              </a:defRPr>
-            </a:lvl5pPr>
-            <a:lvl6pPr marL="0" marR="0" lvl="5" indent="0" algn="r">
-              <a:lnSpc>
-                <a:spcPct val="100000"/>
-              </a:lnSpc>
-              <a:spcBef>
-                <a:spcPts val="0"/>
-              </a:spcBef>
-              <a:spcAft>
-                <a:spcPts val="0"/>
-              </a:spcAft>
-              <a:buClr>
-                <a:srgbClr val="000000"/>
-              </a:buClr>
-              <a:buSzPts val="1000"/>
-              <a:buFont typeface="Arial"/>
-              <a:buNone/>
-              <a:defRPr sz="1000" b="0" i="0" u="none" strike="noStrike" cap="none">
-                <a:solidFill>
-                  <a:schemeClr val="dk2"/>
-                </a:solidFill>
-                <a:latin typeface="Arial"/>
-                <a:ea typeface="Arial"/>
-                <a:cs typeface="Arial"/>
-                <a:sym typeface="Arial"/>
-              </a:defRPr>
-            </a:lvl6pPr>
-            <a:lvl7pPr marL="0" marR="0" lvl="6" indent="0" algn="r">
-              <a:lnSpc>
-                <a:spcPct val="100000"/>
-              </a:lnSpc>
-              <a:spcBef>
-                <a:spcPts val="0"/>
-              </a:spcBef>
-              <a:spcAft>
-                <a:spcPts val="0"/>
-              </a:spcAft>
-              <a:buClr>
-                <a:srgbClr val="000000"/>
-              </a:buClr>
-              <a:buSzPts val="1000"/>
-              <a:buFont typeface="Arial"/>
-              <a:buNone/>
-              <a:defRPr sz="1000" b="0" i="0" u="none" strike="noStrike" cap="none">
-                <a:solidFill>
-                  <a:schemeClr val="dk2"/>
-                </a:solidFill>
-                <a:latin typeface="Arial"/>
-                <a:ea typeface="Arial"/>
-                <a:cs typeface="Arial"/>
-                <a:sym typeface="Arial"/>
-              </a:defRPr>
-            </a:lvl7pPr>
-            <a:lvl8pPr marL="0" marR="0" lvl="7" indent="0" algn="r">
-              <a:lnSpc>
-                <a:spcPct val="100000"/>
-              </a:lnSpc>
-              <a:spcBef>
-                <a:spcPts val="0"/>
-              </a:spcBef>
-              <a:spcAft>
-                <a:spcPts val="0"/>
-              </a:spcAft>
-              <a:buClr>
-                <a:srgbClr val="000000"/>
-              </a:buClr>
-              <a:buSzPts val="1000"/>
-              <a:buFont typeface="Arial"/>
-              <a:buNone/>
-              <a:defRPr sz="1000" b="0" i="0" u="none" strike="noStrike" cap="none">
-                <a:solidFill>
-                  <a:schemeClr val="dk2"/>
-                </a:solidFill>
-                <a:latin typeface="Arial"/>
-                <a:ea typeface="Arial"/>
-                <a:cs typeface="Arial"/>
-                <a:sym typeface="Arial"/>
-              </a:defRPr>
-            </a:lvl8pPr>
-            <a:lvl9pPr marL="0" marR="0" lvl="8" indent="0" algn="r">
-              <a:lnSpc>
-                <a:spcPct val="100000"/>
-              </a:lnSpc>
-              <a:spcBef>
-                <a:spcPts val="0"/>
-              </a:spcBef>
-              <a:spcAft>
-                <a:spcPts val="0"/>
-              </a:spcAft>
-              <a:buClr>
-                <a:srgbClr val="000000"/>
-              </a:buClr>
-              <a:buSzPts val="1000"/>
-              <a:buFont typeface="Arial"/>
-              <a:buNone/>
-              <a:defRPr sz="1000" b="0" i="0" u="none" strike="noStrike" cap="none">
-                <a:solidFill>
-                  <a:schemeClr val="dk2"/>
-                </a:solidFill>
-                <a:latin typeface="Arial"/>
-                <a:ea typeface="Arial"/>
-                <a:cs typeface="Arial"/>
-                <a:sym typeface="Arial"/>
-              </a:defRPr>
-            </a:lvl9pPr>
-          </a:lstStyle>
-          <a:p>
-            <a:pPr marL="0" lvl="0" indent="0" algn="r" rtl="0">
-              <a:spcBef>
-                <a:spcPts val="0"/>
-              </a:spcBef>
-              <a:spcAft>
-                <a:spcPts val="0"/>
-              </a:spcAft>
-              <a:buNone/>
-            </a:pPr>
-            <a:fld id="{00000000-1234-1234-1234-123412341234}" type="slidenum">
-              <a:rPr lang="ru"/>
-              <a:t>‹#›</a:t>
-            </a:fld>
-            <a:endParaRPr/>
-          </a:p>
-        </p:txBody>
-      </p:sp>
-    </p:spTree>
-  </p:cSld>
-  <p:clrMapOvr>
-    <a:masterClrMapping/>
-  </p:clrMapOvr>
-</p:sldLayout>
-</file>
-
-<file path=ppt/slideLayouts/slideLayout11.xml><?xml version="1.0" encoding="utf-8"?>
 <p:sldLayout xmlns:a="http://schemas.openxmlformats.org/drawingml/2006/main" xmlns:r="http://schemas.openxmlformats.org/officeDocument/2006/relationships" xmlns:p="http://schemas.openxmlformats.org/presentationml/2006/main" matchingName="Blank" type="blank">
   <p:cSld name="BLANK">
     <p:spTree>
@@ -5661,472 +5029,6 @@
 </file>
 
 <file path=ppt/slideLayouts/slideLayout5.xml><?xml version="1.0" encoding="utf-8"?>
-<p:sldLayout xmlns:a="http://schemas.openxmlformats.org/drawingml/2006/main" xmlns:r="http://schemas.openxmlformats.org/officeDocument/2006/relationships" xmlns:p="http://schemas.openxmlformats.org/presentationml/2006/main" matchingName="Title only" type="titleOnly">
-  <p:cSld name="TITLE_ONLY">
-    <p:spTree>
-      <p:nvGrpSpPr>
-        <p:cNvPr id="1" name="Shape 25"/>
-        <p:cNvGrpSpPr/>
-        <p:nvPr/>
-      </p:nvGrpSpPr>
-      <p:grpSpPr>
-        <a:xfrm>
-          <a:off x="0" y="0"/>
-          <a:ext cx="0" cy="0"/>
-          <a:chOff x="0" y="0"/>
-          <a:chExt cx="0" cy="0"/>
-        </a:xfrm>
-      </p:grpSpPr>
-      <p:sp>
-        <p:nvSpPr>
-          <p:cNvPr id="26" name="Google Shape;26;p34"/>
-          <p:cNvSpPr txBox="1">
-            <a:spLocks noGrp="1"/>
-          </p:cNvSpPr>
-          <p:nvPr>
-            <p:ph type="title"/>
-          </p:nvPr>
-        </p:nvSpPr>
-        <p:spPr>
-          <a:xfrm>
-            <a:off x="306791" y="436070"/>
-            <a:ext cx="8386500" cy="561300"/>
-          </a:xfrm>
-          <a:prstGeom prst="rect">
-            <a:avLst/>
-          </a:prstGeom>
-          <a:noFill/>
-          <a:ln>
-            <a:noFill/>
-          </a:ln>
-        </p:spPr>
-        <p:txBody>
-          <a:bodyPr spcFirstLastPara="1" wrap="square" lIns="91425" tIns="91425" rIns="91425" bIns="91425" anchor="t" anchorCtr="0">
-            <a:noAutofit/>
-          </a:bodyPr>
-          <a:lstStyle>
-            <a:lvl1pPr lvl="0" algn="l">
-              <a:lnSpc>
-                <a:spcPct val="100000"/>
-              </a:lnSpc>
-              <a:spcBef>
-                <a:spcPts val="0"/>
-              </a:spcBef>
-              <a:spcAft>
-                <a:spcPts val="0"/>
-              </a:spcAft>
-              <a:buSzPts val="2800"/>
-              <a:buNone/>
-              <a:defRPr/>
-            </a:lvl1pPr>
-            <a:lvl2pPr lvl="1" algn="l">
-              <a:lnSpc>
-                <a:spcPct val="100000"/>
-              </a:lnSpc>
-              <a:spcBef>
-                <a:spcPts val="0"/>
-              </a:spcBef>
-              <a:spcAft>
-                <a:spcPts val="0"/>
-              </a:spcAft>
-              <a:buSzPts val="2800"/>
-              <a:buNone/>
-              <a:defRPr/>
-            </a:lvl2pPr>
-            <a:lvl3pPr lvl="2" algn="l">
-              <a:lnSpc>
-                <a:spcPct val="100000"/>
-              </a:lnSpc>
-              <a:spcBef>
-                <a:spcPts val="0"/>
-              </a:spcBef>
-              <a:spcAft>
-                <a:spcPts val="0"/>
-              </a:spcAft>
-              <a:buSzPts val="2800"/>
-              <a:buNone/>
-              <a:defRPr/>
-            </a:lvl3pPr>
-            <a:lvl4pPr lvl="3" algn="l">
-              <a:lnSpc>
-                <a:spcPct val="100000"/>
-              </a:lnSpc>
-              <a:spcBef>
-                <a:spcPts val="0"/>
-              </a:spcBef>
-              <a:spcAft>
-                <a:spcPts val="0"/>
-              </a:spcAft>
-              <a:buSzPts val="2800"/>
-              <a:buNone/>
-              <a:defRPr/>
-            </a:lvl4pPr>
-            <a:lvl5pPr lvl="4" algn="l">
-              <a:lnSpc>
-                <a:spcPct val="100000"/>
-              </a:lnSpc>
-              <a:spcBef>
-                <a:spcPts val="0"/>
-              </a:spcBef>
-              <a:spcAft>
-                <a:spcPts val="0"/>
-              </a:spcAft>
-              <a:buSzPts val="2800"/>
-              <a:buNone/>
-              <a:defRPr/>
-            </a:lvl5pPr>
-            <a:lvl6pPr lvl="5" algn="l">
-              <a:lnSpc>
-                <a:spcPct val="100000"/>
-              </a:lnSpc>
-              <a:spcBef>
-                <a:spcPts val="0"/>
-              </a:spcBef>
-              <a:spcAft>
-                <a:spcPts val="0"/>
-              </a:spcAft>
-              <a:buSzPts val="2800"/>
-              <a:buNone/>
-              <a:defRPr/>
-            </a:lvl6pPr>
-            <a:lvl7pPr lvl="6" algn="l">
-              <a:lnSpc>
-                <a:spcPct val="100000"/>
-              </a:lnSpc>
-              <a:spcBef>
-                <a:spcPts val="0"/>
-              </a:spcBef>
-              <a:spcAft>
-                <a:spcPts val="0"/>
-              </a:spcAft>
-              <a:buSzPts val="2800"/>
-              <a:buNone/>
-              <a:defRPr/>
-            </a:lvl7pPr>
-            <a:lvl8pPr lvl="7" algn="l">
-              <a:lnSpc>
-                <a:spcPct val="100000"/>
-              </a:lnSpc>
-              <a:spcBef>
-                <a:spcPts val="0"/>
-              </a:spcBef>
-              <a:spcAft>
-                <a:spcPts val="0"/>
-              </a:spcAft>
-              <a:buSzPts val="2800"/>
-              <a:buNone/>
-              <a:defRPr/>
-            </a:lvl8pPr>
-            <a:lvl9pPr lvl="8" algn="l">
-              <a:lnSpc>
-                <a:spcPct val="100000"/>
-              </a:lnSpc>
-              <a:spcBef>
-                <a:spcPts val="0"/>
-              </a:spcBef>
-              <a:spcAft>
-                <a:spcPts val="0"/>
-              </a:spcAft>
-              <a:buSzPts val="2800"/>
-              <a:buNone/>
-              <a:defRPr/>
-            </a:lvl9pPr>
-          </a:lstStyle>
-          <a:p>
-            <a:endParaRPr/>
-          </a:p>
-        </p:txBody>
-      </p:sp>
-      <p:sp>
-        <p:nvSpPr>
-          <p:cNvPr id="27" name="Google Shape;27;p34"/>
-          <p:cNvSpPr txBox="1">
-            <a:spLocks noGrp="1"/>
-          </p:cNvSpPr>
-          <p:nvPr>
-            <p:ph type="sldNum" idx="12"/>
-          </p:nvPr>
-        </p:nvSpPr>
-        <p:spPr>
-          <a:xfrm>
-            <a:off x="8339033" y="4569381"/>
-            <a:ext cx="540000" cy="385500"/>
-          </a:xfrm>
-          <a:prstGeom prst="rect">
-            <a:avLst/>
-          </a:prstGeom>
-          <a:noFill/>
-          <a:ln>
-            <a:noFill/>
-          </a:ln>
-        </p:spPr>
-        <p:txBody>
-          <a:bodyPr spcFirstLastPara="1" wrap="square" lIns="91425" tIns="91425" rIns="91425" bIns="91425" anchor="ctr" anchorCtr="0">
-            <a:noAutofit/>
-          </a:bodyPr>
-          <a:lstStyle>
-            <a:lvl1pPr marL="0" marR="0" lvl="0" indent="0" algn="r">
-              <a:lnSpc>
-                <a:spcPct val="100000"/>
-              </a:lnSpc>
-              <a:spcBef>
-                <a:spcPts val="0"/>
-              </a:spcBef>
-              <a:spcAft>
-                <a:spcPts val="0"/>
-              </a:spcAft>
-              <a:buClr>
-                <a:srgbClr val="000000"/>
-              </a:buClr>
-              <a:buSzPts val="1000"/>
-              <a:buFont typeface="Arial"/>
-              <a:buNone/>
-              <a:defRPr sz="1000" b="0" i="0" u="none" strike="noStrike" cap="none">
-                <a:solidFill>
-                  <a:schemeClr val="dk2"/>
-                </a:solidFill>
-                <a:latin typeface="Arial"/>
-                <a:ea typeface="Arial"/>
-                <a:cs typeface="Arial"/>
-                <a:sym typeface="Arial"/>
-              </a:defRPr>
-            </a:lvl1pPr>
-            <a:lvl2pPr marL="0" marR="0" lvl="1" indent="0" algn="r">
-              <a:lnSpc>
-                <a:spcPct val="100000"/>
-              </a:lnSpc>
-              <a:spcBef>
-                <a:spcPts val="0"/>
-              </a:spcBef>
-              <a:spcAft>
-                <a:spcPts val="0"/>
-              </a:spcAft>
-              <a:buClr>
-                <a:srgbClr val="000000"/>
-              </a:buClr>
-              <a:buSzPts val="1000"/>
-              <a:buFont typeface="Arial"/>
-              <a:buNone/>
-              <a:defRPr sz="1000" b="0" i="0" u="none" strike="noStrike" cap="none">
-                <a:solidFill>
-                  <a:schemeClr val="dk2"/>
-                </a:solidFill>
-                <a:latin typeface="Arial"/>
-                <a:ea typeface="Arial"/>
-                <a:cs typeface="Arial"/>
-                <a:sym typeface="Arial"/>
-              </a:defRPr>
-            </a:lvl2pPr>
-            <a:lvl3pPr marL="0" marR="0" lvl="2" indent="0" algn="r">
-              <a:lnSpc>
-                <a:spcPct val="100000"/>
-              </a:lnSpc>
-              <a:spcBef>
-                <a:spcPts val="0"/>
-              </a:spcBef>
-              <a:spcAft>
-                <a:spcPts val="0"/>
-              </a:spcAft>
-              <a:buClr>
-                <a:srgbClr val="000000"/>
-              </a:buClr>
-              <a:buSzPts val="1000"/>
-              <a:buFont typeface="Arial"/>
-              <a:buNone/>
-              <a:defRPr sz="1000" b="0" i="0" u="none" strike="noStrike" cap="none">
-                <a:solidFill>
-                  <a:schemeClr val="dk2"/>
-                </a:solidFill>
-                <a:latin typeface="Arial"/>
-                <a:ea typeface="Arial"/>
-                <a:cs typeface="Arial"/>
-                <a:sym typeface="Arial"/>
-              </a:defRPr>
-            </a:lvl3pPr>
-            <a:lvl4pPr marL="0" marR="0" lvl="3" indent="0" algn="r">
-              <a:lnSpc>
-                <a:spcPct val="100000"/>
-              </a:lnSpc>
-              <a:spcBef>
-                <a:spcPts val="0"/>
-              </a:spcBef>
-              <a:spcAft>
-                <a:spcPts val="0"/>
-              </a:spcAft>
-              <a:buClr>
-                <a:srgbClr val="000000"/>
-              </a:buClr>
-              <a:buSzPts val="1000"/>
-              <a:buFont typeface="Arial"/>
-              <a:buNone/>
-              <a:defRPr sz="1000" b="0" i="0" u="none" strike="noStrike" cap="none">
-                <a:solidFill>
-                  <a:schemeClr val="dk2"/>
-                </a:solidFill>
-                <a:latin typeface="Arial"/>
-                <a:ea typeface="Arial"/>
-                <a:cs typeface="Arial"/>
-                <a:sym typeface="Arial"/>
-              </a:defRPr>
-            </a:lvl4pPr>
-            <a:lvl5pPr marL="0" marR="0" lvl="4" indent="0" algn="r">
-              <a:lnSpc>
-                <a:spcPct val="100000"/>
-              </a:lnSpc>
-              <a:spcBef>
-                <a:spcPts val="0"/>
-              </a:spcBef>
-              <a:spcAft>
-                <a:spcPts val="0"/>
-              </a:spcAft>
-              <a:buClr>
-                <a:srgbClr val="000000"/>
-              </a:buClr>
-              <a:buSzPts val="1000"/>
-              <a:buFont typeface="Arial"/>
-              <a:buNone/>
-              <a:defRPr sz="1000" b="0" i="0" u="none" strike="noStrike" cap="none">
-                <a:solidFill>
-                  <a:schemeClr val="dk2"/>
-                </a:solidFill>
-                <a:latin typeface="Arial"/>
-                <a:ea typeface="Arial"/>
-                <a:cs typeface="Arial"/>
-                <a:sym typeface="Arial"/>
-              </a:defRPr>
-            </a:lvl5pPr>
-            <a:lvl6pPr marL="0" marR="0" lvl="5" indent="0" algn="r">
-              <a:lnSpc>
-                <a:spcPct val="100000"/>
-              </a:lnSpc>
-              <a:spcBef>
-                <a:spcPts val="0"/>
-              </a:spcBef>
-              <a:spcAft>
-                <a:spcPts val="0"/>
-              </a:spcAft>
-              <a:buClr>
-                <a:srgbClr val="000000"/>
-              </a:buClr>
-              <a:buSzPts val="1000"/>
-              <a:buFont typeface="Arial"/>
-              <a:buNone/>
-              <a:defRPr sz="1000" b="0" i="0" u="none" strike="noStrike" cap="none">
-                <a:solidFill>
-                  <a:schemeClr val="dk2"/>
-                </a:solidFill>
-                <a:latin typeface="Arial"/>
-                <a:ea typeface="Arial"/>
-                <a:cs typeface="Arial"/>
-                <a:sym typeface="Arial"/>
-              </a:defRPr>
-            </a:lvl6pPr>
-            <a:lvl7pPr marL="0" marR="0" lvl="6" indent="0" algn="r">
-              <a:lnSpc>
-                <a:spcPct val="100000"/>
-              </a:lnSpc>
-              <a:spcBef>
-                <a:spcPts val="0"/>
-              </a:spcBef>
-              <a:spcAft>
-                <a:spcPts val="0"/>
-              </a:spcAft>
-              <a:buClr>
-                <a:srgbClr val="000000"/>
-              </a:buClr>
-              <a:buSzPts val="1000"/>
-              <a:buFont typeface="Arial"/>
-              <a:buNone/>
-              <a:defRPr sz="1000" b="0" i="0" u="none" strike="noStrike" cap="none">
-                <a:solidFill>
-                  <a:schemeClr val="dk2"/>
-                </a:solidFill>
-                <a:latin typeface="Arial"/>
-                <a:ea typeface="Arial"/>
-                <a:cs typeface="Arial"/>
-                <a:sym typeface="Arial"/>
-              </a:defRPr>
-            </a:lvl7pPr>
-            <a:lvl8pPr marL="0" marR="0" lvl="7" indent="0" algn="r">
-              <a:lnSpc>
-                <a:spcPct val="100000"/>
-              </a:lnSpc>
-              <a:spcBef>
-                <a:spcPts val="0"/>
-              </a:spcBef>
-              <a:spcAft>
-                <a:spcPts val="0"/>
-              </a:spcAft>
-              <a:buClr>
-                <a:srgbClr val="000000"/>
-              </a:buClr>
-              <a:buSzPts val="1000"/>
-              <a:buFont typeface="Arial"/>
-              <a:buNone/>
-              <a:defRPr sz="1000" b="0" i="0" u="none" strike="noStrike" cap="none">
-                <a:solidFill>
-                  <a:schemeClr val="dk2"/>
-                </a:solidFill>
-                <a:latin typeface="Arial"/>
-                <a:ea typeface="Arial"/>
-                <a:cs typeface="Arial"/>
-                <a:sym typeface="Arial"/>
-              </a:defRPr>
-            </a:lvl8pPr>
-            <a:lvl9pPr marL="0" marR="0" lvl="8" indent="0" algn="r">
-              <a:lnSpc>
-                <a:spcPct val="100000"/>
-              </a:lnSpc>
-              <a:spcBef>
-                <a:spcPts val="0"/>
-              </a:spcBef>
-              <a:spcAft>
-                <a:spcPts val="0"/>
-              </a:spcAft>
-              <a:buClr>
-                <a:srgbClr val="000000"/>
-              </a:buClr>
-              <a:buSzPts val="1000"/>
-              <a:buFont typeface="Arial"/>
-              <a:buNone/>
-              <a:defRPr sz="1000" b="0" i="0" u="none" strike="noStrike" cap="none">
-                <a:solidFill>
-                  <a:schemeClr val="dk2"/>
-                </a:solidFill>
-                <a:latin typeface="Arial"/>
-                <a:ea typeface="Arial"/>
-                <a:cs typeface="Arial"/>
-                <a:sym typeface="Arial"/>
-              </a:defRPr>
-            </a:lvl9pPr>
-          </a:lstStyle>
-          <a:p>
-            <a:pPr marL="0" lvl="0" indent="0" algn="r" rtl="0">
-              <a:spcBef>
-                <a:spcPts val="0"/>
-              </a:spcBef>
-              <a:spcAft>
-                <a:spcPts val="0"/>
-              </a:spcAft>
-              <a:buNone/>
-            </a:pPr>
-            <a:fld id="{00000000-1234-1234-1234-123412341234}" type="slidenum">
-              <a:rPr lang="ru"/>
-              <a:t>‹#›</a:t>
-            </a:fld>
-            <a:endParaRPr/>
-          </a:p>
-        </p:txBody>
-      </p:sp>
-    </p:spTree>
-  </p:cSld>
-  <p:clrMapOvr>
-    <a:masterClrMapping/>
-  </p:clrMapOvr>
-</p:sldLayout>
-</file>
-
-<file path=ppt/slideLayouts/slideLayout6.xml><?xml version="1.0" encoding="utf-8"?>
 <p:sldLayout xmlns:a="http://schemas.openxmlformats.org/drawingml/2006/main" xmlns:r="http://schemas.openxmlformats.org/officeDocument/2006/relationships" xmlns:p="http://schemas.openxmlformats.org/presentationml/2006/main" matchingName="One column text">
   <p:cSld name="ONE_COLUMN_TEXT">
     <p:spTree>
@@ -6752,7 +5654,7 @@
 </p:sldLayout>
 </file>
 
-<file path=ppt/slideLayouts/slideLayout7.xml><?xml version="1.0" encoding="utf-8"?>
+<file path=ppt/slideLayouts/slideLayout6.xml><?xml version="1.0" encoding="utf-8"?>
 <p:sldLayout xmlns:a="http://schemas.openxmlformats.org/drawingml/2006/main" xmlns:r="http://schemas.openxmlformats.org/officeDocument/2006/relationships" xmlns:p="http://schemas.openxmlformats.org/presentationml/2006/main" matchingName="Main point">
   <p:cSld name="MAIN_POINT">
     <p:spTree>
@@ -7218,7 +6120,7 @@
 </p:sldLayout>
 </file>
 
-<file path=ppt/slideLayouts/slideLayout8.xml><?xml version="1.0" encoding="utf-8"?>
+<file path=ppt/slideLayouts/slideLayout7.xml><?xml version="1.0" encoding="utf-8"?>
 <p:sldLayout xmlns:a="http://schemas.openxmlformats.org/drawingml/2006/main" xmlns:r="http://schemas.openxmlformats.org/officeDocument/2006/relationships" xmlns:p="http://schemas.openxmlformats.org/presentationml/2006/main" matchingName="Section title and description">
   <p:cSld name="SECTION_TITLE_AND_DESCRIPTION">
     <p:spTree>
@@ -8060,7 +6962,7 @@
 </p:sldLayout>
 </file>
 
-<file path=ppt/slideLayouts/slideLayout9.xml><?xml version="1.0" encoding="utf-8"?>
+<file path=ppt/slideLayouts/slideLayout8.xml><?xml version="1.0" encoding="utf-8"?>
 <p:sldLayout xmlns:a="http://schemas.openxmlformats.org/drawingml/2006/main" xmlns:r="http://schemas.openxmlformats.org/officeDocument/2006/relationships" xmlns:p="http://schemas.openxmlformats.org/presentationml/2006/main" matchingName="Caption">
   <p:cSld name="CAPTION_ONLY">
     <p:spTree>
@@ -8128,6 +7030,634 @@
       <p:sp>
         <p:nvSpPr>
           <p:cNvPr id="43" name="Google Shape;43;p38"/>
+          <p:cNvSpPr txBox="1">
+            <a:spLocks noGrp="1"/>
+          </p:cNvSpPr>
+          <p:nvPr>
+            <p:ph type="sldNum" idx="12"/>
+          </p:nvPr>
+        </p:nvSpPr>
+        <p:spPr>
+          <a:xfrm>
+            <a:off x="8339033" y="4569381"/>
+            <a:ext cx="540000" cy="385500"/>
+          </a:xfrm>
+          <a:prstGeom prst="rect">
+            <a:avLst/>
+          </a:prstGeom>
+          <a:noFill/>
+          <a:ln>
+            <a:noFill/>
+          </a:ln>
+        </p:spPr>
+        <p:txBody>
+          <a:bodyPr spcFirstLastPara="1" wrap="square" lIns="91425" tIns="91425" rIns="91425" bIns="91425" anchor="ctr" anchorCtr="0">
+            <a:noAutofit/>
+          </a:bodyPr>
+          <a:lstStyle>
+            <a:lvl1pPr marL="0" marR="0" lvl="0" indent="0" algn="r">
+              <a:lnSpc>
+                <a:spcPct val="100000"/>
+              </a:lnSpc>
+              <a:spcBef>
+                <a:spcPts val="0"/>
+              </a:spcBef>
+              <a:spcAft>
+                <a:spcPts val="0"/>
+              </a:spcAft>
+              <a:buClr>
+                <a:srgbClr val="000000"/>
+              </a:buClr>
+              <a:buSzPts val="1000"/>
+              <a:buFont typeface="Arial"/>
+              <a:buNone/>
+              <a:defRPr sz="1000" b="0" i="0" u="none" strike="noStrike" cap="none">
+                <a:solidFill>
+                  <a:schemeClr val="dk2"/>
+                </a:solidFill>
+                <a:latin typeface="Arial"/>
+                <a:ea typeface="Arial"/>
+                <a:cs typeface="Arial"/>
+                <a:sym typeface="Arial"/>
+              </a:defRPr>
+            </a:lvl1pPr>
+            <a:lvl2pPr marL="0" marR="0" lvl="1" indent="0" algn="r">
+              <a:lnSpc>
+                <a:spcPct val="100000"/>
+              </a:lnSpc>
+              <a:spcBef>
+                <a:spcPts val="0"/>
+              </a:spcBef>
+              <a:spcAft>
+                <a:spcPts val="0"/>
+              </a:spcAft>
+              <a:buClr>
+                <a:srgbClr val="000000"/>
+              </a:buClr>
+              <a:buSzPts val="1000"/>
+              <a:buFont typeface="Arial"/>
+              <a:buNone/>
+              <a:defRPr sz="1000" b="0" i="0" u="none" strike="noStrike" cap="none">
+                <a:solidFill>
+                  <a:schemeClr val="dk2"/>
+                </a:solidFill>
+                <a:latin typeface="Arial"/>
+                <a:ea typeface="Arial"/>
+                <a:cs typeface="Arial"/>
+                <a:sym typeface="Arial"/>
+              </a:defRPr>
+            </a:lvl2pPr>
+            <a:lvl3pPr marL="0" marR="0" lvl="2" indent="0" algn="r">
+              <a:lnSpc>
+                <a:spcPct val="100000"/>
+              </a:lnSpc>
+              <a:spcBef>
+                <a:spcPts val="0"/>
+              </a:spcBef>
+              <a:spcAft>
+                <a:spcPts val="0"/>
+              </a:spcAft>
+              <a:buClr>
+                <a:srgbClr val="000000"/>
+              </a:buClr>
+              <a:buSzPts val="1000"/>
+              <a:buFont typeface="Arial"/>
+              <a:buNone/>
+              <a:defRPr sz="1000" b="0" i="0" u="none" strike="noStrike" cap="none">
+                <a:solidFill>
+                  <a:schemeClr val="dk2"/>
+                </a:solidFill>
+                <a:latin typeface="Arial"/>
+                <a:ea typeface="Arial"/>
+                <a:cs typeface="Arial"/>
+                <a:sym typeface="Arial"/>
+              </a:defRPr>
+            </a:lvl3pPr>
+            <a:lvl4pPr marL="0" marR="0" lvl="3" indent="0" algn="r">
+              <a:lnSpc>
+                <a:spcPct val="100000"/>
+              </a:lnSpc>
+              <a:spcBef>
+                <a:spcPts val="0"/>
+              </a:spcBef>
+              <a:spcAft>
+                <a:spcPts val="0"/>
+              </a:spcAft>
+              <a:buClr>
+                <a:srgbClr val="000000"/>
+              </a:buClr>
+              <a:buSzPts val="1000"/>
+              <a:buFont typeface="Arial"/>
+              <a:buNone/>
+              <a:defRPr sz="1000" b="0" i="0" u="none" strike="noStrike" cap="none">
+                <a:solidFill>
+                  <a:schemeClr val="dk2"/>
+                </a:solidFill>
+                <a:latin typeface="Arial"/>
+                <a:ea typeface="Arial"/>
+                <a:cs typeface="Arial"/>
+                <a:sym typeface="Arial"/>
+              </a:defRPr>
+            </a:lvl4pPr>
+            <a:lvl5pPr marL="0" marR="0" lvl="4" indent="0" algn="r">
+              <a:lnSpc>
+                <a:spcPct val="100000"/>
+              </a:lnSpc>
+              <a:spcBef>
+                <a:spcPts val="0"/>
+              </a:spcBef>
+              <a:spcAft>
+                <a:spcPts val="0"/>
+              </a:spcAft>
+              <a:buClr>
+                <a:srgbClr val="000000"/>
+              </a:buClr>
+              <a:buSzPts val="1000"/>
+              <a:buFont typeface="Arial"/>
+              <a:buNone/>
+              <a:defRPr sz="1000" b="0" i="0" u="none" strike="noStrike" cap="none">
+                <a:solidFill>
+                  <a:schemeClr val="dk2"/>
+                </a:solidFill>
+                <a:latin typeface="Arial"/>
+                <a:ea typeface="Arial"/>
+                <a:cs typeface="Arial"/>
+                <a:sym typeface="Arial"/>
+              </a:defRPr>
+            </a:lvl5pPr>
+            <a:lvl6pPr marL="0" marR="0" lvl="5" indent="0" algn="r">
+              <a:lnSpc>
+                <a:spcPct val="100000"/>
+              </a:lnSpc>
+              <a:spcBef>
+                <a:spcPts val="0"/>
+              </a:spcBef>
+              <a:spcAft>
+                <a:spcPts val="0"/>
+              </a:spcAft>
+              <a:buClr>
+                <a:srgbClr val="000000"/>
+              </a:buClr>
+              <a:buSzPts val="1000"/>
+              <a:buFont typeface="Arial"/>
+              <a:buNone/>
+              <a:defRPr sz="1000" b="0" i="0" u="none" strike="noStrike" cap="none">
+                <a:solidFill>
+                  <a:schemeClr val="dk2"/>
+                </a:solidFill>
+                <a:latin typeface="Arial"/>
+                <a:ea typeface="Arial"/>
+                <a:cs typeface="Arial"/>
+                <a:sym typeface="Arial"/>
+              </a:defRPr>
+            </a:lvl6pPr>
+            <a:lvl7pPr marL="0" marR="0" lvl="6" indent="0" algn="r">
+              <a:lnSpc>
+                <a:spcPct val="100000"/>
+              </a:lnSpc>
+              <a:spcBef>
+                <a:spcPts val="0"/>
+              </a:spcBef>
+              <a:spcAft>
+                <a:spcPts val="0"/>
+              </a:spcAft>
+              <a:buClr>
+                <a:srgbClr val="000000"/>
+              </a:buClr>
+              <a:buSzPts val="1000"/>
+              <a:buFont typeface="Arial"/>
+              <a:buNone/>
+              <a:defRPr sz="1000" b="0" i="0" u="none" strike="noStrike" cap="none">
+                <a:solidFill>
+                  <a:schemeClr val="dk2"/>
+                </a:solidFill>
+                <a:latin typeface="Arial"/>
+                <a:ea typeface="Arial"/>
+                <a:cs typeface="Arial"/>
+                <a:sym typeface="Arial"/>
+              </a:defRPr>
+            </a:lvl7pPr>
+            <a:lvl8pPr marL="0" marR="0" lvl="7" indent="0" algn="r">
+              <a:lnSpc>
+                <a:spcPct val="100000"/>
+              </a:lnSpc>
+              <a:spcBef>
+                <a:spcPts val="0"/>
+              </a:spcBef>
+              <a:spcAft>
+                <a:spcPts val="0"/>
+              </a:spcAft>
+              <a:buClr>
+                <a:srgbClr val="000000"/>
+              </a:buClr>
+              <a:buSzPts val="1000"/>
+              <a:buFont typeface="Arial"/>
+              <a:buNone/>
+              <a:defRPr sz="1000" b="0" i="0" u="none" strike="noStrike" cap="none">
+                <a:solidFill>
+                  <a:schemeClr val="dk2"/>
+                </a:solidFill>
+                <a:latin typeface="Arial"/>
+                <a:ea typeface="Arial"/>
+                <a:cs typeface="Arial"/>
+                <a:sym typeface="Arial"/>
+              </a:defRPr>
+            </a:lvl8pPr>
+            <a:lvl9pPr marL="0" marR="0" lvl="8" indent="0" algn="r">
+              <a:lnSpc>
+                <a:spcPct val="100000"/>
+              </a:lnSpc>
+              <a:spcBef>
+                <a:spcPts val="0"/>
+              </a:spcBef>
+              <a:spcAft>
+                <a:spcPts val="0"/>
+              </a:spcAft>
+              <a:buClr>
+                <a:srgbClr val="000000"/>
+              </a:buClr>
+              <a:buSzPts val="1000"/>
+              <a:buFont typeface="Arial"/>
+              <a:buNone/>
+              <a:defRPr sz="1000" b="0" i="0" u="none" strike="noStrike" cap="none">
+                <a:solidFill>
+                  <a:schemeClr val="dk2"/>
+                </a:solidFill>
+                <a:latin typeface="Arial"/>
+                <a:ea typeface="Arial"/>
+                <a:cs typeface="Arial"/>
+                <a:sym typeface="Arial"/>
+              </a:defRPr>
+            </a:lvl9pPr>
+          </a:lstStyle>
+          <a:p>
+            <a:pPr marL="0" lvl="0" indent="0" algn="r" rtl="0">
+              <a:spcBef>
+                <a:spcPts val="0"/>
+              </a:spcBef>
+              <a:spcAft>
+                <a:spcPts val="0"/>
+              </a:spcAft>
+              <a:buNone/>
+            </a:pPr>
+            <a:fld id="{00000000-1234-1234-1234-123412341234}" type="slidenum">
+              <a:rPr lang="ru"/>
+              <a:t>‹#›</a:t>
+            </a:fld>
+            <a:endParaRPr/>
+          </a:p>
+        </p:txBody>
+      </p:sp>
+    </p:spTree>
+  </p:cSld>
+  <p:clrMapOvr>
+    <a:masterClrMapping/>
+  </p:clrMapOvr>
+</p:sldLayout>
+</file>
+
+<file path=ppt/slideLayouts/slideLayout9.xml><?xml version="1.0" encoding="utf-8"?>
+<p:sldLayout xmlns:a="http://schemas.openxmlformats.org/drawingml/2006/main" xmlns:r="http://schemas.openxmlformats.org/officeDocument/2006/relationships" xmlns:p="http://schemas.openxmlformats.org/presentationml/2006/main" matchingName="Big number">
+  <p:cSld name="BIG_NUMBER">
+    <p:spTree>
+      <p:nvGrpSpPr>
+        <p:cNvPr id="1" name="Shape 44"/>
+        <p:cNvGrpSpPr/>
+        <p:nvPr/>
+      </p:nvGrpSpPr>
+      <p:grpSpPr>
+        <a:xfrm>
+          <a:off x="0" y="0"/>
+          <a:ext cx="0" cy="0"/>
+          <a:chOff x="0" y="0"/>
+          <a:chExt cx="0" cy="0"/>
+        </a:xfrm>
+      </p:grpSpPr>
+      <p:sp>
+        <p:nvSpPr>
+          <p:cNvPr id="45" name="Google Shape;45;p39"/>
+          <p:cNvSpPr txBox="1">
+            <a:spLocks noGrp="1"/>
+          </p:cNvSpPr>
+          <p:nvPr>
+            <p:ph type="title" hasCustomPrompt="1"/>
+          </p:nvPr>
+        </p:nvSpPr>
+        <p:spPr>
+          <a:xfrm>
+            <a:off x="306791" y="1083867"/>
+            <a:ext cx="8386500" cy="1924200"/>
+          </a:xfrm>
+          <a:prstGeom prst="rect">
+            <a:avLst/>
+          </a:prstGeom>
+          <a:noFill/>
+          <a:ln>
+            <a:noFill/>
+          </a:ln>
+        </p:spPr>
+        <p:txBody>
+          <a:bodyPr spcFirstLastPara="1" wrap="square" lIns="91425" tIns="91425" rIns="91425" bIns="91425" anchor="b" anchorCtr="0">
+            <a:noAutofit/>
+          </a:bodyPr>
+          <a:lstStyle>
+            <a:lvl1pPr lvl="0" algn="ctr">
+              <a:lnSpc>
+                <a:spcPct val="100000"/>
+              </a:lnSpc>
+              <a:spcBef>
+                <a:spcPts val="0"/>
+              </a:spcBef>
+              <a:spcAft>
+                <a:spcPts val="0"/>
+              </a:spcAft>
+              <a:buSzPts val="12000"/>
+              <a:buNone/>
+              <a:defRPr sz="12000"/>
+            </a:lvl1pPr>
+            <a:lvl2pPr lvl="1" algn="ctr">
+              <a:lnSpc>
+                <a:spcPct val="100000"/>
+              </a:lnSpc>
+              <a:spcBef>
+                <a:spcPts val="0"/>
+              </a:spcBef>
+              <a:spcAft>
+                <a:spcPts val="0"/>
+              </a:spcAft>
+              <a:buSzPts val="12000"/>
+              <a:buNone/>
+              <a:defRPr sz="12000"/>
+            </a:lvl2pPr>
+            <a:lvl3pPr lvl="2" algn="ctr">
+              <a:lnSpc>
+                <a:spcPct val="100000"/>
+              </a:lnSpc>
+              <a:spcBef>
+                <a:spcPts val="0"/>
+              </a:spcBef>
+              <a:spcAft>
+                <a:spcPts val="0"/>
+              </a:spcAft>
+              <a:buSzPts val="12000"/>
+              <a:buNone/>
+              <a:defRPr sz="12000"/>
+            </a:lvl3pPr>
+            <a:lvl4pPr lvl="3" algn="ctr">
+              <a:lnSpc>
+                <a:spcPct val="100000"/>
+              </a:lnSpc>
+              <a:spcBef>
+                <a:spcPts val="0"/>
+              </a:spcBef>
+              <a:spcAft>
+                <a:spcPts val="0"/>
+              </a:spcAft>
+              <a:buSzPts val="12000"/>
+              <a:buNone/>
+              <a:defRPr sz="12000"/>
+            </a:lvl4pPr>
+            <a:lvl5pPr lvl="4" algn="ctr">
+              <a:lnSpc>
+                <a:spcPct val="100000"/>
+              </a:lnSpc>
+              <a:spcBef>
+                <a:spcPts val="0"/>
+              </a:spcBef>
+              <a:spcAft>
+                <a:spcPts val="0"/>
+              </a:spcAft>
+              <a:buSzPts val="12000"/>
+              <a:buNone/>
+              <a:defRPr sz="12000"/>
+            </a:lvl5pPr>
+            <a:lvl6pPr lvl="5" algn="ctr">
+              <a:lnSpc>
+                <a:spcPct val="100000"/>
+              </a:lnSpc>
+              <a:spcBef>
+                <a:spcPts val="0"/>
+              </a:spcBef>
+              <a:spcAft>
+                <a:spcPts val="0"/>
+              </a:spcAft>
+              <a:buSzPts val="12000"/>
+              <a:buNone/>
+              <a:defRPr sz="12000"/>
+            </a:lvl6pPr>
+            <a:lvl7pPr lvl="6" algn="ctr">
+              <a:lnSpc>
+                <a:spcPct val="100000"/>
+              </a:lnSpc>
+              <a:spcBef>
+                <a:spcPts val="0"/>
+              </a:spcBef>
+              <a:spcAft>
+                <a:spcPts val="0"/>
+              </a:spcAft>
+              <a:buSzPts val="12000"/>
+              <a:buNone/>
+              <a:defRPr sz="12000"/>
+            </a:lvl7pPr>
+            <a:lvl8pPr lvl="7" algn="ctr">
+              <a:lnSpc>
+                <a:spcPct val="100000"/>
+              </a:lnSpc>
+              <a:spcBef>
+                <a:spcPts val="0"/>
+              </a:spcBef>
+              <a:spcAft>
+                <a:spcPts val="0"/>
+              </a:spcAft>
+              <a:buSzPts val="12000"/>
+              <a:buNone/>
+              <a:defRPr sz="12000"/>
+            </a:lvl8pPr>
+            <a:lvl9pPr lvl="8" algn="ctr">
+              <a:lnSpc>
+                <a:spcPct val="100000"/>
+              </a:lnSpc>
+              <a:spcBef>
+                <a:spcPts val="0"/>
+              </a:spcBef>
+              <a:spcAft>
+                <a:spcPts val="0"/>
+              </a:spcAft>
+              <a:buSzPts val="12000"/>
+              <a:buNone/>
+              <a:defRPr sz="12000"/>
+            </a:lvl9pPr>
+          </a:lstStyle>
+          <a:p>
+            <a:r>
+              <a:t>xx%</a:t>
+            </a:r>
+          </a:p>
+        </p:txBody>
+      </p:sp>
+      <p:sp>
+        <p:nvSpPr>
+          <p:cNvPr id="46" name="Google Shape;46;p39"/>
+          <p:cNvSpPr txBox="1">
+            <a:spLocks noGrp="1"/>
+          </p:cNvSpPr>
+          <p:nvPr>
+            <p:ph type="body" idx="1"/>
+          </p:nvPr>
+        </p:nvSpPr>
+        <p:spPr>
+          <a:xfrm>
+            <a:off x="306791" y="3088794"/>
+            <a:ext cx="8386500" cy="1274700"/>
+          </a:xfrm>
+          <a:prstGeom prst="rect">
+            <a:avLst/>
+          </a:prstGeom>
+          <a:noFill/>
+          <a:ln>
+            <a:noFill/>
+          </a:ln>
+        </p:spPr>
+        <p:txBody>
+          <a:bodyPr spcFirstLastPara="1" wrap="square" lIns="91425" tIns="91425" rIns="91425" bIns="91425" anchor="t" anchorCtr="0">
+            <a:noAutofit/>
+          </a:bodyPr>
+          <a:lstStyle>
+            <a:lvl1pPr marL="457200" lvl="0" indent="-342900" algn="ctr">
+              <a:lnSpc>
+                <a:spcPct val="115000"/>
+              </a:lnSpc>
+              <a:spcBef>
+                <a:spcPts val="0"/>
+              </a:spcBef>
+              <a:spcAft>
+                <a:spcPts val="0"/>
+              </a:spcAft>
+              <a:buSzPts val="1800"/>
+              <a:buChar char="●"/>
+              <a:defRPr/>
+            </a:lvl1pPr>
+            <a:lvl2pPr marL="914400" lvl="1" indent="-317500" algn="ctr">
+              <a:lnSpc>
+                <a:spcPct val="115000"/>
+              </a:lnSpc>
+              <a:spcBef>
+                <a:spcPts val="0"/>
+              </a:spcBef>
+              <a:spcAft>
+                <a:spcPts val="0"/>
+              </a:spcAft>
+              <a:buSzPts val="1400"/>
+              <a:buChar char="○"/>
+              <a:defRPr/>
+            </a:lvl2pPr>
+            <a:lvl3pPr marL="1371600" lvl="2" indent="-317500" algn="ctr">
+              <a:lnSpc>
+                <a:spcPct val="115000"/>
+              </a:lnSpc>
+              <a:spcBef>
+                <a:spcPts val="0"/>
+              </a:spcBef>
+              <a:spcAft>
+                <a:spcPts val="0"/>
+              </a:spcAft>
+              <a:buSzPts val="1400"/>
+              <a:buChar char="■"/>
+              <a:defRPr/>
+            </a:lvl3pPr>
+            <a:lvl4pPr marL="1828800" lvl="3" indent="-317500" algn="ctr">
+              <a:lnSpc>
+                <a:spcPct val="115000"/>
+              </a:lnSpc>
+              <a:spcBef>
+                <a:spcPts val="0"/>
+              </a:spcBef>
+              <a:spcAft>
+                <a:spcPts val="0"/>
+              </a:spcAft>
+              <a:buSzPts val="1400"/>
+              <a:buChar char="●"/>
+              <a:defRPr/>
+            </a:lvl4pPr>
+            <a:lvl5pPr marL="2286000" lvl="4" indent="-317500" algn="ctr">
+              <a:lnSpc>
+                <a:spcPct val="115000"/>
+              </a:lnSpc>
+              <a:spcBef>
+                <a:spcPts val="0"/>
+              </a:spcBef>
+              <a:spcAft>
+                <a:spcPts val="0"/>
+              </a:spcAft>
+              <a:buSzPts val="1400"/>
+              <a:buChar char="○"/>
+              <a:defRPr/>
+            </a:lvl5pPr>
+            <a:lvl6pPr marL="2743200" lvl="5" indent="-317500" algn="ctr">
+              <a:lnSpc>
+                <a:spcPct val="115000"/>
+              </a:lnSpc>
+              <a:spcBef>
+                <a:spcPts val="0"/>
+              </a:spcBef>
+              <a:spcAft>
+                <a:spcPts val="0"/>
+              </a:spcAft>
+              <a:buSzPts val="1400"/>
+              <a:buChar char="■"/>
+              <a:defRPr/>
+            </a:lvl6pPr>
+            <a:lvl7pPr marL="3200400" lvl="6" indent="-317500" algn="ctr">
+              <a:lnSpc>
+                <a:spcPct val="115000"/>
+              </a:lnSpc>
+              <a:spcBef>
+                <a:spcPts val="0"/>
+              </a:spcBef>
+              <a:spcAft>
+                <a:spcPts val="0"/>
+              </a:spcAft>
+              <a:buSzPts val="1400"/>
+              <a:buChar char="●"/>
+              <a:defRPr/>
+            </a:lvl7pPr>
+            <a:lvl8pPr marL="3657600" lvl="7" indent="-317500" algn="ctr">
+              <a:lnSpc>
+                <a:spcPct val="115000"/>
+              </a:lnSpc>
+              <a:spcBef>
+                <a:spcPts val="0"/>
+              </a:spcBef>
+              <a:spcAft>
+                <a:spcPts val="0"/>
+              </a:spcAft>
+              <a:buSzPts val="1400"/>
+              <a:buChar char="○"/>
+              <a:defRPr/>
+            </a:lvl8pPr>
+            <a:lvl9pPr marL="4114800" lvl="8" indent="-317500" algn="ctr">
+              <a:lnSpc>
+                <a:spcPct val="115000"/>
+              </a:lnSpc>
+              <a:spcBef>
+                <a:spcPts val="0"/>
+              </a:spcBef>
+              <a:spcAft>
+                <a:spcPts val="0"/>
+              </a:spcAft>
+              <a:buSzPts val="1400"/>
+              <a:buChar char="■"/>
+              <a:defRPr/>
+            </a:lvl9pPr>
+          </a:lstStyle>
+          <a:p>
+            <a:endParaRPr/>
+          </a:p>
+        </p:txBody>
+      </p:sp>
+      <p:sp>
+        <p:nvSpPr>
+          <p:cNvPr id="47" name="Google Shape;47;p39"/>
           <p:cNvSpPr txBox="1">
             <a:spLocks noGrp="1"/>
           </p:cNvSpPr>
@@ -9264,13 +8794,12 @@
     <p:sldLayoutId id="2147483650" r:id="rId2"/>
     <p:sldLayoutId id="2147483651" r:id="rId3"/>
     <p:sldLayoutId id="2147483652" r:id="rId4"/>
-    <p:sldLayoutId id="2147483653" r:id="rId5"/>
-    <p:sldLayoutId id="2147483654" r:id="rId6"/>
-    <p:sldLayoutId id="2147483655" r:id="rId7"/>
-    <p:sldLayoutId id="2147483656" r:id="rId8"/>
-    <p:sldLayoutId id="2147483657" r:id="rId9"/>
-    <p:sldLayoutId id="2147483658" r:id="rId10"/>
-    <p:sldLayoutId id="2147483659" r:id="rId11"/>
+    <p:sldLayoutId id="2147483654" r:id="rId5"/>
+    <p:sldLayoutId id="2147483655" r:id="rId6"/>
+    <p:sldLayoutId id="2147483656" r:id="rId7"/>
+    <p:sldLayoutId id="2147483657" r:id="rId8"/>
+    <p:sldLayoutId id="2147483658" r:id="rId9"/>
+    <p:sldLayoutId id="2147483659" r:id="rId10"/>
   </p:sldLayoutIdLst>
   <p:hf sldNum="0" hdr="0" ftr="0" dt="0"/>
   <p:txStyles>
@@ -10525,26 +10054,7 @@
                   </a:extLst>
                 </a:hlinkClick>
               </a:rPr>
-              <a:t>на</a:t>
-            </a:r>
-            <a:r>
-              <a:rPr lang="ru" sz="3000" b="0" i="0" u="sng" strike="noStrike" cap="none" dirty="0">
-                <a:solidFill>
-                  <a:srgbClr val="123194"/>
-                </a:solidFill>
-                <a:latin typeface="Montserrat"/>
-                <a:ea typeface="Montserrat"/>
-                <a:cs typeface="Montserrat"/>
-                <a:sym typeface="Montserrat"/>
-                <a:hlinkClick r:id="rId5">
-                  <a:extLst>
-                    <a:ext uri="{A12FA001-AC4F-418D-AE19-62706E023703}">
-                      <ahyp:hlinkClr xmlns:ahyp="http://schemas.microsoft.com/office/drawing/2018/hyperlinkcolor" val="tx"/>
-                    </a:ext>
-                  </a:extLst>
-                </a:hlinkClick>
-              </a:rPr>
-              <a:t> дашборд</a:t>
+              <a:t>на дашборд</a:t>
             </a:r>
             <a:endParaRPr lang="ru" sz="3000" b="0" i="0" u="sng" strike="noStrike" cap="none" dirty="0">
               <a:solidFill>
@@ -10600,7 +10110,7 @@
         </p:nvSpPr>
         <p:spPr>
           <a:xfrm>
-            <a:off x="-243001" y="2187657"/>
+            <a:off x="368558" y="2287814"/>
             <a:ext cx="8019756" cy="870857"/>
           </a:xfrm>
           <a:prstGeom prst="rect">
@@ -10617,9 +10127,9 @@
           </a:bodyPr>
           <a:lstStyle/>
           <a:p>
-            <a:pPr marL="609600" lvl="1" algn="l" rtl="0">
-              <a:lnSpc>
-                <a:spcPct val="115000"/>
+            <a:pPr marL="0" marR="0" lvl="0" indent="0" algn="l" rtl="0">
+              <a:lnSpc>
+                <a:spcPct val="100000"/>
               </a:lnSpc>
               <a:spcBef>
                 <a:spcPts val="1200"/>
@@ -10628,127 +10138,25 @@
                 <a:spcPts val="0"/>
               </a:spcAft>
               <a:buClr>
-                <a:srgbClr val="123194"/>
-              </a:buClr>
-              <a:buSzPts val="1200"/>
+                <a:srgbClr val="000000"/>
+              </a:buClr>
+              <a:buSzPts val="2800"/>
+              <a:buFont typeface="Arial"/>
+              <a:buNone/>
             </a:pPr>
             <a:r>
-              <a:rPr lang="ru-RU" sz="1200" dirty="0">
+              <a:rPr lang="en" sz="1100" b="1" dirty="0">
                 <a:solidFill>
                   <a:srgbClr val="123194"/>
                 </a:solidFill>
+                <a:latin typeface="Montserrat"/>
+                <a:ea typeface="Montserrat"/>
+                <a:cs typeface="Montserrat"/>
+                <a:sym typeface="Montserrat"/>
               </a:rPr>
-              <a:t>Скрины </a:t>
+              <a:t>https://25df293e85c63bb5b8.gradio.live/</a:t>
             </a:r>
-            <a:r>
-              <a:rPr lang="ru-RU" sz="1200" dirty="0" err="1">
-                <a:solidFill>
-                  <a:srgbClr val="123194"/>
-                </a:solidFill>
-              </a:rPr>
-              <a:t>дашборда</a:t>
-            </a:r>
-            <a:r>
-              <a:rPr lang="ru-RU" sz="1200" dirty="0">
-                <a:solidFill>
-                  <a:srgbClr val="123194"/>
-                </a:solidFill>
-              </a:rPr>
-              <a:t> (</a:t>
-            </a:r>
-            <a:r>
-              <a:rPr lang="ru-RU" sz="1200" dirty="0">
-                <a:solidFill>
-                  <a:srgbClr val="123194"/>
-                </a:solidFill>
-                <a:hlinkClick r:id="rId6" action="ppaction://hlinksldjump"/>
-              </a:rPr>
-              <a:t>Динамика оценок во времени</a:t>
-            </a:r>
-            <a:r>
-              <a:rPr lang="ru-RU" sz="1200" dirty="0">
-                <a:solidFill>
-                  <a:srgbClr val="123194"/>
-                </a:solidFill>
-              </a:rPr>
-              <a:t>, </a:t>
-            </a:r>
-            <a:r>
-              <a:rPr lang="ru-RU" sz="1200" dirty="0">
-                <a:solidFill>
-                  <a:srgbClr val="123194"/>
-                </a:solidFill>
-                <a:hlinkClick r:id="rId7" action="ppaction://hlinksldjump"/>
-              </a:rPr>
-              <a:t>Матрица доход/стаж</a:t>
-            </a:r>
-            <a:r>
-              <a:rPr lang="ru-RU" sz="1200" dirty="0">
-                <a:solidFill>
-                  <a:srgbClr val="123194"/>
-                </a:solidFill>
-              </a:rPr>
-              <a:t>, </a:t>
-            </a:r>
-            <a:r>
-              <a:rPr lang="ru-RU" sz="1200" dirty="0">
-                <a:solidFill>
-                  <a:srgbClr val="123194"/>
-                </a:solidFill>
-                <a:hlinkClick r:id="rId8" action="ppaction://hlinksldjump"/>
-              </a:rPr>
-              <a:t>Анализ времени отчета</a:t>
-            </a:r>
-            <a:r>
-              <a:rPr lang="ru-RU" sz="1200" dirty="0">
-                <a:solidFill>
-                  <a:srgbClr val="123194"/>
-                </a:solidFill>
-              </a:rPr>
-              <a:t>, </a:t>
-            </a:r>
-            <a:r>
-              <a:rPr lang="ru-RU" sz="1200" dirty="0">
-                <a:solidFill>
-                  <a:srgbClr val="123194"/>
-                </a:solidFill>
-                <a:hlinkClick r:id="rId9" action="ppaction://hlinksldjump"/>
-              </a:rPr>
-              <a:t>Пример фильтрации по полу</a:t>
-            </a:r>
-            <a:r>
-              <a:rPr lang="ru-RU" sz="1200" dirty="0">
-                <a:solidFill>
-                  <a:srgbClr val="123194"/>
-                </a:solidFill>
-              </a:rPr>
-              <a:t>) </a:t>
-            </a:r>
-            <a:endParaRPr sz="1200" dirty="0">
-              <a:solidFill>
-                <a:srgbClr val="123194"/>
-              </a:solidFill>
-            </a:endParaRPr>
-          </a:p>
-          <a:p>
-            <a:pPr marL="0" marR="0" lvl="0" indent="0" algn="l" rtl="0">
-              <a:lnSpc>
-                <a:spcPct val="100000"/>
-              </a:lnSpc>
-              <a:spcBef>
-                <a:spcPts val="1200"/>
-              </a:spcBef>
-              <a:spcAft>
-                <a:spcPts val="0"/>
-              </a:spcAft>
-              <a:buClr>
-                <a:srgbClr val="000000"/>
-              </a:buClr>
-              <a:buSzPts val="2800"/>
-              <a:buFont typeface="Arial"/>
-              <a:buNone/>
-            </a:pPr>
-            <a:endParaRPr sz="2000" b="1" dirty="0">
+            <a:endParaRPr sz="1100" b="1" dirty="0">
               <a:solidFill>
                 <a:srgbClr val="123194"/>
               </a:solidFill>
@@ -10991,516 +10399,6 @@
         </p:spPr>
       </p:pic>
     </p:spTree>
-  </p:cSld>
-  <p:clrMapOvr>
-    <a:masterClrMapping/>
-  </p:clrMapOvr>
-</p:sld>
-</file>
-
-<file path=ppt/slides/slide12.xml><?xml version="1.0" encoding="utf-8"?>
-<p:sld xmlns:a="http://schemas.openxmlformats.org/drawingml/2006/main" xmlns:r="http://schemas.openxmlformats.org/officeDocument/2006/relationships" xmlns:p="http://schemas.openxmlformats.org/presentationml/2006/main" show="0">
-  <p:cSld>
-    <p:spTree>
-      <p:nvGrpSpPr>
-        <p:cNvPr id="1" name="">
-          <a:extLst>
-            <a:ext uri="{FF2B5EF4-FFF2-40B4-BE49-F238E27FC236}">
-              <a16:creationId xmlns:a16="http://schemas.microsoft.com/office/drawing/2014/main" id="{59B45644-6C09-24FA-C081-E23C53195F60}"/>
-            </a:ext>
-          </a:extLst>
-        </p:cNvPr>
-        <p:cNvGrpSpPr/>
-        <p:nvPr/>
-      </p:nvGrpSpPr>
-      <p:grpSpPr>
-        <a:xfrm>
-          <a:off x="0" y="0"/>
-          <a:ext cx="0" cy="0"/>
-          <a:chOff x="0" y="0"/>
-          <a:chExt cx="0" cy="0"/>
-        </a:xfrm>
-      </p:grpSpPr>
-      <p:sp>
-        <p:nvSpPr>
-          <p:cNvPr id="2" name="Заголовок 1">
-            <a:extLst>
-              <a:ext uri="{FF2B5EF4-FFF2-40B4-BE49-F238E27FC236}">
-                <a16:creationId xmlns:a16="http://schemas.microsoft.com/office/drawing/2014/main" id="{3F9DA474-AB1A-72E7-8BF9-EAEE9202EE6A}"/>
-              </a:ext>
-            </a:extLst>
-          </p:cNvPr>
-          <p:cNvSpPr>
-            <a:spLocks noGrp="1"/>
-          </p:cNvSpPr>
-          <p:nvPr>
-            <p:ph type="title"/>
-          </p:nvPr>
-        </p:nvSpPr>
-        <p:spPr/>
-        <p:txBody>
-          <a:bodyPr/>
-          <a:lstStyle/>
-          <a:p>
-            <a:r>
-              <a:rPr lang="ru-RU" dirty="0"/>
-              <a:t>Динамика оценок во времени</a:t>
-            </a:r>
-          </a:p>
-        </p:txBody>
-      </p:sp>
-      <p:pic>
-        <p:nvPicPr>
-          <p:cNvPr id="4" name="Рисунок 3">
-            <a:extLst>
-              <a:ext uri="{FF2B5EF4-FFF2-40B4-BE49-F238E27FC236}">
-                <a16:creationId xmlns:a16="http://schemas.microsoft.com/office/drawing/2014/main" id="{3E23A733-5605-F9B9-1D2C-6357E4BEC4DE}"/>
-              </a:ext>
-            </a:extLst>
-          </p:cNvPr>
-          <p:cNvPicPr>
-            <a:picLocks noChangeAspect="1"/>
-          </p:cNvPicPr>
-          <p:nvPr/>
-        </p:nvPicPr>
-        <p:blipFill>
-          <a:blip r:embed="rId2"/>
-          <a:stretch>
-            <a:fillRect/>
-          </a:stretch>
-        </p:blipFill>
-        <p:spPr>
-          <a:xfrm>
-            <a:off x="382792" y="997370"/>
-            <a:ext cx="7772400" cy="3923211"/>
-          </a:xfrm>
-          <a:prstGeom prst="rect">
-            <a:avLst/>
-          </a:prstGeom>
-        </p:spPr>
-      </p:pic>
-      <p:sp>
-        <p:nvSpPr>
-          <p:cNvPr id="5" name="TextBox 4">
-            <a:extLst>
-              <a:ext uri="{FF2B5EF4-FFF2-40B4-BE49-F238E27FC236}">
-                <a16:creationId xmlns:a16="http://schemas.microsoft.com/office/drawing/2014/main" id="{AB90F06C-2B30-DAC5-69E5-4C602C8D1068}"/>
-              </a:ext>
-            </a:extLst>
-          </p:cNvPr>
-          <p:cNvSpPr txBox="1"/>
-          <p:nvPr/>
-        </p:nvSpPr>
-        <p:spPr>
-          <a:xfrm>
-            <a:off x="0" y="0"/>
-            <a:ext cx="2830286" cy="307777"/>
-          </a:xfrm>
-          <a:prstGeom prst="rect">
-            <a:avLst/>
-          </a:prstGeom>
-          <a:noFill/>
-        </p:spPr>
-        <p:txBody>
-          <a:bodyPr wrap="square" rtlCol="0">
-            <a:spAutoFit/>
-          </a:bodyPr>
-          <a:lstStyle/>
-          <a:p>
-            <a:r>
-              <a:rPr lang="ru-RU" dirty="0"/>
-              <a:t>Приложение</a:t>
-            </a:r>
-          </a:p>
-        </p:txBody>
-      </p:sp>
-    </p:spTree>
-    <p:extLst>
-      <p:ext uri="{BB962C8B-B14F-4D97-AF65-F5344CB8AC3E}">
-        <p14:creationId xmlns:p14="http://schemas.microsoft.com/office/powerpoint/2010/main" val="2912922564"/>
-      </p:ext>
-    </p:extLst>
-  </p:cSld>
-  <p:clrMapOvr>
-    <a:masterClrMapping/>
-  </p:clrMapOvr>
-</p:sld>
-</file>
-
-<file path=ppt/slides/slide13.xml><?xml version="1.0" encoding="utf-8"?>
-<p:sld xmlns:a="http://schemas.openxmlformats.org/drawingml/2006/main" xmlns:r="http://schemas.openxmlformats.org/officeDocument/2006/relationships" xmlns:p="http://schemas.openxmlformats.org/presentationml/2006/main" show="0">
-  <p:cSld>
-    <p:spTree>
-      <p:nvGrpSpPr>
-        <p:cNvPr id="1" name="">
-          <a:extLst>
-            <a:ext uri="{FF2B5EF4-FFF2-40B4-BE49-F238E27FC236}">
-              <a16:creationId xmlns:a16="http://schemas.microsoft.com/office/drawing/2014/main" id="{C62CF29E-4522-8998-7A1C-DB4F70F85F9B}"/>
-            </a:ext>
-          </a:extLst>
-        </p:cNvPr>
-        <p:cNvGrpSpPr/>
-        <p:nvPr/>
-      </p:nvGrpSpPr>
-      <p:grpSpPr>
-        <a:xfrm>
-          <a:off x="0" y="0"/>
-          <a:ext cx="0" cy="0"/>
-          <a:chOff x="0" y="0"/>
-          <a:chExt cx="0" cy="0"/>
-        </a:xfrm>
-      </p:grpSpPr>
-      <p:sp>
-        <p:nvSpPr>
-          <p:cNvPr id="2" name="Заголовок 1">
-            <a:extLst>
-              <a:ext uri="{FF2B5EF4-FFF2-40B4-BE49-F238E27FC236}">
-                <a16:creationId xmlns:a16="http://schemas.microsoft.com/office/drawing/2014/main" id="{ABA5D4CD-BF8F-58B9-D695-611B00E5468C}"/>
-              </a:ext>
-            </a:extLst>
-          </p:cNvPr>
-          <p:cNvSpPr>
-            <a:spLocks noGrp="1"/>
-          </p:cNvSpPr>
-          <p:nvPr>
-            <p:ph type="title"/>
-          </p:nvPr>
-        </p:nvSpPr>
-        <p:spPr/>
-        <p:txBody>
-          <a:bodyPr/>
-          <a:lstStyle/>
-          <a:p>
-            <a:r>
-              <a:rPr lang="ru-RU" dirty="0"/>
-              <a:t>Матрица доход/стаж</a:t>
-            </a:r>
-          </a:p>
-        </p:txBody>
-      </p:sp>
-      <p:pic>
-        <p:nvPicPr>
-          <p:cNvPr id="4" name="Рисунок 3">
-            <a:extLst>
-              <a:ext uri="{FF2B5EF4-FFF2-40B4-BE49-F238E27FC236}">
-                <a16:creationId xmlns:a16="http://schemas.microsoft.com/office/drawing/2014/main" id="{3F42F2FA-17F4-BEE5-C627-1965539E3AA3}"/>
-              </a:ext>
-            </a:extLst>
-          </p:cNvPr>
-          <p:cNvPicPr>
-            <a:picLocks noChangeAspect="1"/>
-          </p:cNvPicPr>
-          <p:nvPr/>
-        </p:nvPicPr>
-        <p:blipFill>
-          <a:blip r:embed="rId2"/>
-          <a:stretch>
-            <a:fillRect/>
-          </a:stretch>
-        </p:blipFill>
-        <p:spPr>
-          <a:xfrm>
-            <a:off x="306246" y="997370"/>
-            <a:ext cx="8604373" cy="3465773"/>
-          </a:xfrm>
-          <a:prstGeom prst="rect">
-            <a:avLst/>
-          </a:prstGeom>
-        </p:spPr>
-      </p:pic>
-      <p:sp>
-        <p:nvSpPr>
-          <p:cNvPr id="5" name="TextBox 4">
-            <a:extLst>
-              <a:ext uri="{FF2B5EF4-FFF2-40B4-BE49-F238E27FC236}">
-                <a16:creationId xmlns:a16="http://schemas.microsoft.com/office/drawing/2014/main" id="{131AE188-851B-4F08-B19A-B894EDC97E49}"/>
-              </a:ext>
-            </a:extLst>
-          </p:cNvPr>
-          <p:cNvSpPr txBox="1"/>
-          <p:nvPr/>
-        </p:nvSpPr>
-        <p:spPr>
-          <a:xfrm>
-            <a:off x="0" y="0"/>
-            <a:ext cx="2390503" cy="307777"/>
-          </a:xfrm>
-          <a:prstGeom prst="rect">
-            <a:avLst/>
-          </a:prstGeom>
-          <a:noFill/>
-        </p:spPr>
-        <p:txBody>
-          <a:bodyPr wrap="square" rtlCol="0">
-            <a:spAutoFit/>
-          </a:bodyPr>
-          <a:lstStyle/>
-          <a:p>
-            <a:r>
-              <a:rPr lang="ru-RU" dirty="0"/>
-              <a:t>Приложение</a:t>
-            </a:r>
-          </a:p>
-        </p:txBody>
-      </p:sp>
-    </p:spTree>
-    <p:extLst>
-      <p:ext uri="{BB962C8B-B14F-4D97-AF65-F5344CB8AC3E}">
-        <p14:creationId xmlns:p14="http://schemas.microsoft.com/office/powerpoint/2010/main" val="2664159665"/>
-      </p:ext>
-    </p:extLst>
-  </p:cSld>
-  <p:clrMapOvr>
-    <a:masterClrMapping/>
-  </p:clrMapOvr>
-</p:sld>
-</file>
-
-<file path=ppt/slides/slide14.xml><?xml version="1.0" encoding="utf-8"?>
-<p:sld xmlns:a="http://schemas.openxmlformats.org/drawingml/2006/main" xmlns:r="http://schemas.openxmlformats.org/officeDocument/2006/relationships" xmlns:p="http://schemas.openxmlformats.org/presentationml/2006/main" show="0">
-  <p:cSld>
-    <p:spTree>
-      <p:nvGrpSpPr>
-        <p:cNvPr id="1" name="">
-          <a:extLst>
-            <a:ext uri="{FF2B5EF4-FFF2-40B4-BE49-F238E27FC236}">
-              <a16:creationId xmlns:a16="http://schemas.microsoft.com/office/drawing/2014/main" id="{1E1F1B0B-6A36-A93D-895D-3BDB719AAEE2}"/>
-            </a:ext>
-          </a:extLst>
-        </p:cNvPr>
-        <p:cNvGrpSpPr/>
-        <p:nvPr/>
-      </p:nvGrpSpPr>
-      <p:grpSpPr>
-        <a:xfrm>
-          <a:off x="0" y="0"/>
-          <a:ext cx="0" cy="0"/>
-          <a:chOff x="0" y="0"/>
-          <a:chExt cx="0" cy="0"/>
-        </a:xfrm>
-      </p:grpSpPr>
-      <p:sp>
-        <p:nvSpPr>
-          <p:cNvPr id="2" name="Заголовок 1">
-            <a:extLst>
-              <a:ext uri="{FF2B5EF4-FFF2-40B4-BE49-F238E27FC236}">
-                <a16:creationId xmlns:a16="http://schemas.microsoft.com/office/drawing/2014/main" id="{C3FDCBDA-8E68-B31E-F800-08C5A747F736}"/>
-              </a:ext>
-            </a:extLst>
-          </p:cNvPr>
-          <p:cNvSpPr>
-            <a:spLocks noGrp="1"/>
-          </p:cNvSpPr>
-          <p:nvPr>
-            <p:ph type="title"/>
-          </p:nvPr>
-        </p:nvSpPr>
-        <p:spPr/>
-        <p:txBody>
-          <a:bodyPr/>
-          <a:lstStyle/>
-          <a:p>
-            <a:r>
-              <a:rPr lang="ru-RU" dirty="0"/>
-              <a:t>Анализ времени ответа</a:t>
-            </a:r>
-          </a:p>
-        </p:txBody>
-      </p:sp>
-      <p:pic>
-        <p:nvPicPr>
-          <p:cNvPr id="4" name="Рисунок 3">
-            <a:extLst>
-              <a:ext uri="{FF2B5EF4-FFF2-40B4-BE49-F238E27FC236}">
-                <a16:creationId xmlns:a16="http://schemas.microsoft.com/office/drawing/2014/main" id="{AA0B244B-0EA4-D123-C248-8CFC09C67ACF}"/>
-              </a:ext>
-            </a:extLst>
-          </p:cNvPr>
-          <p:cNvPicPr>
-            <a:picLocks noChangeAspect="1"/>
-          </p:cNvPicPr>
-          <p:nvPr/>
-        </p:nvPicPr>
-        <p:blipFill>
-          <a:blip r:embed="rId2"/>
-          <a:stretch>
-            <a:fillRect/>
-          </a:stretch>
-        </p:blipFill>
-        <p:spPr>
-          <a:xfrm>
-            <a:off x="306247" y="955879"/>
-            <a:ext cx="7772400" cy="3886200"/>
-          </a:xfrm>
-          <a:prstGeom prst="rect">
-            <a:avLst/>
-          </a:prstGeom>
-        </p:spPr>
-      </p:pic>
-      <p:sp>
-        <p:nvSpPr>
-          <p:cNvPr id="5" name="TextBox 4">
-            <a:extLst>
-              <a:ext uri="{FF2B5EF4-FFF2-40B4-BE49-F238E27FC236}">
-                <a16:creationId xmlns:a16="http://schemas.microsoft.com/office/drawing/2014/main" id="{B8554E0E-09C5-6F38-4FE3-518DF3EC3EC9}"/>
-              </a:ext>
-            </a:extLst>
-          </p:cNvPr>
-          <p:cNvSpPr txBox="1"/>
-          <p:nvPr/>
-        </p:nvSpPr>
-        <p:spPr>
-          <a:xfrm>
-            <a:off x="0" y="0"/>
-            <a:ext cx="3387634" cy="307777"/>
-          </a:xfrm>
-          <a:prstGeom prst="rect">
-            <a:avLst/>
-          </a:prstGeom>
-          <a:noFill/>
-        </p:spPr>
-        <p:txBody>
-          <a:bodyPr wrap="square" rtlCol="0">
-            <a:spAutoFit/>
-          </a:bodyPr>
-          <a:lstStyle/>
-          <a:p>
-            <a:r>
-              <a:rPr lang="ru-RU" dirty="0"/>
-              <a:t>Приложение</a:t>
-            </a:r>
-          </a:p>
-        </p:txBody>
-      </p:sp>
-    </p:spTree>
-    <p:extLst>
-      <p:ext uri="{BB962C8B-B14F-4D97-AF65-F5344CB8AC3E}">
-        <p14:creationId xmlns:p14="http://schemas.microsoft.com/office/powerpoint/2010/main" val="2786894939"/>
-      </p:ext>
-    </p:extLst>
-  </p:cSld>
-  <p:clrMapOvr>
-    <a:masterClrMapping/>
-  </p:clrMapOvr>
-</p:sld>
-</file>
-
-<file path=ppt/slides/slide15.xml><?xml version="1.0" encoding="utf-8"?>
-<p:sld xmlns:a="http://schemas.openxmlformats.org/drawingml/2006/main" xmlns:r="http://schemas.openxmlformats.org/officeDocument/2006/relationships" xmlns:p="http://schemas.openxmlformats.org/presentationml/2006/main" show="0">
-  <p:cSld>
-    <p:spTree>
-      <p:nvGrpSpPr>
-        <p:cNvPr id="1" name=""/>
-        <p:cNvGrpSpPr/>
-        <p:nvPr/>
-      </p:nvGrpSpPr>
-      <p:grpSpPr>
-        <a:xfrm>
-          <a:off x="0" y="0"/>
-          <a:ext cx="0" cy="0"/>
-          <a:chOff x="0" y="0"/>
-          <a:chExt cx="0" cy="0"/>
-        </a:xfrm>
-      </p:grpSpPr>
-      <p:sp>
-        <p:nvSpPr>
-          <p:cNvPr id="2" name="Заголовок 1">
-            <a:extLst>
-              <a:ext uri="{FF2B5EF4-FFF2-40B4-BE49-F238E27FC236}">
-                <a16:creationId xmlns:a16="http://schemas.microsoft.com/office/drawing/2014/main" id="{91B1ED21-9620-5662-0367-18B84B37A2D1}"/>
-              </a:ext>
-            </a:extLst>
-          </p:cNvPr>
-          <p:cNvSpPr>
-            <a:spLocks noGrp="1"/>
-          </p:cNvSpPr>
-          <p:nvPr>
-            <p:ph type="title"/>
-          </p:nvPr>
-        </p:nvSpPr>
-        <p:spPr/>
-        <p:txBody>
-          <a:bodyPr/>
-          <a:lstStyle/>
-          <a:p>
-            <a:r>
-              <a:rPr lang="ru-RU" dirty="0"/>
-              <a:t>Пример фильтрации по полу</a:t>
-            </a:r>
-          </a:p>
-        </p:txBody>
-      </p:sp>
-      <p:pic>
-        <p:nvPicPr>
-          <p:cNvPr id="3" name="Рисунок 2">
-            <a:extLst>
-              <a:ext uri="{FF2B5EF4-FFF2-40B4-BE49-F238E27FC236}">
-                <a16:creationId xmlns:a16="http://schemas.microsoft.com/office/drawing/2014/main" id="{636F84DB-0338-902A-26DC-46C5E07BBD83}"/>
-              </a:ext>
-            </a:extLst>
-          </p:cNvPr>
-          <p:cNvPicPr>
-            <a:picLocks noChangeAspect="1"/>
-          </p:cNvPicPr>
-          <p:nvPr/>
-        </p:nvPicPr>
-        <p:blipFill>
-          <a:blip r:embed="rId2"/>
-          <a:stretch>
-            <a:fillRect/>
-          </a:stretch>
-        </p:blipFill>
-        <p:spPr>
-          <a:xfrm>
-            <a:off x="306791" y="1179201"/>
-            <a:ext cx="7249886" cy="3590709"/>
-          </a:xfrm>
-          <a:prstGeom prst="rect">
-            <a:avLst/>
-          </a:prstGeom>
-        </p:spPr>
-      </p:pic>
-      <p:sp>
-        <p:nvSpPr>
-          <p:cNvPr id="4" name="TextBox 3">
-            <a:extLst>
-              <a:ext uri="{FF2B5EF4-FFF2-40B4-BE49-F238E27FC236}">
-                <a16:creationId xmlns:a16="http://schemas.microsoft.com/office/drawing/2014/main" id="{88887F38-B2AF-B9BF-597C-0C57BF61D13B}"/>
-              </a:ext>
-            </a:extLst>
-          </p:cNvPr>
-          <p:cNvSpPr txBox="1"/>
-          <p:nvPr/>
-        </p:nvSpPr>
-        <p:spPr>
-          <a:xfrm>
-            <a:off x="0" y="0"/>
-            <a:ext cx="2760617" cy="307777"/>
-          </a:xfrm>
-          <a:prstGeom prst="rect">
-            <a:avLst/>
-          </a:prstGeom>
-          <a:noFill/>
-        </p:spPr>
-        <p:txBody>
-          <a:bodyPr wrap="square" rtlCol="0">
-            <a:spAutoFit/>
-          </a:bodyPr>
-          <a:lstStyle/>
-          <a:p>
-            <a:r>
-              <a:rPr lang="ru-RU" dirty="0"/>
-              <a:t>Приложение</a:t>
-            </a:r>
-          </a:p>
-        </p:txBody>
-      </p:sp>
-    </p:spTree>
-    <p:extLst>
-      <p:ext uri="{BB962C8B-B14F-4D97-AF65-F5344CB8AC3E}">
-        <p14:creationId xmlns:p14="http://schemas.microsoft.com/office/powerpoint/2010/main" val="3977170171"/>
-      </p:ext>
-    </p:extLst>
   </p:cSld>
   <p:clrMapOvr>
     <a:masterClrMapping/>
